--- a/docs/Trabalho-Final.pptx
+++ b/docs/Trabalho-Final.pptx
@@ -2,18 +2,22 @@
 <file path=ppt/presentation.xml><?xml version="1.0" encoding="utf-8"?>
 <p:presentation xmlns:a="http://schemas.openxmlformats.org/drawingml/2006/main" xmlns:r="http://schemas.openxmlformats.org/officeDocument/2006/relationships" xmlns:p="http://schemas.openxmlformats.org/presentationml/2006/main" saveSubsetFonts="1">
   <p:sldMasterIdLst>
-    <p:sldMasterId id="2147483648" r:id="rId1"/>
+    <p:sldMasterId id="2147483972" r:id="rId1"/>
   </p:sldMasterIdLst>
   <p:notesMasterIdLst>
-    <p:notesMasterId r:id="rId8"/>
+    <p:notesMasterId r:id="rId12"/>
   </p:notesMasterIdLst>
   <p:sldIdLst>
     <p:sldId id="256" r:id="rId2"/>
-    <p:sldId id="257" r:id="rId3"/>
-    <p:sldId id="258" r:id="rId4"/>
-    <p:sldId id="259" r:id="rId5"/>
-    <p:sldId id="261" r:id="rId6"/>
-    <p:sldId id="260" r:id="rId7"/>
+    <p:sldId id="263" r:id="rId3"/>
+    <p:sldId id="262" r:id="rId4"/>
+    <p:sldId id="257" r:id="rId5"/>
+    <p:sldId id="258" r:id="rId6"/>
+    <p:sldId id="264" r:id="rId7"/>
+    <p:sldId id="259" r:id="rId8"/>
+    <p:sldId id="265" r:id="rId9"/>
+    <p:sldId id="261" r:id="rId10"/>
+    <p:sldId id="260" r:id="rId11"/>
   </p:sldIdLst>
   <p:sldSz cx="9144000" cy="6858000" type="screen4x3"/>
   <p:notesSz cx="6858000" cy="9144000"/>
@@ -197,7 +201,7 @@
           <a:p>
             <a:fld id="{70189321-DFDA-43F5-BCE8-1C18FB318627}" type="datetimeFigureOut">
               <a:rPr lang="en-US" smtClean="0"/>
-              <a:t>6/19/2013</a:t>
+              <a:t>6/27/2013</a:t>
             </a:fld>
             <a:endParaRPr lang="en-US"/>
           </a:p>
@@ -365,6 +369,11 @@
         </p:txBody>
       </p:sp>
     </p:spTree>
+    <p:extLst>
+      <p:ext uri="{BB962C8B-B14F-4D97-AF65-F5344CB8AC3E}">
+        <p14:creationId xmlns:p14="http://schemas.microsoft.com/office/powerpoint/2010/main" val="2588795688"/>
+      </p:ext>
+    </p:extLst>
   </p:cSld>
   <p:clrMap bg1="lt1" tx1="dk1" bg2="lt2" tx2="dk2" accent1="accent1" accent2="accent2" accent3="accent3" accent4="accent4" accent5="accent5" accent6="accent6" hlink="hlink" folHlink="folHlink"/>
   <p:notesStyle>
@@ -610,7 +619,7 @@
           <a:p>
             <a:fld id="{164AA0AC-6FA9-4431-92AA-FE6C8525E1A5}" type="slidenum">
               <a:rPr lang="en-US" smtClean="0"/>
-              <a:t>2</a:t>
+              <a:t>4</a:t>
             </a:fld>
             <a:endParaRPr lang="en-US"/>
           </a:p>
@@ -691,7 +700,7 @@
           <a:p>
             <a:fld id="{164AA0AC-6FA9-4431-92AA-FE6C8525E1A5}" type="slidenum">
               <a:rPr lang="en-US" smtClean="0"/>
-              <a:t>3</a:t>
+              <a:t>5</a:t>
             </a:fld>
             <a:endParaRPr lang="en-US"/>
           </a:p>
@@ -772,7 +781,7 @@
           <a:p>
             <a:fld id="{164AA0AC-6FA9-4431-92AA-FE6C8525E1A5}" type="slidenum">
               <a:rPr lang="en-US" smtClean="0"/>
-              <a:t>4</a:t>
+              <a:t>7</a:t>
             </a:fld>
             <a:endParaRPr lang="en-US"/>
           </a:p>
@@ -853,7 +862,7 @@
           <a:p>
             <a:fld id="{164AA0AC-6FA9-4431-92AA-FE6C8525E1A5}" type="slidenum">
               <a:rPr lang="en-US" smtClean="0"/>
-              <a:t>5</a:t>
+              <a:t>8</a:t>
             </a:fld>
             <a:endParaRPr lang="en-US"/>
           </a:p>
@@ -934,7 +943,88 @@
           <a:p>
             <a:fld id="{164AA0AC-6FA9-4431-92AA-FE6C8525E1A5}" type="slidenum">
               <a:rPr lang="en-US" smtClean="0"/>
-              <a:t>6</a:t>
+              <a:t>9</a:t>
+            </a:fld>
+            <a:endParaRPr lang="en-US"/>
+          </a:p>
+        </p:txBody>
+      </p:sp>
+    </p:spTree>
+  </p:cSld>
+  <p:clrMapOvr>
+    <a:masterClrMapping/>
+  </p:clrMapOvr>
+</p:notes>
+</file>
+
+<file path=ppt/notesSlides/notesSlide7.xml><?xml version="1.0" encoding="utf-8"?>
+<p:notes xmlns:a="http://schemas.openxmlformats.org/drawingml/2006/main" xmlns:r="http://schemas.openxmlformats.org/officeDocument/2006/relationships" xmlns:p="http://schemas.openxmlformats.org/presentationml/2006/main">
+  <p:cSld>
+    <p:spTree>
+      <p:nvGrpSpPr>
+        <p:cNvPr id="1" name=""/>
+        <p:cNvGrpSpPr/>
+        <p:nvPr/>
+      </p:nvGrpSpPr>
+      <p:grpSpPr>
+        <a:xfrm>
+          <a:off x="0" y="0"/>
+          <a:ext cx="0" cy="0"/>
+          <a:chOff x="0" y="0"/>
+          <a:chExt cx="0" cy="0"/>
+        </a:xfrm>
+      </p:grpSpPr>
+      <p:sp>
+        <p:nvSpPr>
+          <p:cNvPr id="2" name="Espaço Reservado para Imagem de Slide 1"/>
+          <p:cNvSpPr>
+            <a:spLocks noGrp="1" noRot="1" noChangeAspect="1"/>
+          </p:cNvSpPr>
+          <p:nvPr>
+            <p:ph type="sldImg"/>
+          </p:nvPr>
+        </p:nvSpPr>
+        <p:spPr/>
+      </p:sp>
+      <p:sp>
+        <p:nvSpPr>
+          <p:cNvPr id="3" name="Espaço Reservado para Anotações 2"/>
+          <p:cNvSpPr>
+            <a:spLocks noGrp="1"/>
+          </p:cNvSpPr>
+          <p:nvPr>
+            <p:ph type="body" idx="1"/>
+          </p:nvPr>
+        </p:nvSpPr>
+        <p:spPr/>
+        <p:txBody>
+          <a:bodyPr>
+            <a:normAutofit/>
+          </a:bodyPr>
+          <a:lstStyle/>
+          <a:p>
+            <a:endParaRPr lang="en-US"/>
+          </a:p>
+        </p:txBody>
+      </p:sp>
+      <p:sp>
+        <p:nvSpPr>
+          <p:cNvPr id="4" name="Espaço Reservado para Número de Slide 3"/>
+          <p:cNvSpPr>
+            <a:spLocks noGrp="1"/>
+          </p:cNvSpPr>
+          <p:nvPr>
+            <p:ph type="sldNum" sz="quarter" idx="10"/>
+          </p:nvPr>
+        </p:nvSpPr>
+        <p:spPr/>
+        <p:txBody>
+          <a:bodyPr/>
+          <a:lstStyle/>
+          <a:p>
+            <a:fld id="{164AA0AC-6FA9-4431-92AA-FE6C8525E1A5}" type="slidenum">
+              <a:rPr lang="en-US" smtClean="0"/>
+              <a:t>10</a:t>
             </a:fld>
             <a:endParaRPr lang="en-US"/>
           </a:p>
@@ -949,7 +1039,7 @@
 </file>
 
 <file path=ppt/slideLayouts/slideLayout1.xml><?xml version="1.0" encoding="utf-8"?>
-<p:sldLayout xmlns:a="http://schemas.openxmlformats.org/drawingml/2006/main" xmlns:r="http://schemas.openxmlformats.org/officeDocument/2006/relationships" xmlns:p="http://schemas.openxmlformats.org/presentationml/2006/main" type="title" preserve="1">
+<p:sldLayout xmlns:a="http://schemas.openxmlformats.org/drawingml/2006/main" xmlns:r="http://schemas.openxmlformats.org/officeDocument/2006/relationships" xmlns:p="http://schemas.openxmlformats.org/presentationml/2006/main" showMasterSp="0" type="title" preserve="1">
   <p:cSld name="Slide de título">
     <p:spTree>
       <p:nvGrpSpPr>
@@ -967,35 +1057,565 @@
       </p:grpSpPr>
       <p:sp>
         <p:nvSpPr>
-          <p:cNvPr id="2" name="Título 1"/>
-          <p:cNvSpPr>
-            <a:spLocks noGrp="1"/>
-          </p:cNvSpPr>
-          <p:nvPr>
-            <p:ph type="ctrTitle"/>
-          </p:nvPr>
+          <p:cNvPr id="23" name="Retângulo 22"/>
+          <p:cNvSpPr/>
+          <p:nvPr/>
+        </p:nvSpPr>
+        <p:spPr>
+          <a:xfrm flipV="1">
+            <a:off x="5410182" y="3810000"/>
+            <a:ext cx="3733819" cy="91087"/>
+          </a:xfrm>
+          <a:prstGeom prst="rect">
+            <a:avLst/>
+          </a:prstGeom>
+          <a:solidFill>
+            <a:schemeClr val="accent2">
+              <a:alpha val="100000"/>
+            </a:schemeClr>
+          </a:solidFill>
+          <a:ln w="50800" cap="rnd" cmpd="thickThin" algn="ctr">
+            <a:noFill/>
+            <a:prstDash val="solid"/>
+          </a:ln>
+          <a:effectLst/>
+        </p:spPr>
+        <p:style>
+          <a:lnRef idx="3">
+            <a:schemeClr val="lt1"/>
+          </a:lnRef>
+          <a:fillRef idx="1">
+            <a:schemeClr val="accent1"/>
+          </a:fillRef>
+          <a:effectRef idx="1">
+            <a:schemeClr val="accent1"/>
+          </a:effectRef>
+          <a:fontRef idx="minor">
+            <a:schemeClr val="lt1"/>
+          </a:fontRef>
+        </p:style>
+        <p:txBody>
+          <a:bodyPr anchor="ctr"/>
+          <a:lstStyle/>
+          <a:p>
+            <a:pPr algn="ctr" eaLnBrk="1" latinLnBrk="0" hangingPunct="1"/>
+            <a:endParaRPr kumimoji="0" lang="en-US"/>
+          </a:p>
+        </p:txBody>
+      </p:sp>
+      <p:sp>
+        <p:nvSpPr>
+          <p:cNvPr id="24" name="Retângulo 23"/>
+          <p:cNvSpPr/>
+          <p:nvPr/>
+        </p:nvSpPr>
+        <p:spPr>
+          <a:xfrm flipV="1">
+            <a:off x="5410200" y="3897010"/>
+            <a:ext cx="3733801" cy="192024"/>
+          </a:xfrm>
+          <a:prstGeom prst="rect">
+            <a:avLst/>
+          </a:prstGeom>
+          <a:solidFill>
+            <a:schemeClr val="accent2">
+              <a:alpha val="50000"/>
+            </a:schemeClr>
+          </a:solidFill>
+          <a:ln w="50800" cap="rnd" cmpd="thickThin" algn="ctr">
+            <a:noFill/>
+            <a:prstDash val="solid"/>
+          </a:ln>
+          <a:effectLst/>
+        </p:spPr>
+        <p:style>
+          <a:lnRef idx="3">
+            <a:schemeClr val="lt1"/>
+          </a:lnRef>
+          <a:fillRef idx="1">
+            <a:schemeClr val="accent1"/>
+          </a:fillRef>
+          <a:effectRef idx="1">
+            <a:schemeClr val="accent1"/>
+          </a:effectRef>
+          <a:fontRef idx="minor">
+            <a:schemeClr val="lt1"/>
+          </a:fontRef>
+        </p:style>
+        <p:txBody>
+          <a:bodyPr anchor="ctr"/>
+          <a:lstStyle/>
+          <a:p>
+            <a:pPr algn="ctr" eaLnBrk="1" latinLnBrk="0" hangingPunct="1"/>
+            <a:endParaRPr kumimoji="0" lang="en-US"/>
+          </a:p>
+        </p:txBody>
+      </p:sp>
+      <p:sp>
+        <p:nvSpPr>
+          <p:cNvPr id="25" name="Retângulo 24"/>
+          <p:cNvSpPr/>
+          <p:nvPr/>
+        </p:nvSpPr>
+        <p:spPr>
+          <a:xfrm flipV="1">
+            <a:off x="5410200" y="4115167"/>
+            <a:ext cx="3733801" cy="9144"/>
+          </a:xfrm>
+          <a:prstGeom prst="rect">
+            <a:avLst/>
+          </a:prstGeom>
+          <a:solidFill>
+            <a:schemeClr val="accent2">
+              <a:alpha val="65000"/>
+            </a:schemeClr>
+          </a:solidFill>
+          <a:ln w="50800" cap="rnd" cmpd="thickThin" algn="ctr">
+            <a:noFill/>
+            <a:prstDash val="solid"/>
+          </a:ln>
+          <a:effectLst/>
+        </p:spPr>
+        <p:style>
+          <a:lnRef idx="3">
+            <a:schemeClr val="lt1"/>
+          </a:lnRef>
+          <a:fillRef idx="1">
+            <a:schemeClr val="accent1"/>
+          </a:fillRef>
+          <a:effectRef idx="1">
+            <a:schemeClr val="accent1"/>
+          </a:effectRef>
+          <a:fontRef idx="minor">
+            <a:schemeClr val="lt1"/>
+          </a:fontRef>
+        </p:style>
+        <p:txBody>
+          <a:bodyPr anchor="ctr"/>
+          <a:lstStyle/>
+          <a:p>
+            <a:pPr algn="ctr" eaLnBrk="1" latinLnBrk="0" hangingPunct="1"/>
+            <a:endParaRPr kumimoji="0" lang="en-US"/>
+          </a:p>
+        </p:txBody>
+      </p:sp>
+      <p:sp>
+        <p:nvSpPr>
+          <p:cNvPr id="26" name="Retângulo 25"/>
+          <p:cNvSpPr/>
+          <p:nvPr/>
+        </p:nvSpPr>
+        <p:spPr>
+          <a:xfrm flipV="1">
+            <a:off x="5410200" y="4164403"/>
+            <a:ext cx="1965960" cy="18288"/>
+          </a:xfrm>
+          <a:prstGeom prst="rect">
+            <a:avLst/>
+          </a:prstGeom>
+          <a:solidFill>
+            <a:schemeClr val="accent2">
+              <a:alpha val="60000"/>
+            </a:schemeClr>
+          </a:solidFill>
+          <a:ln w="50800" cap="rnd" cmpd="thickThin" algn="ctr">
+            <a:noFill/>
+            <a:prstDash val="solid"/>
+          </a:ln>
+          <a:effectLst/>
+        </p:spPr>
+        <p:style>
+          <a:lnRef idx="3">
+            <a:schemeClr val="lt1"/>
+          </a:lnRef>
+          <a:fillRef idx="1">
+            <a:schemeClr val="accent1"/>
+          </a:fillRef>
+          <a:effectRef idx="1">
+            <a:schemeClr val="accent1"/>
+          </a:effectRef>
+          <a:fontRef idx="minor">
+            <a:schemeClr val="lt1"/>
+          </a:fontRef>
+        </p:style>
+        <p:txBody>
+          <a:bodyPr anchor="ctr"/>
+          <a:lstStyle/>
+          <a:p>
+            <a:pPr algn="ctr" eaLnBrk="1" latinLnBrk="0" hangingPunct="1"/>
+            <a:endParaRPr kumimoji="0" lang="en-US"/>
+          </a:p>
+        </p:txBody>
+      </p:sp>
+      <p:sp>
+        <p:nvSpPr>
+          <p:cNvPr id="27" name="Retângulo 26"/>
+          <p:cNvSpPr/>
+          <p:nvPr/>
+        </p:nvSpPr>
+        <p:spPr>
+          <a:xfrm flipV="1">
+            <a:off x="5410200" y="4199572"/>
+            <a:ext cx="1965960" cy="9144"/>
+          </a:xfrm>
+          <a:prstGeom prst="rect">
+            <a:avLst/>
+          </a:prstGeom>
+          <a:solidFill>
+            <a:schemeClr val="accent2">
+              <a:alpha val="65000"/>
+            </a:schemeClr>
+          </a:solidFill>
+          <a:ln w="50800" cap="rnd" cmpd="thickThin" algn="ctr">
+            <a:noFill/>
+            <a:prstDash val="solid"/>
+          </a:ln>
+          <a:effectLst/>
+        </p:spPr>
+        <p:style>
+          <a:lnRef idx="3">
+            <a:schemeClr val="lt1"/>
+          </a:lnRef>
+          <a:fillRef idx="1">
+            <a:schemeClr val="accent1"/>
+          </a:fillRef>
+          <a:effectRef idx="1">
+            <a:schemeClr val="accent1"/>
+          </a:effectRef>
+          <a:fontRef idx="minor">
+            <a:schemeClr val="lt1"/>
+          </a:fontRef>
+        </p:style>
+        <p:txBody>
+          <a:bodyPr anchor="ctr"/>
+          <a:lstStyle/>
+          <a:p>
+            <a:pPr algn="ctr" eaLnBrk="1" latinLnBrk="0" hangingPunct="1"/>
+            <a:endParaRPr kumimoji="0" lang="en-US"/>
+          </a:p>
+        </p:txBody>
+      </p:sp>
+      <p:sp useBgFill="1">
+        <p:nvSpPr>
+          <p:cNvPr id="30" name="Retângulo de cantos arredondados 29"/>
+          <p:cNvSpPr/>
+          <p:nvPr/>
+        </p:nvSpPr>
+        <p:spPr bwMode="white">
+          <a:xfrm>
+            <a:off x="5410200" y="3962400"/>
+            <a:ext cx="3063240" cy="27432"/>
+          </a:xfrm>
+          <a:prstGeom prst="roundRect">
+            <a:avLst>
+              <a:gd name="adj" fmla="val 16667"/>
+            </a:avLst>
+          </a:prstGeom>
+          <a:ln w="50800" cap="rnd" cmpd="thickThin" algn="ctr">
+            <a:noFill/>
+            <a:prstDash val="solid"/>
+          </a:ln>
+          <a:effectLst/>
+        </p:spPr>
+        <p:style>
+          <a:lnRef idx="3">
+            <a:schemeClr val="lt1"/>
+          </a:lnRef>
+          <a:fillRef idx="1">
+            <a:schemeClr val="accent1"/>
+          </a:fillRef>
+          <a:effectRef idx="1">
+            <a:schemeClr val="accent1"/>
+          </a:effectRef>
+          <a:fontRef idx="minor">
+            <a:schemeClr val="lt1"/>
+          </a:fontRef>
+        </p:style>
+        <p:txBody>
+          <a:bodyPr anchor="ctr"/>
+          <a:lstStyle/>
+          <a:p>
+            <a:pPr algn="ctr" eaLnBrk="1" latinLnBrk="0" hangingPunct="1"/>
+            <a:endParaRPr kumimoji="0" lang="en-US"/>
+          </a:p>
+        </p:txBody>
+      </p:sp>
+      <p:sp useBgFill="1">
+        <p:nvSpPr>
+          <p:cNvPr id="31" name="Retângulo de cantos arredondados 30"/>
+          <p:cNvSpPr/>
+          <p:nvPr/>
+        </p:nvSpPr>
+        <p:spPr bwMode="white">
+          <a:xfrm>
+            <a:off x="7376507" y="4060983"/>
+            <a:ext cx="1600200" cy="36576"/>
+          </a:xfrm>
+          <a:prstGeom prst="roundRect">
+            <a:avLst>
+              <a:gd name="adj" fmla="val 16667"/>
+            </a:avLst>
+          </a:prstGeom>
+          <a:ln w="50800" cap="rnd" cmpd="thickThin" algn="ctr">
+            <a:noFill/>
+            <a:prstDash val="solid"/>
+          </a:ln>
+          <a:effectLst/>
+        </p:spPr>
+        <p:style>
+          <a:lnRef idx="3">
+            <a:schemeClr val="lt1"/>
+          </a:lnRef>
+          <a:fillRef idx="1">
+            <a:schemeClr val="accent1"/>
+          </a:fillRef>
+          <a:effectRef idx="1">
+            <a:schemeClr val="accent1"/>
+          </a:effectRef>
+          <a:fontRef idx="minor">
+            <a:schemeClr val="lt1"/>
+          </a:fontRef>
+        </p:style>
+        <p:txBody>
+          <a:bodyPr anchor="ctr"/>
+          <a:lstStyle/>
+          <a:p>
+            <a:pPr algn="ctr" eaLnBrk="1" latinLnBrk="0" hangingPunct="1"/>
+            <a:endParaRPr kumimoji="0" lang="en-US"/>
+          </a:p>
+        </p:txBody>
+      </p:sp>
+      <p:sp>
+        <p:nvSpPr>
+          <p:cNvPr id="7" name="Retângulo 6"/>
+          <p:cNvSpPr/>
+          <p:nvPr/>
         </p:nvSpPr>
         <p:spPr>
           <a:xfrm>
-            <a:off x="685800" y="2130425"/>
-            <a:ext cx="7772400" cy="1470025"/>
+            <a:off x="1" y="3649662"/>
+            <a:ext cx="9144000" cy="244170"/>
+          </a:xfrm>
+          <a:prstGeom prst="rect">
+            <a:avLst/>
+          </a:prstGeom>
+          <a:solidFill>
+            <a:schemeClr val="accent2">
+              <a:alpha val="50000"/>
+            </a:schemeClr>
+          </a:solidFill>
+          <a:ln w="50800" cap="rnd" cmpd="thickThin" algn="ctr">
+            <a:noFill/>
+            <a:prstDash val="solid"/>
+          </a:ln>
+          <a:effectLst/>
+        </p:spPr>
+        <p:style>
+          <a:lnRef idx="3">
+            <a:schemeClr val="lt1"/>
+          </a:lnRef>
+          <a:fillRef idx="1">
+            <a:schemeClr val="accent1"/>
+          </a:fillRef>
+          <a:effectRef idx="1">
+            <a:schemeClr val="accent1"/>
+          </a:effectRef>
+          <a:fontRef idx="minor">
+            <a:schemeClr val="lt1"/>
+          </a:fontRef>
+        </p:style>
+        <p:txBody>
+          <a:bodyPr anchor="ctr"/>
+          <a:lstStyle/>
+          <a:p>
+            <a:pPr algn="ctr" eaLnBrk="1" latinLnBrk="0" hangingPunct="1"/>
+            <a:endParaRPr kumimoji="0" lang="en-US"/>
+          </a:p>
+        </p:txBody>
+      </p:sp>
+      <p:sp>
+        <p:nvSpPr>
+          <p:cNvPr id="10" name="Retângulo 9"/>
+          <p:cNvSpPr/>
+          <p:nvPr/>
+        </p:nvSpPr>
+        <p:spPr>
+          <a:xfrm>
+            <a:off x="0" y="3675527"/>
+            <a:ext cx="9144001" cy="140677"/>
+          </a:xfrm>
+          <a:prstGeom prst="rect">
+            <a:avLst/>
+          </a:prstGeom>
+          <a:solidFill>
+            <a:schemeClr val="accent2">
+              <a:alpha val="100000"/>
+            </a:schemeClr>
+          </a:solidFill>
+          <a:ln w="50800" cap="rnd" cmpd="thickThin" algn="ctr">
+            <a:noFill/>
+            <a:prstDash val="solid"/>
+          </a:ln>
+          <a:effectLst/>
+        </p:spPr>
+        <p:style>
+          <a:lnRef idx="3">
+            <a:schemeClr val="lt1"/>
+          </a:lnRef>
+          <a:fillRef idx="1">
+            <a:schemeClr val="accent1"/>
+          </a:fillRef>
+          <a:effectRef idx="1">
+            <a:schemeClr val="accent1"/>
+          </a:effectRef>
+          <a:fontRef idx="minor">
+            <a:schemeClr val="lt1"/>
+          </a:fontRef>
+        </p:style>
+        <p:txBody>
+          <a:bodyPr anchor="ctr"/>
+          <a:lstStyle/>
+          <a:p>
+            <a:pPr algn="ctr" eaLnBrk="1" latinLnBrk="0" hangingPunct="1"/>
+            <a:endParaRPr kumimoji="0" lang="en-US"/>
+          </a:p>
+        </p:txBody>
+      </p:sp>
+      <p:sp>
+        <p:nvSpPr>
+          <p:cNvPr id="11" name="Retângulo 10"/>
+          <p:cNvSpPr/>
+          <p:nvPr/>
+        </p:nvSpPr>
+        <p:spPr>
+          <a:xfrm flipV="1">
+            <a:off x="6414051" y="3643090"/>
+            <a:ext cx="2729950" cy="248432"/>
+          </a:xfrm>
+          <a:prstGeom prst="rect">
+            <a:avLst/>
+          </a:prstGeom>
+          <a:solidFill>
+            <a:schemeClr val="accent2">
+              <a:alpha val="100000"/>
+            </a:schemeClr>
+          </a:solidFill>
+          <a:ln w="50800" cap="rnd" cmpd="thickThin" algn="ctr">
+            <a:noFill/>
+            <a:prstDash val="solid"/>
+          </a:ln>
+          <a:effectLst/>
+        </p:spPr>
+        <p:style>
+          <a:lnRef idx="3">
+            <a:schemeClr val="lt1"/>
+          </a:lnRef>
+          <a:fillRef idx="1">
+            <a:schemeClr val="accent1"/>
+          </a:fillRef>
+          <a:effectRef idx="1">
+            <a:schemeClr val="accent1"/>
+          </a:effectRef>
+          <a:fontRef idx="minor">
+            <a:schemeClr val="lt1"/>
+          </a:fontRef>
+        </p:style>
+        <p:txBody>
+          <a:bodyPr anchor="ctr"/>
+          <a:lstStyle/>
+          <a:p>
+            <a:pPr algn="ctr" eaLnBrk="1" latinLnBrk="0" hangingPunct="1"/>
+            <a:endParaRPr kumimoji="0" lang="en-US"/>
+          </a:p>
+        </p:txBody>
+      </p:sp>
+      <p:sp>
+        <p:nvSpPr>
+          <p:cNvPr id="19" name="Retângulo 18"/>
+          <p:cNvSpPr/>
+          <p:nvPr/>
+        </p:nvSpPr>
+        <p:spPr>
+          <a:xfrm>
+            <a:off x="0" y="0"/>
+            <a:ext cx="9144000" cy="3701700"/>
+          </a:xfrm>
+          <a:prstGeom prst="rect">
+            <a:avLst/>
+          </a:prstGeom>
+          <a:solidFill>
+            <a:schemeClr val="tx2">
+              <a:alpha val="100000"/>
+            </a:schemeClr>
+          </a:solidFill>
+          <a:ln w="50800" cap="rnd" cmpd="thickThin" algn="ctr">
+            <a:noFill/>
+            <a:prstDash val="solid"/>
+          </a:ln>
+          <a:effectLst/>
+        </p:spPr>
+        <p:style>
+          <a:lnRef idx="3">
+            <a:schemeClr val="lt1"/>
+          </a:lnRef>
+          <a:fillRef idx="1">
+            <a:schemeClr val="accent1"/>
+          </a:fillRef>
+          <a:effectRef idx="1">
+            <a:schemeClr val="accent1"/>
+          </a:effectRef>
+          <a:fontRef idx="minor">
+            <a:schemeClr val="lt1"/>
+          </a:fontRef>
+        </p:style>
+        <p:txBody>
+          <a:bodyPr anchor="ctr"/>
+          <a:lstStyle/>
+          <a:p>
+            <a:pPr algn="ctr" eaLnBrk="1" latinLnBrk="0" hangingPunct="1"/>
+            <a:endParaRPr kumimoji="0" lang="en-US"/>
+          </a:p>
+        </p:txBody>
+      </p:sp>
+      <p:sp>
+        <p:nvSpPr>
+          <p:cNvPr id="8" name="Título 7"/>
+          <p:cNvSpPr>
+            <a:spLocks noGrp="1"/>
+          </p:cNvSpPr>
+          <p:nvPr>
+            <p:ph type="ctrTitle"/>
+          </p:nvPr>
+        </p:nvSpPr>
+        <p:spPr>
+          <a:xfrm>
+            <a:off x="457200" y="2401887"/>
+            <a:ext cx="8458200" cy="1470025"/>
           </a:xfrm>
         </p:spPr>
         <p:txBody>
-          <a:bodyPr/>
-          <a:lstStyle/>
-          <a:p>
-            <a:r>
-              <a:rPr lang="pt-BR" smtClean="0"/>
-              <a:t>Clique para editar o estilo do título mestre</a:t>
-            </a:r>
-            <a:endParaRPr lang="en-US"/>
-          </a:p>
-        </p:txBody>
-      </p:sp>
-      <p:sp>
-        <p:nvSpPr>
-          <p:cNvPr id="3" name="Subtítulo 2"/>
+          <a:bodyPr anchor="b"/>
+          <a:lstStyle>
+            <a:lvl1pPr>
+              <a:defRPr sz="4400">
+                <a:solidFill>
+                  <a:schemeClr val="bg1"/>
+                </a:solidFill>
+              </a:defRPr>
+            </a:lvl1pPr>
+          </a:lstStyle>
+          <a:p>
+            <a:r>
+              <a:rPr kumimoji="0" lang="pt-BR" smtClean="0"/>
+              <a:t>Clique para editar o título mestre</a:t>
+            </a:r>
+            <a:endParaRPr kumimoji="0" lang="en-US"/>
+          </a:p>
+        </p:txBody>
+      </p:sp>
+      <p:sp>
+        <p:nvSpPr>
+          <p:cNvPr id="9" name="Subtítulo 8"/>
           <p:cNvSpPr>
             <a:spLocks noGrp="1"/>
           </p:cNvSpPr>
@@ -1005,169 +1625,134 @@
         </p:nvSpPr>
         <p:spPr>
           <a:xfrm>
-            <a:off x="1371600" y="3886200"/>
-            <a:ext cx="6400800" cy="1752600"/>
+            <a:off x="457200" y="3899938"/>
+            <a:ext cx="4953000" cy="1752600"/>
           </a:xfrm>
         </p:spPr>
         <p:txBody>
           <a:bodyPr/>
           <a:lstStyle>
-            <a:lvl1pPr marL="0" indent="0" algn="ctr">
+            <a:lvl1pPr marL="64008" indent="0" algn="l">
               <a:buNone/>
-              <a:defRPr>
+              <a:defRPr sz="2400">
                 <a:solidFill>
-                  <a:schemeClr val="tx1">
-                    <a:tint val="75000"/>
-                  </a:schemeClr>
+                  <a:schemeClr val="tx2"/>
                 </a:solidFill>
               </a:defRPr>
             </a:lvl1pPr>
             <a:lvl2pPr marL="457200" indent="0" algn="ctr">
               <a:buNone/>
-              <a:defRPr>
-                <a:solidFill>
-                  <a:schemeClr val="tx1">
-                    <a:tint val="75000"/>
-                  </a:schemeClr>
-                </a:solidFill>
-              </a:defRPr>
             </a:lvl2pPr>
             <a:lvl3pPr marL="914400" indent="0" algn="ctr">
               <a:buNone/>
-              <a:defRPr>
-                <a:solidFill>
-                  <a:schemeClr val="tx1">
-                    <a:tint val="75000"/>
-                  </a:schemeClr>
-                </a:solidFill>
-              </a:defRPr>
             </a:lvl3pPr>
             <a:lvl4pPr marL="1371600" indent="0" algn="ctr">
               <a:buNone/>
-              <a:defRPr>
-                <a:solidFill>
-                  <a:schemeClr val="tx1">
-                    <a:tint val="75000"/>
-                  </a:schemeClr>
-                </a:solidFill>
-              </a:defRPr>
             </a:lvl4pPr>
             <a:lvl5pPr marL="1828800" indent="0" algn="ctr">
               <a:buNone/>
-              <a:defRPr>
-                <a:solidFill>
-                  <a:schemeClr val="tx1">
-                    <a:tint val="75000"/>
-                  </a:schemeClr>
-                </a:solidFill>
-              </a:defRPr>
             </a:lvl5pPr>
             <a:lvl6pPr marL="2286000" indent="0" algn="ctr">
               <a:buNone/>
-              <a:defRPr>
-                <a:solidFill>
-                  <a:schemeClr val="tx1">
-                    <a:tint val="75000"/>
-                  </a:schemeClr>
-                </a:solidFill>
-              </a:defRPr>
             </a:lvl6pPr>
             <a:lvl7pPr marL="2743200" indent="0" algn="ctr">
               <a:buNone/>
-              <a:defRPr>
-                <a:solidFill>
-                  <a:schemeClr val="tx1">
-                    <a:tint val="75000"/>
-                  </a:schemeClr>
-                </a:solidFill>
-              </a:defRPr>
             </a:lvl7pPr>
             <a:lvl8pPr marL="3200400" indent="0" algn="ctr">
               <a:buNone/>
-              <a:defRPr>
-                <a:solidFill>
-                  <a:schemeClr val="tx1">
-                    <a:tint val="75000"/>
-                  </a:schemeClr>
-                </a:solidFill>
-              </a:defRPr>
             </a:lvl8pPr>
             <a:lvl9pPr marL="3657600" indent="0" algn="ctr">
               <a:buNone/>
-              <a:defRPr>
+            </a:lvl9pPr>
+          </a:lstStyle>
+          <a:p>
+            <a:r>
+              <a:rPr kumimoji="0" lang="pt-BR" smtClean="0"/>
+              <a:t>Clique para editar o estilo do subtítulo mestre</a:t>
+            </a:r>
+            <a:endParaRPr kumimoji="0" lang="en-US"/>
+          </a:p>
+        </p:txBody>
+      </p:sp>
+      <p:sp>
+        <p:nvSpPr>
+          <p:cNvPr id="28" name="Espaço Reservado para Data 27"/>
+          <p:cNvSpPr>
+            <a:spLocks noGrp="1"/>
+          </p:cNvSpPr>
+          <p:nvPr>
+            <p:ph type="dt" sz="half" idx="10"/>
+          </p:nvPr>
+        </p:nvSpPr>
+        <p:spPr>
+          <a:xfrm>
+            <a:off x="6705600" y="4206240"/>
+            <a:ext cx="960120" cy="457200"/>
+          </a:xfrm>
+        </p:spPr>
+        <p:txBody>
+          <a:bodyPr/>
+          <a:lstStyle/>
+          <a:p>
+            <a:fld id="{E4B07001-C032-4E44-8CAA-EF950BEDBEFC}" type="datetimeFigureOut">
+              <a:rPr lang="en-US" smtClean="0"/>
+              <a:t>6/27/2013</a:t>
+            </a:fld>
+            <a:endParaRPr lang="en-US"/>
+          </a:p>
+        </p:txBody>
+      </p:sp>
+      <p:sp>
+        <p:nvSpPr>
+          <p:cNvPr id="17" name="Espaço Reservado para Rodapé 16"/>
+          <p:cNvSpPr>
+            <a:spLocks noGrp="1"/>
+          </p:cNvSpPr>
+          <p:nvPr>
+            <p:ph type="ftr" sz="quarter" idx="11"/>
+          </p:nvPr>
+        </p:nvSpPr>
+        <p:spPr>
+          <a:xfrm>
+            <a:off x="5410200" y="4205288"/>
+            <a:ext cx="1295400" cy="457200"/>
+          </a:xfrm>
+        </p:spPr>
+        <p:txBody>
+          <a:bodyPr/>
+          <a:lstStyle/>
+          <a:p>
+            <a:endParaRPr lang="en-US"/>
+          </a:p>
+        </p:txBody>
+      </p:sp>
+      <p:sp>
+        <p:nvSpPr>
+          <p:cNvPr id="29" name="Espaço Reservado para Número de Slide 28"/>
+          <p:cNvSpPr>
+            <a:spLocks noGrp="1"/>
+          </p:cNvSpPr>
+          <p:nvPr>
+            <p:ph type="sldNum" sz="quarter" idx="12"/>
+          </p:nvPr>
+        </p:nvSpPr>
+        <p:spPr>
+          <a:xfrm>
+            <a:off x="8320088" y="1136"/>
+            <a:ext cx="747712" cy="365760"/>
+          </a:xfrm>
+        </p:spPr>
+        <p:txBody>
+          <a:bodyPr/>
+          <a:lstStyle>
+            <a:lvl1pPr algn="r">
+              <a:defRPr sz="1800">
                 <a:solidFill>
-                  <a:schemeClr val="tx1">
-                    <a:tint val="75000"/>
-                  </a:schemeClr>
+                  <a:schemeClr val="bg1"/>
                 </a:solidFill>
               </a:defRPr>
-            </a:lvl9pPr>
+            </a:lvl1pPr>
           </a:lstStyle>
-          <a:p>
-            <a:r>
-              <a:rPr lang="pt-BR" smtClean="0"/>
-              <a:t>Clique para editar o estilo do subtítulo mestre</a:t>
-            </a:r>
-            <a:endParaRPr lang="en-US"/>
-          </a:p>
-        </p:txBody>
-      </p:sp>
-      <p:sp>
-        <p:nvSpPr>
-          <p:cNvPr id="4" name="Espaço Reservado para Data 3"/>
-          <p:cNvSpPr>
-            <a:spLocks noGrp="1"/>
-          </p:cNvSpPr>
-          <p:nvPr>
-            <p:ph type="dt" sz="half" idx="10"/>
-          </p:nvPr>
-        </p:nvSpPr>
-        <p:spPr/>
-        <p:txBody>
-          <a:bodyPr/>
-          <a:lstStyle/>
-          <a:p>
-            <a:fld id="{E4B07001-C032-4E44-8CAA-EF950BEDBEFC}" type="datetimeFigureOut">
-              <a:rPr lang="en-US" smtClean="0"/>
-              <a:t>6/19/2013</a:t>
-            </a:fld>
-            <a:endParaRPr lang="en-US"/>
-          </a:p>
-        </p:txBody>
-      </p:sp>
-      <p:sp>
-        <p:nvSpPr>
-          <p:cNvPr id="5" name="Espaço Reservado para Rodapé 4"/>
-          <p:cNvSpPr>
-            <a:spLocks noGrp="1"/>
-          </p:cNvSpPr>
-          <p:nvPr>
-            <p:ph type="ftr" sz="quarter" idx="11"/>
-          </p:nvPr>
-        </p:nvSpPr>
-        <p:spPr/>
-        <p:txBody>
-          <a:bodyPr/>
-          <a:lstStyle/>
-          <a:p>
-            <a:endParaRPr lang="en-US"/>
-          </a:p>
-        </p:txBody>
-      </p:sp>
-      <p:sp>
-        <p:nvSpPr>
-          <p:cNvPr id="6" name="Espaço Reservado para Número de Slide 5"/>
-          <p:cNvSpPr>
-            <a:spLocks noGrp="1"/>
-          </p:cNvSpPr>
-          <p:nvPr>
-            <p:ph type="sldNum" sz="quarter" idx="12"/>
-          </p:nvPr>
-        </p:nvSpPr>
-        <p:spPr/>
-        <p:txBody>
-          <a:bodyPr/>
-          <a:lstStyle/>
           <a:p>
             <a:fld id="{A8A1B212-D236-46CD-9458-D6C5FE768E97}" type="slidenum">
               <a:rPr lang="en-US" smtClean="0"/>
@@ -1218,62 +1803,62 @@
           <a:lstStyle/>
           <a:p>
             <a:r>
+              <a:rPr kumimoji="0" lang="pt-BR" smtClean="0"/>
+              <a:t>Clique para editar o título mestre</a:t>
+            </a:r>
+            <a:endParaRPr kumimoji="0" lang="en-US"/>
+          </a:p>
+        </p:txBody>
+      </p:sp>
+      <p:sp>
+        <p:nvSpPr>
+          <p:cNvPr id="3" name="Espaço Reservado para Texto Vertical 2"/>
+          <p:cNvSpPr>
+            <a:spLocks noGrp="1"/>
+          </p:cNvSpPr>
+          <p:nvPr>
+            <p:ph type="body" orient="vert" idx="1"/>
+          </p:nvPr>
+        </p:nvSpPr>
+        <p:spPr/>
+        <p:txBody>
+          <a:bodyPr vert="eaVert"/>
+          <a:lstStyle/>
+          <a:p>
+            <a:pPr lvl="0" eaLnBrk="1" latinLnBrk="0" hangingPunct="1"/>
+            <a:r>
               <a:rPr lang="pt-BR" smtClean="0"/>
-              <a:t>Clique para editar o estilo do título mestre</a:t>
-            </a:r>
-            <a:endParaRPr lang="en-US"/>
-          </a:p>
-        </p:txBody>
-      </p:sp>
-      <p:sp>
-        <p:nvSpPr>
-          <p:cNvPr id="3" name="Espaço Reservado para Texto Vertical 2"/>
-          <p:cNvSpPr>
-            <a:spLocks noGrp="1"/>
-          </p:cNvSpPr>
-          <p:nvPr>
-            <p:ph type="body" orient="vert" idx="1"/>
-          </p:nvPr>
-        </p:nvSpPr>
-        <p:spPr/>
-        <p:txBody>
-          <a:bodyPr vert="eaVert"/>
-          <a:lstStyle/>
-          <a:p>
-            <a:pPr lvl="0"/>
-            <a:r>
-              <a:rPr lang="pt-BR" smtClean="0"/>
-              <a:t>Clique para editar os estilos do texto mestre</a:t>
-            </a:r>
-          </a:p>
-          <a:p>
-            <a:pPr lvl="1"/>
+              <a:t>Clique para editar o texto mestre</a:t>
+            </a:r>
+          </a:p>
+          <a:p>
+            <a:pPr lvl="1" eaLnBrk="1" latinLnBrk="0" hangingPunct="1"/>
             <a:r>
               <a:rPr lang="pt-BR" smtClean="0"/>
               <a:t>Segundo nível</a:t>
             </a:r>
           </a:p>
           <a:p>
-            <a:pPr lvl="2"/>
+            <a:pPr lvl="2" eaLnBrk="1" latinLnBrk="0" hangingPunct="1"/>
             <a:r>
               <a:rPr lang="pt-BR" smtClean="0"/>
               <a:t>Terceiro nível</a:t>
             </a:r>
           </a:p>
           <a:p>
-            <a:pPr lvl="3"/>
+            <a:pPr lvl="3" eaLnBrk="1" latinLnBrk="0" hangingPunct="1"/>
             <a:r>
               <a:rPr lang="pt-BR" smtClean="0"/>
               <a:t>Quarto nível</a:t>
             </a:r>
           </a:p>
           <a:p>
-            <a:pPr lvl="4"/>
+            <a:pPr lvl="4" eaLnBrk="1" latinLnBrk="0" hangingPunct="1"/>
             <a:r>
               <a:rPr lang="pt-BR" smtClean="0"/>
               <a:t>Quinto nível</a:t>
             </a:r>
-            <a:endParaRPr lang="en-US"/>
+            <a:endParaRPr kumimoji="0" lang="en-US"/>
           </a:p>
         </p:txBody>
       </p:sp>
@@ -1294,7 +1879,7 @@
           <a:p>
             <a:fld id="{E4B07001-C032-4E44-8CAA-EF950BEDBEFC}" type="datetimeFigureOut">
               <a:rPr lang="en-US" smtClean="0"/>
-              <a:t>6/19/2013</a:t>
+              <a:t>6/27/2013</a:t>
             </a:fld>
             <a:endParaRPr lang="en-US"/>
           </a:p>
@@ -1379,8 +1964,8 @@
         </p:nvSpPr>
         <p:spPr>
           <a:xfrm>
-            <a:off x="6629400" y="274638"/>
-            <a:ext cx="2057400" cy="5851525"/>
+            <a:off x="6781800" y="1143000"/>
+            <a:ext cx="1905000" cy="5486400"/>
           </a:xfrm>
         </p:spPr>
         <p:txBody>
@@ -1388,10 +1973,10 @@
           <a:lstStyle/>
           <a:p>
             <a:r>
-              <a:rPr lang="pt-BR" smtClean="0"/>
-              <a:t>Clique para editar o estilo do título mestre</a:t>
-            </a:r>
-            <a:endParaRPr lang="en-US"/>
+              <a:rPr kumimoji="0" lang="pt-BR" smtClean="0"/>
+              <a:t>Clique para editar o título mestre</a:t>
+            </a:r>
+            <a:endParaRPr kumimoji="0" lang="en-US"/>
           </a:p>
         </p:txBody>
       </p:sp>
@@ -1407,48 +1992,48 @@
         </p:nvSpPr>
         <p:spPr>
           <a:xfrm>
-            <a:off x="457200" y="274638"/>
-            <a:ext cx="6019800" cy="5851525"/>
+            <a:off x="457200" y="1143000"/>
+            <a:ext cx="6248400" cy="5486400"/>
           </a:xfrm>
         </p:spPr>
         <p:txBody>
           <a:bodyPr vert="eaVert"/>
           <a:lstStyle/>
           <a:p>
-            <a:pPr lvl="0"/>
+            <a:pPr lvl="0" eaLnBrk="1" latinLnBrk="0" hangingPunct="1"/>
             <a:r>
               <a:rPr lang="pt-BR" smtClean="0"/>
-              <a:t>Clique para editar os estilos do texto mestre</a:t>
-            </a:r>
-          </a:p>
-          <a:p>
-            <a:pPr lvl="1"/>
+              <a:t>Clique para editar o texto mestre</a:t>
+            </a:r>
+          </a:p>
+          <a:p>
+            <a:pPr lvl="1" eaLnBrk="1" latinLnBrk="0" hangingPunct="1"/>
             <a:r>
               <a:rPr lang="pt-BR" smtClean="0"/>
               <a:t>Segundo nível</a:t>
             </a:r>
           </a:p>
           <a:p>
-            <a:pPr lvl="2"/>
+            <a:pPr lvl="2" eaLnBrk="1" latinLnBrk="0" hangingPunct="1"/>
             <a:r>
               <a:rPr lang="pt-BR" smtClean="0"/>
               <a:t>Terceiro nível</a:t>
             </a:r>
           </a:p>
           <a:p>
-            <a:pPr lvl="3"/>
+            <a:pPr lvl="3" eaLnBrk="1" latinLnBrk="0" hangingPunct="1"/>
             <a:r>
               <a:rPr lang="pt-BR" smtClean="0"/>
               <a:t>Quarto nível</a:t>
             </a:r>
           </a:p>
           <a:p>
-            <a:pPr lvl="4"/>
+            <a:pPr lvl="4" eaLnBrk="1" latinLnBrk="0" hangingPunct="1"/>
             <a:r>
               <a:rPr lang="pt-BR" smtClean="0"/>
               <a:t>Quinto nível</a:t>
             </a:r>
-            <a:endParaRPr lang="en-US"/>
+            <a:endParaRPr kumimoji="0" lang="en-US"/>
           </a:p>
         </p:txBody>
       </p:sp>
@@ -1469,7 +2054,7 @@
           <a:p>
             <a:fld id="{E4B07001-C032-4E44-8CAA-EF950BEDBEFC}" type="datetimeFigureOut">
               <a:rPr lang="en-US" smtClean="0"/>
-              <a:t>6/19/2013</a:t>
+              <a:t>6/27/2013</a:t>
             </a:fld>
             <a:endParaRPr lang="en-US"/>
           </a:p>
@@ -1558,62 +2143,62 @@
           <a:lstStyle/>
           <a:p>
             <a:r>
+              <a:rPr kumimoji="0" lang="pt-BR" smtClean="0"/>
+              <a:t>Clique para editar o título mestre</a:t>
+            </a:r>
+            <a:endParaRPr kumimoji="0" lang="en-US"/>
+          </a:p>
+        </p:txBody>
+      </p:sp>
+      <p:sp>
+        <p:nvSpPr>
+          <p:cNvPr id="3" name="Espaço Reservado para Conteúdo 2"/>
+          <p:cNvSpPr>
+            <a:spLocks noGrp="1"/>
+          </p:cNvSpPr>
+          <p:nvPr>
+            <p:ph idx="1"/>
+          </p:nvPr>
+        </p:nvSpPr>
+        <p:spPr/>
+        <p:txBody>
+          <a:bodyPr/>
+          <a:lstStyle/>
+          <a:p>
+            <a:pPr lvl="0" eaLnBrk="1" latinLnBrk="0" hangingPunct="1"/>
+            <a:r>
               <a:rPr lang="pt-BR" smtClean="0"/>
-              <a:t>Clique para editar o estilo do título mestre</a:t>
-            </a:r>
-            <a:endParaRPr lang="en-US"/>
-          </a:p>
-        </p:txBody>
-      </p:sp>
-      <p:sp>
-        <p:nvSpPr>
-          <p:cNvPr id="3" name="Espaço Reservado para Conteúdo 2"/>
-          <p:cNvSpPr>
-            <a:spLocks noGrp="1"/>
-          </p:cNvSpPr>
-          <p:nvPr>
-            <p:ph idx="1"/>
-          </p:nvPr>
-        </p:nvSpPr>
-        <p:spPr/>
-        <p:txBody>
-          <a:bodyPr/>
-          <a:lstStyle/>
-          <a:p>
-            <a:pPr lvl="0"/>
-            <a:r>
-              <a:rPr lang="pt-BR" smtClean="0"/>
-              <a:t>Clique para editar os estilos do texto mestre</a:t>
-            </a:r>
-          </a:p>
-          <a:p>
-            <a:pPr lvl="1"/>
+              <a:t>Clique para editar o texto mestre</a:t>
+            </a:r>
+          </a:p>
+          <a:p>
+            <a:pPr lvl="1" eaLnBrk="1" latinLnBrk="0" hangingPunct="1"/>
             <a:r>
               <a:rPr lang="pt-BR" smtClean="0"/>
               <a:t>Segundo nível</a:t>
             </a:r>
           </a:p>
           <a:p>
-            <a:pPr lvl="2"/>
+            <a:pPr lvl="2" eaLnBrk="1" latinLnBrk="0" hangingPunct="1"/>
             <a:r>
               <a:rPr lang="pt-BR" smtClean="0"/>
               <a:t>Terceiro nível</a:t>
             </a:r>
           </a:p>
           <a:p>
-            <a:pPr lvl="3"/>
+            <a:pPr lvl="3" eaLnBrk="1" latinLnBrk="0" hangingPunct="1"/>
             <a:r>
               <a:rPr lang="pt-BR" smtClean="0"/>
               <a:t>Quarto nível</a:t>
             </a:r>
           </a:p>
           <a:p>
-            <a:pPr lvl="4"/>
+            <a:pPr lvl="4" eaLnBrk="1" latinLnBrk="0" hangingPunct="1"/>
             <a:r>
               <a:rPr lang="pt-BR" smtClean="0"/>
               <a:t>Quinto nível</a:t>
             </a:r>
-            <a:endParaRPr lang="en-US"/>
+            <a:endParaRPr kumimoji="0" lang="en-US"/>
           </a:p>
         </p:txBody>
       </p:sp>
@@ -1634,7 +2219,7 @@
           <a:p>
             <a:fld id="{E4B07001-C032-4E44-8CAA-EF950BEDBEFC}" type="datetimeFigureOut">
               <a:rPr lang="en-US" smtClean="0"/>
-              <a:t>6/19/2013</a:t>
+              <a:t>6/27/2013</a:t>
             </a:fld>
             <a:endParaRPr lang="en-US"/>
           </a:p>
@@ -1719,56 +2304,76 @@
         </p:nvSpPr>
         <p:spPr>
           <a:xfrm>
-            <a:off x="722313" y="4406900"/>
+            <a:off x="722313" y="1981200"/>
             <a:ext cx="7772400" cy="1362075"/>
           </a:xfrm>
         </p:spPr>
         <p:txBody>
+          <a:bodyPr anchor="b">
+            <a:noAutofit/>
+          </a:bodyPr>
+          <a:lstStyle>
+            <a:lvl1pPr algn="l">
+              <a:buNone/>
+              <a:defRPr sz="4300" b="1" cap="none" baseline="0">
+                <a:ln w="12700">
+                  <a:solidFill>
+                    <a:schemeClr val="accent2">
+                      <a:shade val="90000"/>
+                      <a:satMod val="150000"/>
+                    </a:schemeClr>
+                  </a:solidFill>
+                </a:ln>
+                <a:solidFill>
+                  <a:srgbClr val="FFFFFF"/>
+                </a:solidFill>
+                <a:effectLst>
+                  <a:outerShdw blurRad="38100" dist="38100" dir="5400000" algn="tl" rotWithShape="0">
+                    <a:srgbClr val="000000">
+                      <a:alpha val="25000"/>
+                    </a:srgbClr>
+                  </a:outerShdw>
+                </a:effectLst>
+              </a:defRPr>
+            </a:lvl1pPr>
+          </a:lstStyle>
+          <a:p>
+            <a:r>
+              <a:rPr kumimoji="0" lang="pt-BR" smtClean="0"/>
+              <a:t>Clique para editar o título mestre</a:t>
+            </a:r>
+            <a:endParaRPr kumimoji="0" lang="en-US"/>
+          </a:p>
+        </p:txBody>
+      </p:sp>
+      <p:sp>
+        <p:nvSpPr>
+          <p:cNvPr id="3" name="Espaço Reservado para Texto 2"/>
+          <p:cNvSpPr>
+            <a:spLocks noGrp="1"/>
+          </p:cNvSpPr>
+          <p:nvPr>
+            <p:ph type="body" idx="1"/>
+          </p:nvPr>
+        </p:nvSpPr>
+        <p:spPr>
+          <a:xfrm>
+            <a:off x="722313" y="3367088"/>
+            <a:ext cx="7772400" cy="1509712"/>
+          </a:xfrm>
+        </p:spPr>
+        <p:txBody>
           <a:bodyPr anchor="t"/>
           <a:lstStyle>
-            <a:lvl1pPr algn="l">
-              <a:defRPr sz="4000" b="1" cap="all"/>
-            </a:lvl1pPr>
-          </a:lstStyle>
-          <a:p>
-            <a:r>
-              <a:rPr lang="pt-BR" smtClean="0"/>
-              <a:t>Clique para editar o estilo do título mestre</a:t>
-            </a:r>
-            <a:endParaRPr lang="en-US"/>
-          </a:p>
-        </p:txBody>
-      </p:sp>
-      <p:sp>
-        <p:nvSpPr>
-          <p:cNvPr id="3" name="Espaço Reservado para Texto 2"/>
-          <p:cNvSpPr>
-            <a:spLocks noGrp="1"/>
-          </p:cNvSpPr>
-          <p:nvPr>
-            <p:ph type="body" idx="1"/>
-          </p:nvPr>
-        </p:nvSpPr>
-        <p:spPr>
-          <a:xfrm>
-            <a:off x="722313" y="2906713"/>
-            <a:ext cx="7772400" cy="1500187"/>
-          </a:xfrm>
-        </p:spPr>
-        <p:txBody>
-          <a:bodyPr anchor="b"/>
-          <a:lstStyle>
-            <a:lvl1pPr marL="0" indent="0">
+            <a:lvl1pPr marL="45720" indent="0">
               <a:buNone/>
-              <a:defRPr sz="2000">
+              <a:defRPr sz="2100" b="0">
                 <a:solidFill>
-                  <a:schemeClr val="tx1">
-                    <a:tint val="75000"/>
-                  </a:schemeClr>
+                  <a:schemeClr val="tx2"/>
                 </a:solidFill>
               </a:defRPr>
             </a:lvl1pPr>
-            <a:lvl2pPr marL="457200" indent="0">
+            <a:lvl2pPr>
               <a:buNone/>
               <a:defRPr sz="1800">
                 <a:solidFill>
@@ -1778,7 +2383,7 @@
                 </a:solidFill>
               </a:defRPr>
             </a:lvl2pPr>
-            <a:lvl3pPr marL="914400" indent="0">
+            <a:lvl3pPr>
               <a:buNone/>
               <a:defRPr sz="1600">
                 <a:solidFill>
@@ -1788,7 +2393,7 @@
                 </a:solidFill>
               </a:defRPr>
             </a:lvl3pPr>
-            <a:lvl4pPr marL="1371600" indent="0">
+            <a:lvl4pPr>
               <a:buNone/>
               <a:defRPr sz="1400">
                 <a:solidFill>
@@ -1798,7 +2403,7 @@
                 </a:solidFill>
               </a:defRPr>
             </a:lvl4pPr>
-            <a:lvl5pPr marL="1828800" indent="0">
+            <a:lvl5pPr>
               <a:buNone/>
               <a:defRPr sz="1400">
                 <a:solidFill>
@@ -1808,52 +2413,12 @@
                 </a:solidFill>
               </a:defRPr>
             </a:lvl5pPr>
-            <a:lvl6pPr marL="2286000" indent="0">
-              <a:buNone/>
-              <a:defRPr sz="1400">
-                <a:solidFill>
-                  <a:schemeClr val="tx1">
-                    <a:tint val="75000"/>
-                  </a:schemeClr>
-                </a:solidFill>
-              </a:defRPr>
-            </a:lvl6pPr>
-            <a:lvl7pPr marL="2743200" indent="0">
-              <a:buNone/>
-              <a:defRPr sz="1400">
-                <a:solidFill>
-                  <a:schemeClr val="tx1">
-                    <a:tint val="75000"/>
-                  </a:schemeClr>
-                </a:solidFill>
-              </a:defRPr>
-            </a:lvl7pPr>
-            <a:lvl8pPr marL="3200400" indent="0">
-              <a:buNone/>
-              <a:defRPr sz="1400">
-                <a:solidFill>
-                  <a:schemeClr val="tx1">
-                    <a:tint val="75000"/>
-                  </a:schemeClr>
-                </a:solidFill>
-              </a:defRPr>
-            </a:lvl8pPr>
-            <a:lvl9pPr marL="3657600" indent="0">
-              <a:buNone/>
-              <a:defRPr sz="1400">
-                <a:solidFill>
-                  <a:schemeClr val="tx1">
-                    <a:tint val="75000"/>
-                  </a:schemeClr>
-                </a:solidFill>
-              </a:defRPr>
-            </a:lvl9pPr>
           </a:lstStyle>
           <a:p>
-            <a:pPr lvl="0"/>
-            <a:r>
-              <a:rPr lang="pt-BR" smtClean="0"/>
-              <a:t>Clique para editar os estilos do texto mestre</a:t>
+            <a:pPr lvl="0" eaLnBrk="1" latinLnBrk="0" hangingPunct="1"/>
+            <a:r>
+              <a:rPr kumimoji="0" lang="pt-BR" smtClean="0"/>
+              <a:t>Clique para editar o texto mestre</a:t>
             </a:r>
           </a:p>
         </p:txBody>
@@ -1875,7 +2440,7 @@
           <a:p>
             <a:fld id="{E4B07001-C032-4E44-8CAA-EF950BEDBEFC}" type="datetimeFigureOut">
               <a:rPr lang="en-US" smtClean="0"/>
-              <a:t>6/19/2013</a:t>
+              <a:t>6/27/2013</a:t>
             </a:fld>
             <a:endParaRPr lang="en-US"/>
           </a:p>
@@ -1964,10 +2529,10 @@
           <a:lstStyle/>
           <a:p>
             <a:r>
-              <a:rPr lang="pt-BR" smtClean="0"/>
-              <a:t>Clique para editar o estilo do título mestre</a:t>
-            </a:r>
-            <a:endParaRPr lang="en-US"/>
+              <a:rPr kumimoji="0" lang="pt-BR" smtClean="0"/>
+              <a:t>Clique para editar o título mestre</a:t>
+            </a:r>
+            <a:endParaRPr kumimoji="0" lang="en-US"/>
           </a:p>
         </p:txBody>
       </p:sp>
@@ -1983,7 +2548,7 @@
         </p:nvSpPr>
         <p:spPr>
           <a:xfrm>
-            <a:off x="457200" y="1600200"/>
+            <a:off x="457200" y="2249424"/>
             <a:ext cx="4038600" cy="4525963"/>
           </a:xfrm>
         </p:spPr>
@@ -1991,13 +2556,13 @@
           <a:bodyPr/>
           <a:lstStyle>
             <a:lvl1pPr>
-              <a:defRPr sz="2800"/>
+              <a:defRPr sz="2000"/>
             </a:lvl1pPr>
             <a:lvl2pPr>
-              <a:defRPr sz="2400"/>
+              <a:defRPr sz="1900"/>
             </a:lvl2pPr>
             <a:lvl3pPr>
-              <a:defRPr sz="2000"/>
+              <a:defRPr sz="1800"/>
             </a:lvl3pPr>
             <a:lvl4pPr>
               <a:defRPr sz="1800"/>
@@ -2005,54 +2570,42 @@
             <a:lvl5pPr>
               <a:defRPr sz="1800"/>
             </a:lvl5pPr>
-            <a:lvl6pPr>
-              <a:defRPr sz="1800"/>
-            </a:lvl6pPr>
-            <a:lvl7pPr>
-              <a:defRPr sz="1800"/>
-            </a:lvl7pPr>
-            <a:lvl8pPr>
-              <a:defRPr sz="1800"/>
-            </a:lvl8pPr>
-            <a:lvl9pPr>
-              <a:defRPr sz="1800"/>
-            </a:lvl9pPr>
           </a:lstStyle>
           <a:p>
-            <a:pPr lvl="0"/>
+            <a:pPr lvl="0" eaLnBrk="1" latinLnBrk="0" hangingPunct="1"/>
             <a:r>
               <a:rPr lang="pt-BR" smtClean="0"/>
-              <a:t>Clique para editar os estilos do texto mestre</a:t>
-            </a:r>
-          </a:p>
-          <a:p>
-            <a:pPr lvl="1"/>
+              <a:t>Clique para editar o texto mestre</a:t>
+            </a:r>
+          </a:p>
+          <a:p>
+            <a:pPr lvl="1" eaLnBrk="1" latinLnBrk="0" hangingPunct="1"/>
             <a:r>
               <a:rPr lang="pt-BR" smtClean="0"/>
               <a:t>Segundo nível</a:t>
             </a:r>
           </a:p>
           <a:p>
-            <a:pPr lvl="2"/>
+            <a:pPr lvl="2" eaLnBrk="1" latinLnBrk="0" hangingPunct="1"/>
             <a:r>
               <a:rPr lang="pt-BR" smtClean="0"/>
               <a:t>Terceiro nível</a:t>
             </a:r>
           </a:p>
           <a:p>
-            <a:pPr lvl="3"/>
+            <a:pPr lvl="3" eaLnBrk="1" latinLnBrk="0" hangingPunct="1"/>
             <a:r>
               <a:rPr lang="pt-BR" smtClean="0"/>
               <a:t>Quarto nível</a:t>
             </a:r>
           </a:p>
           <a:p>
-            <a:pPr lvl="4"/>
+            <a:pPr lvl="4" eaLnBrk="1" latinLnBrk="0" hangingPunct="1"/>
             <a:r>
               <a:rPr lang="pt-BR" smtClean="0"/>
               <a:t>Quinto nível</a:t>
             </a:r>
-            <a:endParaRPr lang="en-US"/>
+            <a:endParaRPr kumimoji="0" lang="en-US"/>
           </a:p>
         </p:txBody>
       </p:sp>
@@ -2068,7 +2621,7 @@
         </p:nvSpPr>
         <p:spPr>
           <a:xfrm>
-            <a:off x="4648200" y="1600200"/>
+            <a:off x="4648200" y="2249424"/>
             <a:ext cx="4038600" cy="4525963"/>
           </a:xfrm>
         </p:spPr>
@@ -2076,13 +2629,13 @@
           <a:bodyPr/>
           <a:lstStyle>
             <a:lvl1pPr>
-              <a:defRPr sz="2800"/>
+              <a:defRPr sz="2000"/>
             </a:lvl1pPr>
             <a:lvl2pPr>
-              <a:defRPr sz="2400"/>
+              <a:defRPr sz="1900"/>
             </a:lvl2pPr>
             <a:lvl3pPr>
-              <a:defRPr sz="2000"/>
+              <a:defRPr sz="1800"/>
             </a:lvl3pPr>
             <a:lvl4pPr>
               <a:defRPr sz="1800"/>
@@ -2090,54 +2643,42 @@
             <a:lvl5pPr>
               <a:defRPr sz="1800"/>
             </a:lvl5pPr>
-            <a:lvl6pPr>
-              <a:defRPr sz="1800"/>
-            </a:lvl6pPr>
-            <a:lvl7pPr>
-              <a:defRPr sz="1800"/>
-            </a:lvl7pPr>
-            <a:lvl8pPr>
-              <a:defRPr sz="1800"/>
-            </a:lvl8pPr>
-            <a:lvl9pPr>
-              <a:defRPr sz="1800"/>
-            </a:lvl9pPr>
           </a:lstStyle>
           <a:p>
-            <a:pPr lvl="0"/>
+            <a:pPr lvl="0" eaLnBrk="1" latinLnBrk="0" hangingPunct="1"/>
             <a:r>
               <a:rPr lang="pt-BR" smtClean="0"/>
-              <a:t>Clique para editar os estilos do texto mestre</a:t>
-            </a:r>
-          </a:p>
-          <a:p>
-            <a:pPr lvl="1"/>
+              <a:t>Clique para editar o texto mestre</a:t>
+            </a:r>
+          </a:p>
+          <a:p>
+            <a:pPr lvl="1" eaLnBrk="1" latinLnBrk="0" hangingPunct="1"/>
             <a:r>
               <a:rPr lang="pt-BR" smtClean="0"/>
               <a:t>Segundo nível</a:t>
             </a:r>
           </a:p>
           <a:p>
-            <a:pPr lvl="2"/>
+            <a:pPr lvl="2" eaLnBrk="1" latinLnBrk="0" hangingPunct="1"/>
             <a:r>
               <a:rPr lang="pt-BR" smtClean="0"/>
               <a:t>Terceiro nível</a:t>
             </a:r>
           </a:p>
           <a:p>
-            <a:pPr lvl="3"/>
+            <a:pPr lvl="3" eaLnBrk="1" latinLnBrk="0" hangingPunct="1"/>
             <a:r>
               <a:rPr lang="pt-BR" smtClean="0"/>
               <a:t>Quarto nível</a:t>
             </a:r>
           </a:p>
           <a:p>
-            <a:pPr lvl="4"/>
+            <a:pPr lvl="4" eaLnBrk="1" latinLnBrk="0" hangingPunct="1"/>
             <a:r>
               <a:rPr lang="pt-BR" smtClean="0"/>
               <a:t>Quinto nível</a:t>
             </a:r>
-            <a:endParaRPr lang="en-US"/>
+            <a:endParaRPr kumimoji="0" lang="en-US"/>
           </a:p>
         </p:txBody>
       </p:sp>
@@ -2158,7 +2699,7 @@
           <a:p>
             <a:fld id="{E4B07001-C032-4E44-8CAA-EF950BEDBEFC}" type="datetimeFigureOut">
               <a:rPr lang="en-US" smtClean="0"/>
-              <a:t>6/19/2013</a:t>
+              <a:t>6/27/2013</a:t>
             </a:fld>
             <a:endParaRPr lang="en-US"/>
           </a:p>
@@ -2241,109 +2782,185 @@
             <p:ph type="title"/>
           </p:nvPr>
         </p:nvSpPr>
-        <p:spPr/>
+        <p:spPr>
+          <a:xfrm>
+            <a:off x="381000" y="1143000"/>
+            <a:ext cx="8382000" cy="1069848"/>
+          </a:xfrm>
+        </p:spPr>
+        <p:txBody>
+          <a:bodyPr anchor="ctr"/>
+          <a:lstStyle>
+            <a:lvl1pPr>
+              <a:defRPr sz="4000" b="0" i="0" cap="none" baseline="0"/>
+            </a:lvl1pPr>
+          </a:lstStyle>
+          <a:p>
+            <a:r>
+              <a:rPr kumimoji="0" lang="pt-BR" smtClean="0"/>
+              <a:t>Clique para editar o título mestre</a:t>
+            </a:r>
+            <a:endParaRPr kumimoji="0" lang="en-US"/>
+          </a:p>
+        </p:txBody>
+      </p:sp>
+      <p:sp>
+        <p:nvSpPr>
+          <p:cNvPr id="3" name="Espaço Reservado para Texto 2"/>
+          <p:cNvSpPr>
+            <a:spLocks noGrp="1"/>
+          </p:cNvSpPr>
+          <p:nvPr>
+            <p:ph type="body" idx="1"/>
+          </p:nvPr>
+        </p:nvSpPr>
+        <p:spPr>
+          <a:xfrm>
+            <a:off x="381000" y="2244970"/>
+            <a:ext cx="4041648" cy="457200"/>
+          </a:xfrm>
+          <a:solidFill>
+            <a:schemeClr val="accent2">
+              <a:satMod val="150000"/>
+              <a:alpha val="25000"/>
+            </a:schemeClr>
+          </a:solidFill>
+          <a:ln w="12700">
+            <a:solidFill>
+              <a:schemeClr val="accent2"/>
+            </a:solidFill>
+          </a:ln>
+        </p:spPr>
+        <p:txBody>
+          <a:bodyPr anchor="ctr">
+            <a:noAutofit/>
+          </a:bodyPr>
+          <a:lstStyle>
+            <a:lvl1pPr marL="45720" indent="0">
+              <a:buNone/>
+              <a:defRPr sz="1900" b="1">
+                <a:solidFill>
+                  <a:schemeClr val="tx1">
+                    <a:tint val="95000"/>
+                  </a:schemeClr>
+                </a:solidFill>
+              </a:defRPr>
+            </a:lvl1pPr>
+            <a:lvl2pPr>
+              <a:buNone/>
+              <a:defRPr sz="2000" b="1"/>
+            </a:lvl2pPr>
+            <a:lvl3pPr>
+              <a:buNone/>
+              <a:defRPr sz="1800" b="1"/>
+            </a:lvl3pPr>
+            <a:lvl4pPr>
+              <a:buNone/>
+              <a:defRPr sz="1600" b="1"/>
+            </a:lvl4pPr>
+            <a:lvl5pPr>
+              <a:buNone/>
+              <a:defRPr sz="1600" b="1"/>
+            </a:lvl5pPr>
+          </a:lstStyle>
+          <a:p>
+            <a:pPr lvl="0" eaLnBrk="1" latinLnBrk="0" hangingPunct="1"/>
+            <a:r>
+              <a:rPr kumimoji="0" lang="pt-BR" smtClean="0"/>
+              <a:t>Clique para editar o texto mestre</a:t>
+            </a:r>
+          </a:p>
+        </p:txBody>
+      </p:sp>
+      <p:sp>
+        <p:nvSpPr>
+          <p:cNvPr id="4" name="Espaço Reservado para Texto 3"/>
+          <p:cNvSpPr>
+            <a:spLocks noGrp="1"/>
+          </p:cNvSpPr>
+          <p:nvPr>
+            <p:ph type="body" sz="half" idx="3"/>
+          </p:nvPr>
+        </p:nvSpPr>
+        <p:spPr>
+          <a:xfrm>
+            <a:off x="4721225" y="2244970"/>
+            <a:ext cx="4041775" cy="457200"/>
+          </a:xfrm>
+          <a:solidFill>
+            <a:schemeClr val="accent2">
+              <a:satMod val="150000"/>
+              <a:alpha val="25000"/>
+            </a:schemeClr>
+          </a:solidFill>
+          <a:ln w="12700">
+            <a:solidFill>
+              <a:schemeClr val="accent2"/>
+            </a:solidFill>
+          </a:ln>
+        </p:spPr>
+        <p:txBody>
+          <a:bodyPr anchor="ctr">
+            <a:noAutofit/>
+          </a:bodyPr>
+          <a:lstStyle>
+            <a:lvl1pPr marL="45720" indent="0">
+              <a:buNone/>
+              <a:defRPr sz="1900" b="1">
+                <a:solidFill>
+                  <a:schemeClr val="tx1">
+                    <a:tint val="95000"/>
+                  </a:schemeClr>
+                </a:solidFill>
+              </a:defRPr>
+            </a:lvl1pPr>
+            <a:lvl2pPr>
+              <a:buNone/>
+              <a:defRPr sz="2000" b="1"/>
+            </a:lvl2pPr>
+            <a:lvl3pPr>
+              <a:buNone/>
+              <a:defRPr sz="1800" b="1"/>
+            </a:lvl3pPr>
+            <a:lvl4pPr>
+              <a:buNone/>
+              <a:defRPr sz="1600" b="1"/>
+            </a:lvl4pPr>
+            <a:lvl5pPr>
+              <a:buNone/>
+              <a:defRPr sz="1600" b="1"/>
+            </a:lvl5pPr>
+          </a:lstStyle>
+          <a:p>
+            <a:pPr lvl="0" eaLnBrk="1" latinLnBrk="0" hangingPunct="1"/>
+            <a:r>
+              <a:rPr kumimoji="0" lang="pt-BR" smtClean="0"/>
+              <a:t>Clique para editar o texto mestre</a:t>
+            </a:r>
+          </a:p>
+        </p:txBody>
+      </p:sp>
+      <p:sp>
+        <p:nvSpPr>
+          <p:cNvPr id="5" name="Espaço Reservado para Conteúdo 4"/>
+          <p:cNvSpPr>
+            <a:spLocks noGrp="1"/>
+          </p:cNvSpPr>
+          <p:nvPr>
+            <p:ph sz="quarter" idx="2"/>
+          </p:nvPr>
+        </p:nvSpPr>
+        <p:spPr>
+          <a:xfrm>
+            <a:off x="381000" y="2708519"/>
+            <a:ext cx="4041648" cy="3886200"/>
+          </a:xfrm>
+        </p:spPr>
         <p:txBody>
           <a:bodyPr/>
           <a:lstStyle>
             <a:lvl1pPr>
-              <a:defRPr/>
-            </a:lvl1pPr>
-          </a:lstStyle>
-          <a:p>
-            <a:r>
-              <a:rPr lang="pt-BR" smtClean="0"/>
-              <a:t>Clique para editar o estilo do título mestre</a:t>
-            </a:r>
-            <a:endParaRPr lang="en-US"/>
-          </a:p>
-        </p:txBody>
-      </p:sp>
-      <p:sp>
-        <p:nvSpPr>
-          <p:cNvPr id="3" name="Espaço Reservado para Texto 2"/>
-          <p:cNvSpPr>
-            <a:spLocks noGrp="1"/>
-          </p:cNvSpPr>
-          <p:nvPr>
-            <p:ph type="body" idx="1"/>
-          </p:nvPr>
-        </p:nvSpPr>
-        <p:spPr>
-          <a:xfrm>
-            <a:off x="457200" y="1535113"/>
-            <a:ext cx="4040188" cy="639762"/>
-          </a:xfrm>
-        </p:spPr>
-        <p:txBody>
-          <a:bodyPr anchor="b"/>
-          <a:lstStyle>
-            <a:lvl1pPr marL="0" indent="0">
-              <a:buNone/>
-              <a:defRPr sz="2400" b="1"/>
-            </a:lvl1pPr>
-            <a:lvl2pPr marL="457200" indent="0">
-              <a:buNone/>
-              <a:defRPr sz="2000" b="1"/>
-            </a:lvl2pPr>
-            <a:lvl3pPr marL="914400" indent="0">
-              <a:buNone/>
-              <a:defRPr sz="1800" b="1"/>
-            </a:lvl3pPr>
-            <a:lvl4pPr marL="1371600" indent="0">
-              <a:buNone/>
-              <a:defRPr sz="1600" b="1"/>
-            </a:lvl4pPr>
-            <a:lvl5pPr marL="1828800" indent="0">
-              <a:buNone/>
-              <a:defRPr sz="1600" b="1"/>
-            </a:lvl5pPr>
-            <a:lvl6pPr marL="2286000" indent="0">
-              <a:buNone/>
-              <a:defRPr sz="1600" b="1"/>
-            </a:lvl6pPr>
-            <a:lvl7pPr marL="2743200" indent="0">
-              <a:buNone/>
-              <a:defRPr sz="1600" b="1"/>
-            </a:lvl7pPr>
-            <a:lvl8pPr marL="3200400" indent="0">
-              <a:buNone/>
-              <a:defRPr sz="1600" b="1"/>
-            </a:lvl8pPr>
-            <a:lvl9pPr marL="3657600" indent="0">
-              <a:buNone/>
-              <a:defRPr sz="1600" b="1"/>
-            </a:lvl9pPr>
-          </a:lstStyle>
-          <a:p>
-            <a:pPr lvl="0"/>
-            <a:r>
-              <a:rPr lang="pt-BR" smtClean="0"/>
-              <a:t>Clique para editar os estilos do texto mestre</a:t>
-            </a:r>
-          </a:p>
-        </p:txBody>
-      </p:sp>
-      <p:sp>
-        <p:nvSpPr>
-          <p:cNvPr id="4" name="Espaço Reservado para Conteúdo 3"/>
-          <p:cNvSpPr>
-            <a:spLocks noGrp="1"/>
-          </p:cNvSpPr>
-          <p:nvPr>
-            <p:ph sz="half" idx="2"/>
-          </p:nvPr>
-        </p:nvSpPr>
-        <p:spPr>
-          <a:xfrm>
-            <a:off x="457200" y="2174875"/>
-            <a:ext cx="4040188" cy="3951288"/>
-          </a:xfrm>
-        </p:spPr>
-        <p:txBody>
-          <a:bodyPr/>
-          <a:lstStyle>
-            <a:lvl1pPr>
-              <a:defRPr sz="2400"/>
+              <a:defRPr sz="2000"/>
             </a:lvl1pPr>
             <a:lvl2pPr>
               <a:defRPr sz="2000"/>
@@ -2357,143 +2974,66 @@
             <a:lvl5pPr>
               <a:defRPr sz="1600"/>
             </a:lvl5pPr>
-            <a:lvl6pPr>
-              <a:defRPr sz="1600"/>
-            </a:lvl6pPr>
-            <a:lvl7pPr>
-              <a:defRPr sz="1600"/>
-            </a:lvl7pPr>
-            <a:lvl8pPr>
-              <a:defRPr sz="1600"/>
-            </a:lvl8pPr>
-            <a:lvl9pPr>
-              <a:defRPr sz="1600"/>
-            </a:lvl9pPr>
           </a:lstStyle>
           <a:p>
-            <a:pPr lvl="0"/>
+            <a:pPr lvl="0" eaLnBrk="1" latinLnBrk="0" hangingPunct="1"/>
             <a:r>
               <a:rPr lang="pt-BR" smtClean="0"/>
-              <a:t>Clique para editar os estilos do texto mestre</a:t>
-            </a:r>
-          </a:p>
-          <a:p>
-            <a:pPr lvl="1"/>
+              <a:t>Clique para editar o texto mestre</a:t>
+            </a:r>
+          </a:p>
+          <a:p>
+            <a:pPr lvl="1" eaLnBrk="1" latinLnBrk="0" hangingPunct="1"/>
             <a:r>
               <a:rPr lang="pt-BR" smtClean="0"/>
               <a:t>Segundo nível</a:t>
             </a:r>
           </a:p>
           <a:p>
-            <a:pPr lvl="2"/>
+            <a:pPr lvl="2" eaLnBrk="1" latinLnBrk="0" hangingPunct="1"/>
             <a:r>
               <a:rPr lang="pt-BR" smtClean="0"/>
               <a:t>Terceiro nível</a:t>
             </a:r>
           </a:p>
           <a:p>
-            <a:pPr lvl="3"/>
+            <a:pPr lvl="3" eaLnBrk="1" latinLnBrk="0" hangingPunct="1"/>
             <a:r>
               <a:rPr lang="pt-BR" smtClean="0"/>
               <a:t>Quarto nível</a:t>
             </a:r>
           </a:p>
           <a:p>
-            <a:pPr lvl="4"/>
+            <a:pPr lvl="4" eaLnBrk="1" latinLnBrk="0" hangingPunct="1"/>
             <a:r>
               <a:rPr lang="pt-BR" smtClean="0"/>
               <a:t>Quinto nível</a:t>
             </a:r>
-            <a:endParaRPr lang="en-US"/>
-          </a:p>
-        </p:txBody>
-      </p:sp>
-      <p:sp>
-        <p:nvSpPr>
-          <p:cNvPr id="5" name="Espaço Reservado para Texto 4"/>
-          <p:cNvSpPr>
-            <a:spLocks noGrp="1"/>
-          </p:cNvSpPr>
-          <p:nvPr>
-            <p:ph type="body" sz="quarter" idx="3"/>
+            <a:endParaRPr kumimoji="0" lang="en-US"/>
+          </a:p>
+        </p:txBody>
+      </p:sp>
+      <p:sp>
+        <p:nvSpPr>
+          <p:cNvPr id="6" name="Espaço Reservado para Conteúdo 5"/>
+          <p:cNvSpPr>
+            <a:spLocks noGrp="1"/>
+          </p:cNvSpPr>
+          <p:nvPr>
+            <p:ph sz="quarter" idx="4"/>
           </p:nvPr>
         </p:nvSpPr>
         <p:spPr>
           <a:xfrm>
-            <a:off x="4645025" y="1535113"/>
-            <a:ext cx="4041775" cy="639762"/>
-          </a:xfrm>
-        </p:spPr>
-        <p:txBody>
-          <a:bodyPr anchor="b"/>
-          <a:lstStyle>
-            <a:lvl1pPr marL="0" indent="0">
-              <a:buNone/>
-              <a:defRPr sz="2400" b="1"/>
-            </a:lvl1pPr>
-            <a:lvl2pPr marL="457200" indent="0">
-              <a:buNone/>
-              <a:defRPr sz="2000" b="1"/>
-            </a:lvl2pPr>
-            <a:lvl3pPr marL="914400" indent="0">
-              <a:buNone/>
-              <a:defRPr sz="1800" b="1"/>
-            </a:lvl3pPr>
-            <a:lvl4pPr marL="1371600" indent="0">
-              <a:buNone/>
-              <a:defRPr sz="1600" b="1"/>
-            </a:lvl4pPr>
-            <a:lvl5pPr marL="1828800" indent="0">
-              <a:buNone/>
-              <a:defRPr sz="1600" b="1"/>
-            </a:lvl5pPr>
-            <a:lvl6pPr marL="2286000" indent="0">
-              <a:buNone/>
-              <a:defRPr sz="1600" b="1"/>
-            </a:lvl6pPr>
-            <a:lvl7pPr marL="2743200" indent="0">
-              <a:buNone/>
-              <a:defRPr sz="1600" b="1"/>
-            </a:lvl7pPr>
-            <a:lvl8pPr marL="3200400" indent="0">
-              <a:buNone/>
-              <a:defRPr sz="1600" b="1"/>
-            </a:lvl8pPr>
-            <a:lvl9pPr marL="3657600" indent="0">
-              <a:buNone/>
-              <a:defRPr sz="1600" b="1"/>
-            </a:lvl9pPr>
-          </a:lstStyle>
-          <a:p>
-            <a:pPr lvl="0"/>
-            <a:r>
-              <a:rPr lang="pt-BR" smtClean="0"/>
-              <a:t>Clique para editar os estilos do texto mestre</a:t>
-            </a:r>
-          </a:p>
-        </p:txBody>
-      </p:sp>
-      <p:sp>
-        <p:nvSpPr>
-          <p:cNvPr id="6" name="Espaço Reservado para Conteúdo 5"/>
-          <p:cNvSpPr>
-            <a:spLocks noGrp="1"/>
-          </p:cNvSpPr>
-          <p:nvPr>
-            <p:ph sz="quarter" idx="4"/>
-          </p:nvPr>
-        </p:nvSpPr>
-        <p:spPr>
-          <a:xfrm>
-            <a:off x="4645025" y="2174875"/>
-            <a:ext cx="4041775" cy="3951288"/>
+            <a:off x="4718304" y="2708519"/>
+            <a:ext cx="4041775" cy="3886200"/>
           </a:xfrm>
         </p:spPr>
         <p:txBody>
           <a:bodyPr/>
           <a:lstStyle>
             <a:lvl1pPr>
-              <a:defRPr sz="2400"/>
+              <a:defRPr sz="2000"/>
             </a:lvl1pPr>
             <a:lvl2pPr>
               <a:defRPr sz="2000"/>
@@ -2507,60 +3047,48 @@
             <a:lvl5pPr>
               <a:defRPr sz="1600"/>
             </a:lvl5pPr>
-            <a:lvl6pPr>
-              <a:defRPr sz="1600"/>
-            </a:lvl6pPr>
-            <a:lvl7pPr>
-              <a:defRPr sz="1600"/>
-            </a:lvl7pPr>
-            <a:lvl8pPr>
-              <a:defRPr sz="1600"/>
-            </a:lvl8pPr>
-            <a:lvl9pPr>
-              <a:defRPr sz="1600"/>
-            </a:lvl9pPr>
           </a:lstStyle>
           <a:p>
-            <a:pPr lvl="0"/>
+            <a:pPr lvl="0" eaLnBrk="1" latinLnBrk="0" hangingPunct="1"/>
             <a:r>
               <a:rPr lang="pt-BR" smtClean="0"/>
-              <a:t>Clique para editar os estilos do texto mestre</a:t>
-            </a:r>
-          </a:p>
-          <a:p>
-            <a:pPr lvl="1"/>
+              <a:t>Clique para editar o texto mestre</a:t>
+            </a:r>
+          </a:p>
+          <a:p>
+            <a:pPr lvl="1" eaLnBrk="1" latinLnBrk="0" hangingPunct="1"/>
             <a:r>
               <a:rPr lang="pt-BR" smtClean="0"/>
               <a:t>Segundo nível</a:t>
             </a:r>
           </a:p>
           <a:p>
-            <a:pPr lvl="2"/>
+            <a:pPr lvl="2" eaLnBrk="1" latinLnBrk="0" hangingPunct="1"/>
             <a:r>
               <a:rPr lang="pt-BR" smtClean="0"/>
               <a:t>Terceiro nível</a:t>
             </a:r>
           </a:p>
           <a:p>
-            <a:pPr lvl="3"/>
+            <a:pPr lvl="3" eaLnBrk="1" latinLnBrk="0" hangingPunct="1"/>
             <a:r>
               <a:rPr lang="pt-BR" smtClean="0"/>
               <a:t>Quarto nível</a:t>
             </a:r>
           </a:p>
           <a:p>
-            <a:pPr lvl="4"/>
+            <a:pPr lvl="4" eaLnBrk="1" latinLnBrk="0" hangingPunct="1"/>
             <a:r>
               <a:rPr lang="pt-BR" smtClean="0"/>
               <a:t>Quinto nível</a:t>
             </a:r>
-            <a:endParaRPr lang="en-US"/>
-          </a:p>
-        </p:txBody>
-      </p:sp>
-      <p:sp>
-        <p:nvSpPr>
-          <p:cNvPr id="7" name="Espaço Reservado para Data 6"/>
+            <a:endParaRPr kumimoji="0" lang="en-US"/>
+          </a:p>
+        </p:txBody>
+      </p:sp>
+      <p:sp>
+        <p:nvSpPr>
+          <p:cNvPr id="26" name="Espaço Reservado para Data 25"/>
           <p:cNvSpPr>
             <a:spLocks noGrp="1"/>
           </p:cNvSpPr>
@@ -2570,12 +3098,12 @@
         </p:nvSpPr>
         <p:spPr/>
         <p:txBody>
-          <a:bodyPr/>
+          <a:bodyPr rtlCol="0"/>
           <a:lstStyle/>
           <a:p>
             <a:fld id="{E4B07001-C032-4E44-8CAA-EF950BEDBEFC}" type="datetimeFigureOut">
               <a:rPr lang="en-US" smtClean="0"/>
-              <a:t>6/19/2013</a:t>
+              <a:t>6/27/2013</a:t>
             </a:fld>
             <a:endParaRPr lang="en-US"/>
           </a:p>
@@ -2583,42 +3111,42 @@
       </p:sp>
       <p:sp>
         <p:nvSpPr>
-          <p:cNvPr id="8" name="Espaço Reservado para Rodapé 7"/>
-          <p:cNvSpPr>
-            <a:spLocks noGrp="1"/>
-          </p:cNvSpPr>
-          <p:nvPr>
-            <p:ph type="ftr" sz="quarter" idx="11"/>
-          </p:nvPr>
-        </p:nvSpPr>
-        <p:spPr/>
-        <p:txBody>
-          <a:bodyPr/>
-          <a:lstStyle/>
-          <a:p>
-            <a:endParaRPr lang="en-US"/>
-          </a:p>
-        </p:txBody>
-      </p:sp>
-      <p:sp>
-        <p:nvSpPr>
-          <p:cNvPr id="9" name="Espaço Reservado para Número de Slide 8"/>
-          <p:cNvSpPr>
-            <a:spLocks noGrp="1"/>
-          </p:cNvSpPr>
-          <p:nvPr>
-            <p:ph type="sldNum" sz="quarter" idx="12"/>
-          </p:nvPr>
-        </p:nvSpPr>
-        <p:spPr/>
-        <p:txBody>
-          <a:bodyPr/>
+          <p:cNvPr id="27" name="Espaço Reservado para Número de Slide 26"/>
+          <p:cNvSpPr>
+            <a:spLocks noGrp="1"/>
+          </p:cNvSpPr>
+          <p:nvPr>
+            <p:ph type="sldNum" sz="quarter" idx="11"/>
+          </p:nvPr>
+        </p:nvSpPr>
+        <p:spPr/>
+        <p:txBody>
+          <a:bodyPr rtlCol="0"/>
           <a:lstStyle/>
           <a:p>
             <a:fld id="{A8A1B212-D236-46CD-9458-D6C5FE768E97}" type="slidenum">
               <a:rPr lang="en-US" smtClean="0"/>
               <a:t>‹nº›</a:t>
             </a:fld>
+            <a:endParaRPr lang="en-US"/>
+          </a:p>
+        </p:txBody>
+      </p:sp>
+      <p:sp>
+        <p:nvSpPr>
+          <p:cNvPr id="28" name="Espaço Reservado para Rodapé 27"/>
+          <p:cNvSpPr>
+            <a:spLocks noGrp="1"/>
+          </p:cNvSpPr>
+          <p:nvPr>
+            <p:ph type="ftr" sz="quarter" idx="12"/>
+          </p:nvPr>
+        </p:nvSpPr>
+        <p:spPr/>
+        <p:txBody>
+          <a:bodyPr rtlCol="0"/>
+          <a:lstStyle/>
+          <a:p>
             <a:endParaRPr lang="en-US"/>
           </a:p>
         </p:txBody>
@@ -2658,16 +3186,29 @@
             <p:ph type="title"/>
           </p:nvPr>
         </p:nvSpPr>
-        <p:spPr/>
-        <p:txBody>
-          <a:bodyPr/>
-          <a:lstStyle/>
-          <a:p>
-            <a:r>
-              <a:rPr lang="pt-BR" smtClean="0"/>
-              <a:t>Clique para editar o estilo do título mestre</a:t>
-            </a:r>
-            <a:endParaRPr lang="en-US"/>
+        <p:spPr>
+          <a:xfrm>
+            <a:off x="457200" y="1143000"/>
+            <a:ext cx="8229600" cy="1069848"/>
+          </a:xfrm>
+        </p:spPr>
+        <p:txBody>
+          <a:bodyPr anchor="ctr"/>
+          <a:lstStyle>
+            <a:lvl1pPr>
+              <a:defRPr sz="4000">
+                <a:solidFill>
+                  <a:schemeClr val="tx2"/>
+                </a:solidFill>
+              </a:defRPr>
+            </a:lvl1pPr>
+          </a:lstStyle>
+          <a:p>
+            <a:r>
+              <a:rPr kumimoji="0" lang="pt-BR" smtClean="0"/>
+              <a:t>Clique para editar o título mestre</a:t>
+            </a:r>
+            <a:endParaRPr kumimoji="0" lang="en-US"/>
           </a:p>
         </p:txBody>
       </p:sp>
@@ -2681,14 +3222,19 @@
             <p:ph type="dt" sz="half" idx="10"/>
           </p:nvPr>
         </p:nvSpPr>
-        <p:spPr/>
+        <p:spPr>
+          <a:xfrm>
+            <a:off x="6583680" y="612648"/>
+            <a:ext cx="957264" cy="457200"/>
+          </a:xfrm>
+        </p:spPr>
         <p:txBody>
           <a:bodyPr/>
           <a:lstStyle/>
           <a:p>
             <a:fld id="{E4B07001-C032-4E44-8CAA-EF950BEDBEFC}" type="datetimeFigureOut">
               <a:rPr lang="en-US" smtClean="0"/>
-              <a:t>6/19/2013</a:t>
+              <a:t>6/27/2013</a:t>
             </a:fld>
             <a:endParaRPr lang="en-US"/>
           </a:p>
@@ -2704,7 +3250,12 @@
             <p:ph type="ftr" sz="quarter" idx="11"/>
           </p:nvPr>
         </p:nvSpPr>
-        <p:spPr/>
+        <p:spPr>
+          <a:xfrm>
+            <a:off x="5257800" y="612648"/>
+            <a:ext cx="1325880" cy="457200"/>
+          </a:xfrm>
+        </p:spPr>
         <p:txBody>
           <a:bodyPr/>
           <a:lstStyle/>
@@ -2723,7 +3274,12 @@
             <p:ph type="sldNum" sz="quarter" idx="12"/>
           </p:nvPr>
         </p:nvSpPr>
-        <p:spPr/>
+        <p:spPr>
+          <a:xfrm>
+            <a:off x="8174736" y="2272"/>
+            <a:ext cx="762000" cy="365760"/>
+          </a:xfrm>
+        </p:spPr>
         <p:txBody>
           <a:bodyPr/>
           <a:lstStyle/>
@@ -2778,7 +3334,7 @@
           <a:p>
             <a:fld id="{E4B07001-C032-4E44-8CAA-EF950BEDBEFC}" type="datetimeFigureOut">
               <a:rPr lang="en-US" smtClean="0"/>
-              <a:t>6/19/2013</a:t>
+              <a:t>6/27/2013</a:t>
             </a:fld>
             <a:endParaRPr lang="en-US"/>
           </a:p>
@@ -2863,40 +3419,90 @@
         </p:nvSpPr>
         <p:spPr>
           <a:xfrm>
-            <a:off x="457200" y="273050"/>
-            <a:ext cx="3008313" cy="1162050"/>
+            <a:off x="5353496" y="1101970"/>
+            <a:ext cx="3383280" cy="877824"/>
           </a:xfrm>
         </p:spPr>
         <p:txBody>
           <a:bodyPr anchor="b"/>
           <a:lstStyle>
             <a:lvl1pPr algn="l">
-              <a:defRPr sz="2000" b="1"/>
+              <a:buNone/>
+              <a:defRPr sz="1800" b="1"/>
             </a:lvl1pPr>
           </a:lstStyle>
           <a:p>
             <a:r>
-              <a:rPr lang="pt-BR" smtClean="0"/>
-              <a:t>Clique para editar o estilo do título mestre</a:t>
-            </a:r>
-            <a:endParaRPr lang="en-US"/>
-          </a:p>
-        </p:txBody>
-      </p:sp>
-      <p:sp>
-        <p:nvSpPr>
-          <p:cNvPr id="3" name="Espaço Reservado para Conteúdo 2"/>
-          <p:cNvSpPr>
-            <a:spLocks noGrp="1"/>
-          </p:cNvSpPr>
-          <p:nvPr>
-            <p:ph idx="1"/>
+              <a:rPr kumimoji="0" lang="pt-BR" smtClean="0"/>
+              <a:t>Clique para editar o título mestre</a:t>
+            </a:r>
+            <a:endParaRPr kumimoji="0" lang="en-US"/>
+          </a:p>
+        </p:txBody>
+      </p:sp>
+      <p:sp>
+        <p:nvSpPr>
+          <p:cNvPr id="3" name="Espaço Reservado para Texto 2"/>
+          <p:cNvSpPr>
+            <a:spLocks noGrp="1"/>
+          </p:cNvSpPr>
+          <p:nvPr>
+            <p:ph type="body" idx="2"/>
           </p:nvPr>
         </p:nvSpPr>
         <p:spPr>
           <a:xfrm>
-            <a:off x="3575050" y="273050"/>
-            <a:ext cx="5111750" cy="5853113"/>
+            <a:off x="5353496" y="2010727"/>
+            <a:ext cx="3383280" cy="4617720"/>
+          </a:xfrm>
+        </p:spPr>
+        <p:txBody>
+          <a:bodyPr/>
+          <a:lstStyle>
+            <a:lvl1pPr marL="9144" indent="0">
+              <a:buNone/>
+              <a:defRPr sz="1400"/>
+            </a:lvl1pPr>
+            <a:lvl2pPr>
+              <a:buNone/>
+              <a:defRPr sz="1200"/>
+            </a:lvl2pPr>
+            <a:lvl3pPr>
+              <a:buNone/>
+              <a:defRPr sz="1000"/>
+            </a:lvl3pPr>
+            <a:lvl4pPr>
+              <a:buNone/>
+              <a:defRPr sz="900"/>
+            </a:lvl4pPr>
+            <a:lvl5pPr>
+              <a:buNone/>
+              <a:defRPr sz="900"/>
+            </a:lvl5pPr>
+          </a:lstStyle>
+          <a:p>
+            <a:pPr lvl="0" eaLnBrk="1" latinLnBrk="0" hangingPunct="1"/>
+            <a:r>
+              <a:rPr kumimoji="0" lang="pt-BR" smtClean="0"/>
+              <a:t>Clique para editar o texto mestre</a:t>
+            </a:r>
+          </a:p>
+        </p:txBody>
+      </p:sp>
+      <p:sp>
+        <p:nvSpPr>
+          <p:cNvPr id="4" name="Espaço Reservado para Conteúdo 3"/>
+          <p:cNvSpPr>
+            <a:spLocks noGrp="1"/>
+          </p:cNvSpPr>
+          <p:nvPr>
+            <p:ph sz="half" idx="1"/>
+          </p:nvPr>
+        </p:nvSpPr>
+        <p:spPr>
+          <a:xfrm>
+            <a:off x="152400" y="776287"/>
+            <a:ext cx="5102352" cy="5852160"/>
           </a:xfrm>
         </p:spPr>
         <p:txBody>
@@ -2917,119 +3523,42 @@
             <a:lvl5pPr>
               <a:defRPr sz="2000"/>
             </a:lvl5pPr>
-            <a:lvl6pPr>
-              <a:defRPr sz="2000"/>
-            </a:lvl6pPr>
-            <a:lvl7pPr>
-              <a:defRPr sz="2000"/>
-            </a:lvl7pPr>
-            <a:lvl8pPr>
-              <a:defRPr sz="2000"/>
-            </a:lvl8pPr>
-            <a:lvl9pPr>
-              <a:defRPr sz="2000"/>
-            </a:lvl9pPr>
           </a:lstStyle>
           <a:p>
-            <a:pPr lvl="0"/>
+            <a:pPr lvl="0" eaLnBrk="1" latinLnBrk="0" hangingPunct="1"/>
             <a:r>
               <a:rPr lang="pt-BR" smtClean="0"/>
-              <a:t>Clique para editar os estilos do texto mestre</a:t>
-            </a:r>
-          </a:p>
-          <a:p>
-            <a:pPr lvl="1"/>
+              <a:t>Clique para editar o texto mestre</a:t>
+            </a:r>
+          </a:p>
+          <a:p>
+            <a:pPr lvl="1" eaLnBrk="1" latinLnBrk="0" hangingPunct="1"/>
             <a:r>
               <a:rPr lang="pt-BR" smtClean="0"/>
               <a:t>Segundo nível</a:t>
             </a:r>
           </a:p>
           <a:p>
-            <a:pPr lvl="2"/>
+            <a:pPr lvl="2" eaLnBrk="1" latinLnBrk="0" hangingPunct="1"/>
             <a:r>
               <a:rPr lang="pt-BR" smtClean="0"/>
               <a:t>Terceiro nível</a:t>
             </a:r>
           </a:p>
           <a:p>
-            <a:pPr lvl="3"/>
+            <a:pPr lvl="3" eaLnBrk="1" latinLnBrk="0" hangingPunct="1"/>
             <a:r>
               <a:rPr lang="pt-BR" smtClean="0"/>
               <a:t>Quarto nível</a:t>
             </a:r>
           </a:p>
           <a:p>
-            <a:pPr lvl="4"/>
+            <a:pPr lvl="4" eaLnBrk="1" latinLnBrk="0" hangingPunct="1"/>
             <a:r>
               <a:rPr lang="pt-BR" smtClean="0"/>
               <a:t>Quinto nível</a:t>
             </a:r>
-            <a:endParaRPr lang="en-US"/>
-          </a:p>
-        </p:txBody>
-      </p:sp>
-      <p:sp>
-        <p:nvSpPr>
-          <p:cNvPr id="4" name="Espaço Reservado para Texto 3"/>
-          <p:cNvSpPr>
-            <a:spLocks noGrp="1"/>
-          </p:cNvSpPr>
-          <p:nvPr>
-            <p:ph type="body" sz="half" idx="2"/>
-          </p:nvPr>
-        </p:nvSpPr>
-        <p:spPr>
-          <a:xfrm>
-            <a:off x="457200" y="1435100"/>
-            <a:ext cx="3008313" cy="4691063"/>
-          </a:xfrm>
-        </p:spPr>
-        <p:txBody>
-          <a:bodyPr/>
-          <a:lstStyle>
-            <a:lvl1pPr marL="0" indent="0">
-              <a:buNone/>
-              <a:defRPr sz="1400"/>
-            </a:lvl1pPr>
-            <a:lvl2pPr marL="457200" indent="0">
-              <a:buNone/>
-              <a:defRPr sz="1200"/>
-            </a:lvl2pPr>
-            <a:lvl3pPr marL="914400" indent="0">
-              <a:buNone/>
-              <a:defRPr sz="1000"/>
-            </a:lvl3pPr>
-            <a:lvl4pPr marL="1371600" indent="0">
-              <a:buNone/>
-              <a:defRPr sz="900"/>
-            </a:lvl4pPr>
-            <a:lvl5pPr marL="1828800" indent="0">
-              <a:buNone/>
-              <a:defRPr sz="900"/>
-            </a:lvl5pPr>
-            <a:lvl6pPr marL="2286000" indent="0">
-              <a:buNone/>
-              <a:defRPr sz="900"/>
-            </a:lvl6pPr>
-            <a:lvl7pPr marL="2743200" indent="0">
-              <a:buNone/>
-              <a:defRPr sz="900"/>
-            </a:lvl7pPr>
-            <a:lvl8pPr marL="3200400" indent="0">
-              <a:buNone/>
-              <a:defRPr sz="900"/>
-            </a:lvl8pPr>
-            <a:lvl9pPr marL="3657600" indent="0">
-              <a:buNone/>
-              <a:defRPr sz="900"/>
-            </a:lvl9pPr>
-          </a:lstStyle>
-          <a:p>
-            <a:pPr lvl="0"/>
-            <a:r>
-              <a:rPr lang="pt-BR" smtClean="0"/>
-              <a:t>Clique para editar os estilos do texto mestre</a:t>
-            </a:r>
+            <a:endParaRPr kumimoji="0" lang="en-US"/>
           </a:p>
         </p:txBody>
       </p:sp>
@@ -3050,7 +3579,7 @@
           <a:p>
             <a:fld id="{E4B07001-C032-4E44-8CAA-EF950BEDBEFC}" type="datetimeFigureOut">
               <a:rPr lang="en-US" smtClean="0"/>
-              <a:t>6/19/2013</a:t>
+              <a:t>6/27/2013</a:t>
             </a:fld>
             <a:endParaRPr lang="en-US"/>
           </a:p>
@@ -3135,23 +3664,24 @@
         </p:nvSpPr>
         <p:spPr>
           <a:xfrm>
-            <a:off x="1792288" y="4800600"/>
-            <a:ext cx="5486400" cy="566738"/>
+            <a:off x="5440434" y="1109160"/>
+            <a:ext cx="586803" cy="4681637"/>
           </a:xfrm>
         </p:spPr>
         <p:txBody>
-          <a:bodyPr anchor="b"/>
+          <a:bodyPr vert="vert270" lIns="45720" tIns="0" rIns="45720" anchor="t"/>
           <a:lstStyle>
-            <a:lvl1pPr algn="l">
+            <a:lvl1pPr algn="ctr">
+              <a:buNone/>
               <a:defRPr sz="2000" b="1"/>
             </a:lvl1pPr>
           </a:lstStyle>
           <a:p>
             <a:r>
-              <a:rPr lang="pt-BR" smtClean="0"/>
-              <a:t>Clique para editar o estilo do título mestre</a:t>
-            </a:r>
-            <a:endParaRPr lang="en-US"/>
+              <a:rPr kumimoji="0" lang="pt-BR" smtClean="0"/>
+              <a:t>Clique para editar o título mestre</a:t>
+            </a:r>
+            <a:endParaRPr kumimoji="0" lang="en-US"/>
           </a:p>
         </p:txBody>
       </p:sp>
@@ -3167,9 +3697,37 @@
         </p:nvSpPr>
         <p:spPr>
           <a:xfrm>
-            <a:off x="1792288" y="612775"/>
-            <a:ext cx="5486400" cy="4114800"/>
+            <a:off x="403671" y="1143000"/>
+            <a:ext cx="4572000" cy="4572000"/>
           </a:xfrm>
+          <a:solidFill>
+            <a:srgbClr val="EAEAEA"/>
+          </a:solidFill>
+          <a:ln w="50800">
+            <a:solidFill>
+              <a:srgbClr val="FFFFFF"/>
+            </a:solidFill>
+            <a:miter lim="800000"/>
+          </a:ln>
+          <a:effectLst>
+            <a:outerShdw blurRad="57150" dist="31750" dir="4800000" algn="tl" rotWithShape="0">
+              <a:srgbClr val="000000">
+                <a:alpha val="25000"/>
+              </a:srgbClr>
+            </a:outerShdw>
+          </a:effectLst>
+          <a:scene3d>
+            <a:camera prst="orthographicFront"/>
+            <a:lightRig rig="twoPt" dir="t">
+              <a:rot lat="0" lon="0" rev="7200000"/>
+            </a:lightRig>
+          </a:scene3d>
+          <a:sp3d contourW="2540">
+            <a:bevelT w="25400" h="19050"/>
+            <a:contourClr>
+              <a:srgbClr val="AEAEAE"/>
+            </a:contourClr>
+          </a:sp3d>
         </p:spPr>
         <p:txBody>
           <a:bodyPr/>
@@ -3178,41 +3736,13 @@
               <a:buNone/>
               <a:defRPr sz="3200"/>
             </a:lvl1pPr>
-            <a:lvl2pPr marL="457200" indent="0">
-              <a:buNone/>
-              <a:defRPr sz="2800"/>
-            </a:lvl2pPr>
-            <a:lvl3pPr marL="914400" indent="0">
-              <a:buNone/>
-              <a:defRPr sz="2400"/>
-            </a:lvl3pPr>
-            <a:lvl4pPr marL="1371600" indent="0">
-              <a:buNone/>
-              <a:defRPr sz="2000"/>
-            </a:lvl4pPr>
-            <a:lvl5pPr marL="1828800" indent="0">
-              <a:buNone/>
-              <a:defRPr sz="2000"/>
-            </a:lvl5pPr>
-            <a:lvl6pPr marL="2286000" indent="0">
-              <a:buNone/>
-              <a:defRPr sz="2000"/>
-            </a:lvl6pPr>
-            <a:lvl7pPr marL="2743200" indent="0">
-              <a:buNone/>
-              <a:defRPr sz="2000"/>
-            </a:lvl7pPr>
-            <a:lvl8pPr marL="3200400" indent="0">
-              <a:buNone/>
-              <a:defRPr sz="2000"/>
-            </a:lvl8pPr>
-            <a:lvl9pPr marL="3657600" indent="0">
-              <a:buNone/>
-              <a:defRPr sz="2000"/>
-            </a:lvl9pPr>
           </a:lstStyle>
           <a:p>
-            <a:endParaRPr lang="en-US"/>
+            <a:r>
+              <a:rPr kumimoji="0" lang="pt-BR" smtClean="0"/>
+              <a:t>Clique no ícone para adicionar uma imagem</a:t>
+            </a:r>
+            <a:endParaRPr kumimoji="0" lang="en-US" dirty="0"/>
           </a:p>
         </p:txBody>
       </p:sp>
@@ -3228,55 +3758,50 @@
         </p:nvSpPr>
         <p:spPr>
           <a:xfrm>
-            <a:off x="1792288" y="5367338"/>
-            <a:ext cx="5486400" cy="804862"/>
+            <a:off x="6088443" y="3274308"/>
+            <a:ext cx="2590800" cy="2516489"/>
           </a:xfrm>
         </p:spPr>
         <p:txBody>
-          <a:bodyPr/>
+          <a:bodyPr lIns="0" tIns="0" rIns="45720" anchor="t"/>
           <a:lstStyle>
             <a:lvl1pPr marL="0" indent="0">
+              <a:lnSpc>
+                <a:spcPct val="100000"/>
+              </a:lnSpc>
+              <a:spcBef>
+                <a:spcPts val="0"/>
+              </a:spcBef>
+              <a:buFontTx/>
               <a:buNone/>
-              <a:defRPr sz="1400"/>
+              <a:defRPr sz="1300"/>
             </a:lvl1pPr>
-            <a:lvl2pPr marL="457200" indent="0">
+            <a:lvl2pPr>
+              <a:buFontTx/>
               <a:buNone/>
               <a:defRPr sz="1200"/>
             </a:lvl2pPr>
-            <a:lvl3pPr marL="914400" indent="0">
+            <a:lvl3pPr>
+              <a:buFontTx/>
               <a:buNone/>
               <a:defRPr sz="1000"/>
             </a:lvl3pPr>
-            <a:lvl4pPr marL="1371600" indent="0">
+            <a:lvl4pPr>
+              <a:buFontTx/>
               <a:buNone/>
               <a:defRPr sz="900"/>
             </a:lvl4pPr>
-            <a:lvl5pPr marL="1828800" indent="0">
+            <a:lvl5pPr>
+              <a:buFontTx/>
               <a:buNone/>
               <a:defRPr sz="900"/>
             </a:lvl5pPr>
-            <a:lvl6pPr marL="2286000" indent="0">
-              <a:buNone/>
-              <a:defRPr sz="900"/>
-            </a:lvl6pPr>
-            <a:lvl7pPr marL="2743200" indent="0">
-              <a:buNone/>
-              <a:defRPr sz="900"/>
-            </a:lvl7pPr>
-            <a:lvl8pPr marL="3200400" indent="0">
-              <a:buNone/>
-              <a:defRPr sz="900"/>
-            </a:lvl8pPr>
-            <a:lvl9pPr marL="3657600" indent="0">
-              <a:buNone/>
-              <a:defRPr sz="900"/>
-            </a:lvl9pPr>
           </a:lstStyle>
           <a:p>
-            <a:pPr lvl="0"/>
-            <a:r>
-              <a:rPr lang="pt-BR" smtClean="0"/>
-              <a:t>Clique para editar os estilos do texto mestre</a:t>
+            <a:pPr lvl="0" eaLnBrk="1" latinLnBrk="0" hangingPunct="1"/>
+            <a:r>
+              <a:rPr kumimoji="0" lang="pt-BR" smtClean="0"/>
+              <a:t>Clique para editar o texto mestre</a:t>
             </a:r>
           </a:p>
         </p:txBody>
@@ -3298,7 +3823,7 @@
           <a:p>
             <a:fld id="{E4B07001-C032-4E44-8CAA-EF950BEDBEFC}" type="datetimeFigureOut">
               <a:rPr lang="en-US" smtClean="0"/>
-              <a:t>6/19/2013</a:t>
+              <a:t>6/27/2013</a:t>
             </a:fld>
             <a:endParaRPr lang="en-US"/>
           </a:p>
@@ -3378,40 +3903,658 @@
       </p:grpSpPr>
       <p:sp>
         <p:nvSpPr>
-          <p:cNvPr id="2" name="Espaço Reservado para Título 1"/>
-          <p:cNvSpPr>
-            <a:spLocks noGrp="1"/>
-          </p:cNvSpPr>
-          <p:nvPr>
-            <p:ph type="title"/>
-          </p:nvPr>
+          <p:cNvPr id="28" name="Retângulo 27"/>
+          <p:cNvSpPr/>
+          <p:nvPr/>
         </p:nvSpPr>
         <p:spPr>
           <a:xfrm>
-            <a:off x="457200" y="274638"/>
-            <a:ext cx="8229600" cy="1143000"/>
+            <a:off x="1" y="366818"/>
+            <a:ext cx="9144000" cy="84407"/>
+          </a:xfrm>
+          <a:prstGeom prst="rect">
+            <a:avLst/>
+          </a:prstGeom>
+          <a:solidFill>
+            <a:schemeClr val="accent2">
+              <a:alpha val="50000"/>
+            </a:schemeClr>
+          </a:solidFill>
+          <a:ln w="50800" cap="rnd" cmpd="thickThin" algn="ctr">
+            <a:noFill/>
+            <a:prstDash val="solid"/>
+          </a:ln>
+          <a:effectLst/>
+        </p:spPr>
+        <p:style>
+          <a:lnRef idx="3">
+            <a:schemeClr val="lt1"/>
+          </a:lnRef>
+          <a:fillRef idx="1">
+            <a:schemeClr val="accent1"/>
+          </a:fillRef>
+          <a:effectRef idx="1">
+            <a:schemeClr val="accent1"/>
+          </a:effectRef>
+          <a:fontRef idx="minor">
+            <a:schemeClr val="lt1"/>
+          </a:fontRef>
+        </p:style>
+        <p:txBody>
+          <a:bodyPr anchor="ctr"/>
+          <a:lstStyle/>
+          <a:p>
+            <a:pPr algn="ctr" eaLnBrk="1" latinLnBrk="0" hangingPunct="1"/>
+            <a:endParaRPr kumimoji="0" lang="en-US"/>
+          </a:p>
+        </p:txBody>
+      </p:sp>
+      <p:sp>
+        <p:nvSpPr>
+          <p:cNvPr id="29" name="Retângulo 28"/>
+          <p:cNvSpPr/>
+          <p:nvPr/>
+        </p:nvSpPr>
+        <p:spPr>
+          <a:xfrm>
+            <a:off x="0" y="-1"/>
+            <a:ext cx="9144000" cy="310663"/>
+          </a:xfrm>
+          <a:prstGeom prst="rect">
+            <a:avLst/>
+          </a:prstGeom>
+          <a:solidFill>
+            <a:schemeClr val="tx2">
+              <a:alpha val="100000"/>
+            </a:schemeClr>
+          </a:solidFill>
+          <a:ln w="50800" cap="rnd" cmpd="thickThin" algn="ctr">
+            <a:noFill/>
+            <a:prstDash val="solid"/>
+          </a:ln>
+          <a:effectLst/>
+        </p:spPr>
+        <p:style>
+          <a:lnRef idx="3">
+            <a:schemeClr val="lt1"/>
+          </a:lnRef>
+          <a:fillRef idx="1">
+            <a:schemeClr val="accent1"/>
+          </a:fillRef>
+          <a:effectRef idx="1">
+            <a:schemeClr val="accent1"/>
+          </a:effectRef>
+          <a:fontRef idx="minor">
+            <a:schemeClr val="lt1"/>
+          </a:fontRef>
+        </p:style>
+        <p:txBody>
+          <a:bodyPr anchor="ctr"/>
+          <a:lstStyle/>
+          <a:p>
+            <a:pPr algn="ctr" eaLnBrk="1" latinLnBrk="0" hangingPunct="1"/>
+            <a:endParaRPr kumimoji="0" lang="en-US"/>
+          </a:p>
+        </p:txBody>
+      </p:sp>
+      <p:sp>
+        <p:nvSpPr>
+          <p:cNvPr id="30" name="Retângulo 29"/>
+          <p:cNvSpPr/>
+          <p:nvPr/>
+        </p:nvSpPr>
+        <p:spPr>
+          <a:xfrm>
+            <a:off x="0" y="308276"/>
+            <a:ext cx="9144001" cy="91441"/>
+          </a:xfrm>
+          <a:prstGeom prst="rect">
+            <a:avLst/>
+          </a:prstGeom>
+          <a:solidFill>
+            <a:schemeClr val="accent2">
+              <a:alpha val="100000"/>
+            </a:schemeClr>
+          </a:solidFill>
+          <a:ln w="50800" cap="rnd" cmpd="thickThin" algn="ctr">
+            <a:noFill/>
+            <a:prstDash val="solid"/>
+          </a:ln>
+          <a:effectLst/>
+        </p:spPr>
+        <p:style>
+          <a:lnRef idx="3">
+            <a:schemeClr val="lt1"/>
+          </a:lnRef>
+          <a:fillRef idx="1">
+            <a:schemeClr val="accent1"/>
+          </a:fillRef>
+          <a:effectRef idx="1">
+            <a:schemeClr val="accent1"/>
+          </a:effectRef>
+          <a:fontRef idx="minor">
+            <a:schemeClr val="lt1"/>
+          </a:fontRef>
+        </p:style>
+        <p:txBody>
+          <a:bodyPr anchor="ctr"/>
+          <a:lstStyle/>
+          <a:p>
+            <a:pPr algn="ctr" eaLnBrk="1" latinLnBrk="0" hangingPunct="1"/>
+            <a:endParaRPr kumimoji="0" lang="en-US"/>
+          </a:p>
+        </p:txBody>
+      </p:sp>
+      <p:sp>
+        <p:nvSpPr>
+          <p:cNvPr id="31" name="Retângulo 30"/>
+          <p:cNvSpPr/>
+          <p:nvPr/>
+        </p:nvSpPr>
+        <p:spPr>
+          <a:xfrm flipV="1">
+            <a:off x="5410182" y="360246"/>
+            <a:ext cx="3733819" cy="91087"/>
+          </a:xfrm>
+          <a:prstGeom prst="rect">
+            <a:avLst/>
+          </a:prstGeom>
+          <a:solidFill>
+            <a:schemeClr val="accent2">
+              <a:alpha val="100000"/>
+            </a:schemeClr>
+          </a:solidFill>
+          <a:ln w="50800" cap="rnd" cmpd="thickThin" algn="ctr">
+            <a:noFill/>
+            <a:prstDash val="solid"/>
+          </a:ln>
+          <a:effectLst/>
+        </p:spPr>
+        <p:style>
+          <a:lnRef idx="3">
+            <a:schemeClr val="lt1"/>
+          </a:lnRef>
+          <a:fillRef idx="1">
+            <a:schemeClr val="accent1"/>
+          </a:fillRef>
+          <a:effectRef idx="1">
+            <a:schemeClr val="accent1"/>
+          </a:effectRef>
+          <a:fontRef idx="minor">
+            <a:schemeClr val="lt1"/>
+          </a:fontRef>
+        </p:style>
+        <p:txBody>
+          <a:bodyPr anchor="ctr"/>
+          <a:lstStyle/>
+          <a:p>
+            <a:pPr algn="ctr" eaLnBrk="1" latinLnBrk="0" hangingPunct="1"/>
+            <a:endParaRPr kumimoji="0" lang="en-US"/>
+          </a:p>
+        </p:txBody>
+      </p:sp>
+      <p:sp>
+        <p:nvSpPr>
+          <p:cNvPr id="32" name="Retângulo 31"/>
+          <p:cNvSpPr/>
+          <p:nvPr/>
+        </p:nvSpPr>
+        <p:spPr>
+          <a:xfrm flipV="1">
+            <a:off x="5410200" y="440112"/>
+            <a:ext cx="3733801" cy="180035"/>
+          </a:xfrm>
+          <a:prstGeom prst="rect">
+            <a:avLst/>
+          </a:prstGeom>
+          <a:solidFill>
+            <a:schemeClr val="accent2">
+              <a:alpha val="50000"/>
+            </a:schemeClr>
+          </a:solidFill>
+          <a:ln w="50800" cap="rnd" cmpd="thickThin" algn="ctr">
+            <a:noFill/>
+            <a:prstDash val="solid"/>
+          </a:ln>
+          <a:effectLst/>
+        </p:spPr>
+        <p:style>
+          <a:lnRef idx="3">
+            <a:schemeClr val="lt1"/>
+          </a:lnRef>
+          <a:fillRef idx="1">
+            <a:schemeClr val="accent1"/>
+          </a:fillRef>
+          <a:effectRef idx="1">
+            <a:schemeClr val="accent1"/>
+          </a:effectRef>
+          <a:fontRef idx="minor">
+            <a:schemeClr val="lt1"/>
+          </a:fontRef>
+        </p:style>
+        <p:txBody>
+          <a:bodyPr anchor="ctr"/>
+          <a:lstStyle/>
+          <a:p>
+            <a:pPr algn="ctr" eaLnBrk="1" latinLnBrk="0" hangingPunct="1"/>
+            <a:endParaRPr kumimoji="0" lang="en-US"/>
+          </a:p>
+        </p:txBody>
+      </p:sp>
+      <p:sp useBgFill="1">
+        <p:nvSpPr>
+          <p:cNvPr id="33" name="Retângulo de cantos arredondados 32"/>
+          <p:cNvSpPr/>
+          <p:nvPr/>
+        </p:nvSpPr>
+        <p:spPr bwMode="white">
+          <a:xfrm>
+            <a:off x="5407339" y="497504"/>
+            <a:ext cx="3063240" cy="27432"/>
+          </a:xfrm>
+          <a:prstGeom prst="roundRect">
+            <a:avLst>
+              <a:gd name="adj" fmla="val 16667"/>
+            </a:avLst>
+          </a:prstGeom>
+          <a:ln w="50800" cap="rnd" cmpd="thickThin" algn="ctr">
+            <a:noFill/>
+            <a:prstDash val="solid"/>
+          </a:ln>
+          <a:effectLst/>
+        </p:spPr>
+        <p:style>
+          <a:lnRef idx="3">
+            <a:schemeClr val="lt1"/>
+          </a:lnRef>
+          <a:fillRef idx="1">
+            <a:schemeClr val="accent1"/>
+          </a:fillRef>
+          <a:effectRef idx="1">
+            <a:schemeClr val="accent1"/>
+          </a:effectRef>
+          <a:fontRef idx="minor">
+            <a:schemeClr val="lt1"/>
+          </a:fontRef>
+        </p:style>
+        <p:txBody>
+          <a:bodyPr anchor="ctr"/>
+          <a:lstStyle/>
+          <a:p>
+            <a:pPr algn="ctr" eaLnBrk="1" latinLnBrk="0" hangingPunct="1"/>
+            <a:endParaRPr kumimoji="0" lang="en-US"/>
+          </a:p>
+        </p:txBody>
+      </p:sp>
+      <p:sp useBgFill="1">
+        <p:nvSpPr>
+          <p:cNvPr id="34" name="Retângulo de cantos arredondados 33"/>
+          <p:cNvSpPr/>
+          <p:nvPr/>
+        </p:nvSpPr>
+        <p:spPr bwMode="white">
+          <a:xfrm>
+            <a:off x="7373646" y="588943"/>
+            <a:ext cx="1600200" cy="36576"/>
+          </a:xfrm>
+          <a:prstGeom prst="roundRect">
+            <a:avLst>
+              <a:gd name="adj" fmla="val 16667"/>
+            </a:avLst>
+          </a:prstGeom>
+          <a:ln w="50800" cap="rnd" cmpd="thickThin" algn="ctr">
+            <a:noFill/>
+            <a:prstDash val="solid"/>
+          </a:ln>
+          <a:effectLst/>
+        </p:spPr>
+        <p:style>
+          <a:lnRef idx="3">
+            <a:schemeClr val="lt1"/>
+          </a:lnRef>
+          <a:fillRef idx="1">
+            <a:schemeClr val="accent1"/>
+          </a:fillRef>
+          <a:effectRef idx="1">
+            <a:schemeClr val="accent1"/>
+          </a:effectRef>
+          <a:fontRef idx="minor">
+            <a:schemeClr val="lt1"/>
+          </a:fontRef>
+        </p:style>
+        <p:txBody>
+          <a:bodyPr anchor="ctr"/>
+          <a:lstStyle/>
+          <a:p>
+            <a:pPr algn="ctr" eaLnBrk="1" latinLnBrk="0" hangingPunct="1"/>
+            <a:endParaRPr kumimoji="0" lang="en-US"/>
+          </a:p>
+        </p:txBody>
+      </p:sp>
+      <p:sp>
+        <p:nvSpPr>
+          <p:cNvPr id="35" name="Retângulo 34"/>
+          <p:cNvSpPr/>
+          <p:nvPr/>
+        </p:nvSpPr>
+        <p:spPr bwMode="invGray">
+          <a:xfrm>
+            <a:off x="9084966" y="-2001"/>
+            <a:ext cx="57626" cy="621792"/>
+          </a:xfrm>
+          <a:prstGeom prst="rect">
+            <a:avLst/>
+          </a:prstGeom>
+          <a:solidFill>
+            <a:srgbClr val="FFFFFF">
+              <a:alpha val="65098"/>
+            </a:srgbClr>
+          </a:solidFill>
+          <a:ln w="50800" cap="rnd" cmpd="thickThin" algn="ctr">
+            <a:noFill/>
+            <a:prstDash val="solid"/>
+          </a:ln>
+          <a:effectLst/>
+        </p:spPr>
+        <p:style>
+          <a:lnRef idx="3">
+            <a:schemeClr val="lt1"/>
+          </a:lnRef>
+          <a:fillRef idx="1">
+            <a:schemeClr val="accent1"/>
+          </a:fillRef>
+          <a:effectRef idx="1">
+            <a:schemeClr val="accent1"/>
+          </a:effectRef>
+          <a:fontRef idx="minor">
+            <a:schemeClr val="lt1"/>
+          </a:fontRef>
+        </p:style>
+        <p:txBody>
+          <a:bodyPr anchor="ctr"/>
+          <a:lstStyle/>
+          <a:p>
+            <a:pPr algn="ctr" eaLnBrk="1" latinLnBrk="0" hangingPunct="1"/>
+            <a:endParaRPr kumimoji="0" lang="en-US" dirty="0"/>
+          </a:p>
+        </p:txBody>
+      </p:sp>
+      <p:sp>
+        <p:nvSpPr>
+          <p:cNvPr id="36" name="Retângulo 35"/>
+          <p:cNvSpPr/>
+          <p:nvPr/>
+        </p:nvSpPr>
+        <p:spPr bwMode="invGray">
+          <a:xfrm>
+            <a:off x="9044481" y="-2001"/>
+            <a:ext cx="27432" cy="621792"/>
+          </a:xfrm>
+          <a:prstGeom prst="rect">
+            <a:avLst/>
+          </a:prstGeom>
+          <a:solidFill>
+            <a:srgbClr val="FFFFFF">
+              <a:alpha val="65098"/>
+            </a:srgbClr>
+          </a:solidFill>
+          <a:ln w="50800" cap="rnd" cmpd="thickThin" algn="ctr">
+            <a:noFill/>
+            <a:prstDash val="solid"/>
+          </a:ln>
+          <a:effectLst/>
+        </p:spPr>
+        <p:style>
+          <a:lnRef idx="3">
+            <a:schemeClr val="lt1"/>
+          </a:lnRef>
+          <a:fillRef idx="1">
+            <a:schemeClr val="accent1"/>
+          </a:fillRef>
+          <a:effectRef idx="1">
+            <a:schemeClr val="accent1"/>
+          </a:effectRef>
+          <a:fontRef idx="minor">
+            <a:schemeClr val="lt1"/>
+          </a:fontRef>
+        </p:style>
+        <p:txBody>
+          <a:bodyPr anchor="ctr"/>
+          <a:lstStyle/>
+          <a:p>
+            <a:pPr algn="ctr" eaLnBrk="1" latinLnBrk="0" hangingPunct="1"/>
+            <a:endParaRPr kumimoji="0" lang="en-US" dirty="0"/>
+          </a:p>
+        </p:txBody>
+      </p:sp>
+      <p:sp>
+        <p:nvSpPr>
+          <p:cNvPr id="37" name="Retângulo 36"/>
+          <p:cNvSpPr/>
+          <p:nvPr/>
+        </p:nvSpPr>
+        <p:spPr bwMode="invGray">
+          <a:xfrm>
+            <a:off x="9025428" y="-2001"/>
+            <a:ext cx="9144" cy="621792"/>
+          </a:xfrm>
+          <a:prstGeom prst="rect">
+            <a:avLst/>
+          </a:prstGeom>
+          <a:solidFill>
+            <a:srgbClr val="FFFFFF">
+              <a:alpha val="60000"/>
+            </a:srgbClr>
+          </a:solidFill>
+          <a:ln w="50800" cap="rnd" cmpd="thickThin" algn="ctr">
+            <a:noFill/>
+            <a:prstDash val="solid"/>
+          </a:ln>
+          <a:effectLst/>
+        </p:spPr>
+        <p:style>
+          <a:lnRef idx="3">
+            <a:schemeClr val="lt1"/>
+          </a:lnRef>
+          <a:fillRef idx="1">
+            <a:schemeClr val="accent1"/>
+          </a:fillRef>
+          <a:effectRef idx="1">
+            <a:schemeClr val="accent1"/>
+          </a:effectRef>
+          <a:fontRef idx="minor">
+            <a:schemeClr val="lt1"/>
+          </a:fontRef>
+        </p:style>
+        <p:txBody>
+          <a:bodyPr anchor="ctr"/>
+          <a:lstStyle/>
+          <a:p>
+            <a:pPr algn="ctr" eaLnBrk="1" latinLnBrk="0" hangingPunct="1"/>
+            <a:endParaRPr kumimoji="0" lang="en-US"/>
+          </a:p>
+        </p:txBody>
+      </p:sp>
+      <p:sp>
+        <p:nvSpPr>
+          <p:cNvPr id="38" name="Retângulo 37"/>
+          <p:cNvSpPr/>
+          <p:nvPr/>
+        </p:nvSpPr>
+        <p:spPr bwMode="invGray">
+          <a:xfrm>
+            <a:off x="8975423" y="-2001"/>
+            <a:ext cx="27432" cy="621792"/>
+          </a:xfrm>
+          <a:prstGeom prst="rect">
+            <a:avLst/>
+          </a:prstGeom>
+          <a:solidFill>
+            <a:srgbClr val="FFFFFF">
+              <a:alpha val="40000"/>
+            </a:srgbClr>
+          </a:solidFill>
+          <a:ln w="50800" cap="rnd" cmpd="thickThin" algn="ctr">
+            <a:noFill/>
+            <a:prstDash val="solid"/>
+          </a:ln>
+          <a:effectLst/>
+        </p:spPr>
+        <p:style>
+          <a:lnRef idx="3">
+            <a:schemeClr val="lt1"/>
+          </a:lnRef>
+          <a:fillRef idx="1">
+            <a:schemeClr val="accent1"/>
+          </a:fillRef>
+          <a:effectRef idx="1">
+            <a:schemeClr val="accent1"/>
+          </a:effectRef>
+          <a:fontRef idx="minor">
+            <a:schemeClr val="lt1"/>
+          </a:fontRef>
+        </p:style>
+        <p:txBody>
+          <a:bodyPr anchor="ctr"/>
+          <a:lstStyle/>
+          <a:p>
+            <a:pPr algn="ctr" eaLnBrk="1" latinLnBrk="0" hangingPunct="1"/>
+            <a:endParaRPr kumimoji="0" lang="en-US"/>
+          </a:p>
+        </p:txBody>
+      </p:sp>
+      <p:sp>
+        <p:nvSpPr>
+          <p:cNvPr id="39" name="Retângulo 38"/>
+          <p:cNvSpPr/>
+          <p:nvPr/>
+        </p:nvSpPr>
+        <p:spPr bwMode="invGray">
+          <a:xfrm>
+            <a:off x="8915677" y="380"/>
+            <a:ext cx="54864" cy="585216"/>
+          </a:xfrm>
+          <a:prstGeom prst="rect">
+            <a:avLst/>
+          </a:prstGeom>
+          <a:solidFill>
+            <a:srgbClr val="FFFFFF">
+              <a:alpha val="20000"/>
+            </a:srgbClr>
+          </a:solidFill>
+          <a:ln w="50800" cap="rnd" cmpd="thickThin" algn="ctr">
+            <a:noFill/>
+            <a:prstDash val="solid"/>
+          </a:ln>
+          <a:effectLst/>
+        </p:spPr>
+        <p:style>
+          <a:lnRef idx="3">
+            <a:schemeClr val="lt1"/>
+          </a:lnRef>
+          <a:fillRef idx="1">
+            <a:schemeClr val="accent1"/>
+          </a:fillRef>
+          <a:effectRef idx="1">
+            <a:schemeClr val="accent1"/>
+          </a:effectRef>
+          <a:fontRef idx="minor">
+            <a:schemeClr val="lt1"/>
+          </a:fontRef>
+        </p:style>
+        <p:txBody>
+          <a:bodyPr anchor="ctr"/>
+          <a:lstStyle/>
+          <a:p>
+            <a:pPr algn="ctr" eaLnBrk="1" latinLnBrk="0" hangingPunct="1"/>
+            <a:endParaRPr kumimoji="0" lang="en-US"/>
+          </a:p>
+        </p:txBody>
+      </p:sp>
+      <p:sp>
+        <p:nvSpPr>
+          <p:cNvPr id="40" name="Retângulo 39"/>
+          <p:cNvSpPr/>
+          <p:nvPr/>
+        </p:nvSpPr>
+        <p:spPr bwMode="invGray">
+          <a:xfrm>
+            <a:off x="8873475" y="380"/>
+            <a:ext cx="9144" cy="585216"/>
+          </a:xfrm>
+          <a:prstGeom prst="rect">
+            <a:avLst/>
+          </a:prstGeom>
+          <a:solidFill>
+            <a:srgbClr val="FFFFFF">
+              <a:alpha val="30196"/>
+            </a:srgbClr>
+          </a:solidFill>
+          <a:ln w="50800" cap="rnd" cmpd="thickThin" algn="ctr">
+            <a:noFill/>
+            <a:prstDash val="solid"/>
+          </a:ln>
+          <a:effectLst/>
+        </p:spPr>
+        <p:style>
+          <a:lnRef idx="3">
+            <a:schemeClr val="lt1"/>
+          </a:lnRef>
+          <a:fillRef idx="1">
+            <a:schemeClr val="accent1"/>
+          </a:fillRef>
+          <a:effectRef idx="1">
+            <a:schemeClr val="accent1"/>
+          </a:effectRef>
+          <a:fontRef idx="minor">
+            <a:schemeClr val="lt1"/>
+          </a:fontRef>
+        </p:style>
+        <p:txBody>
+          <a:bodyPr anchor="ctr"/>
+          <a:lstStyle/>
+          <a:p>
+            <a:pPr algn="ctr" eaLnBrk="1" latinLnBrk="0" hangingPunct="1"/>
+            <a:endParaRPr kumimoji="0" lang="en-US" dirty="0"/>
+          </a:p>
+        </p:txBody>
+      </p:sp>
+      <p:sp>
+        <p:nvSpPr>
+          <p:cNvPr id="22" name="Espaço Reservado para Título 21"/>
+          <p:cNvSpPr>
+            <a:spLocks noGrp="1"/>
+          </p:cNvSpPr>
+          <p:nvPr>
+            <p:ph type="title"/>
+          </p:nvPr>
+        </p:nvSpPr>
+        <p:spPr>
+          <a:xfrm>
+            <a:off x="457200" y="1143000"/>
+            <a:ext cx="8229600" cy="1066800"/>
           </a:xfrm>
           <a:prstGeom prst="rect">
             <a:avLst/>
           </a:prstGeom>
         </p:spPr>
         <p:txBody>
-          <a:bodyPr vert="horz" lIns="91440" tIns="45720" rIns="91440" bIns="45720" rtlCol="0" anchor="ctr">
+          <a:bodyPr vert="horz" anchor="ctr">
             <a:normAutofit/>
           </a:bodyPr>
           <a:lstStyle/>
           <a:p>
             <a:r>
-              <a:rPr lang="pt-BR" smtClean="0"/>
-              <a:t>Clique para editar o estilo do título mestre</a:t>
-            </a:r>
-            <a:endParaRPr lang="en-US"/>
-          </a:p>
-        </p:txBody>
-      </p:sp>
-      <p:sp>
-        <p:nvSpPr>
-          <p:cNvPr id="3" name="Espaço Reservado para Texto 2"/>
+              <a:rPr kumimoji="0" lang="pt-BR" smtClean="0"/>
+              <a:t>Clique para editar o título mestre</a:t>
+            </a:r>
+            <a:endParaRPr kumimoji="0" lang="en-US"/>
+          </a:p>
+        </p:txBody>
+      </p:sp>
+      <p:sp>
+        <p:nvSpPr>
+          <p:cNvPr id="13" name="Espaço Reservado para Texto 12"/>
           <p:cNvSpPr>
             <a:spLocks noGrp="1"/>
           </p:cNvSpPr>
@@ -3421,59 +4564,59 @@
         </p:nvSpPr>
         <p:spPr>
           <a:xfrm>
-            <a:off x="457200" y="1600200"/>
-            <a:ext cx="8229600" cy="4525963"/>
+            <a:off x="457200" y="2249424"/>
+            <a:ext cx="8229600" cy="4325112"/>
           </a:xfrm>
           <a:prstGeom prst="rect">
             <a:avLst/>
           </a:prstGeom>
         </p:spPr>
         <p:txBody>
-          <a:bodyPr vert="horz" lIns="91440" tIns="45720" rIns="91440" bIns="45720" rtlCol="0">
+          <a:bodyPr vert="horz">
             <a:normAutofit/>
           </a:bodyPr>
           <a:lstStyle/>
           <a:p>
-            <a:pPr lvl="0"/>
-            <a:r>
-              <a:rPr lang="pt-BR" smtClean="0"/>
-              <a:t>Clique para editar os estilos do texto mestre</a:t>
-            </a:r>
-          </a:p>
-          <a:p>
-            <a:pPr lvl="1"/>
-            <a:r>
-              <a:rPr lang="pt-BR" smtClean="0"/>
+            <a:pPr lvl="0" eaLnBrk="1" latinLnBrk="0" hangingPunct="1"/>
+            <a:r>
+              <a:rPr kumimoji="0" lang="pt-BR" smtClean="0"/>
+              <a:t>Clique para editar o texto mestre</a:t>
+            </a:r>
+          </a:p>
+          <a:p>
+            <a:pPr lvl="1" eaLnBrk="1" latinLnBrk="0" hangingPunct="1"/>
+            <a:r>
+              <a:rPr kumimoji="0" lang="pt-BR" smtClean="0"/>
               <a:t>Segundo nível</a:t>
             </a:r>
           </a:p>
           <a:p>
-            <a:pPr lvl="2"/>
-            <a:r>
-              <a:rPr lang="pt-BR" smtClean="0"/>
+            <a:pPr lvl="2" eaLnBrk="1" latinLnBrk="0" hangingPunct="1"/>
+            <a:r>
+              <a:rPr kumimoji="0" lang="pt-BR" smtClean="0"/>
               <a:t>Terceiro nível</a:t>
             </a:r>
           </a:p>
           <a:p>
-            <a:pPr lvl="3"/>
-            <a:r>
-              <a:rPr lang="pt-BR" smtClean="0"/>
+            <a:pPr lvl="3" eaLnBrk="1" latinLnBrk="0" hangingPunct="1"/>
+            <a:r>
+              <a:rPr kumimoji="0" lang="pt-BR" smtClean="0"/>
               <a:t>Quarto nível</a:t>
             </a:r>
           </a:p>
           <a:p>
-            <a:pPr lvl="4"/>
-            <a:r>
-              <a:rPr lang="pt-BR" smtClean="0"/>
+            <a:pPr lvl="4" eaLnBrk="1" latinLnBrk="0" hangingPunct="1"/>
+            <a:r>
+              <a:rPr kumimoji="0" lang="pt-BR" smtClean="0"/>
               <a:t>Quinto nível</a:t>
             </a:r>
-            <a:endParaRPr lang="en-US"/>
-          </a:p>
-        </p:txBody>
-      </p:sp>
-      <p:sp>
-        <p:nvSpPr>
-          <p:cNvPr id="4" name="Espaço Reservado para Data 3"/>
+            <a:endParaRPr kumimoji="0" lang="en-US"/>
+          </a:p>
+        </p:txBody>
+      </p:sp>
+      <p:sp>
+        <p:nvSpPr>
+          <p:cNvPr id="14" name="Espaço Reservado para Data 13"/>
           <p:cNvSpPr>
             <a:spLocks noGrp="1"/>
           </p:cNvSpPr>
@@ -3483,22 +4626,20 @@
         </p:nvSpPr>
         <p:spPr>
           <a:xfrm>
-            <a:off x="457200" y="6356350"/>
-            <a:ext cx="2133600" cy="365125"/>
+            <a:off x="6586536" y="612648"/>
+            <a:ext cx="957264" cy="457200"/>
           </a:xfrm>
           <a:prstGeom prst="rect">
             <a:avLst/>
           </a:prstGeom>
         </p:spPr>
         <p:txBody>
-          <a:bodyPr vert="horz" lIns="91440" tIns="45720" rIns="91440" bIns="45720" rtlCol="0" anchor="ctr"/>
+          <a:bodyPr vert="horz"/>
           <a:lstStyle>
-            <a:lvl1pPr algn="l">
-              <a:defRPr sz="1200">
+            <a:lvl1pPr algn="l" eaLnBrk="1" latinLnBrk="0" hangingPunct="1">
+              <a:defRPr kumimoji="0" sz="800">
                 <a:solidFill>
-                  <a:schemeClr val="tx1">
-                    <a:tint val="75000"/>
-                  </a:schemeClr>
+                  <a:schemeClr val="accent2"/>
                 </a:solidFill>
               </a:defRPr>
             </a:lvl1pPr>
@@ -3506,7 +4647,7 @@
           <a:p>
             <a:fld id="{E4B07001-C032-4E44-8CAA-EF950BEDBEFC}" type="datetimeFigureOut">
               <a:rPr lang="en-US" smtClean="0"/>
-              <a:t>6/19/2013</a:t>
+              <a:t>6/27/2013</a:t>
             </a:fld>
             <a:endParaRPr lang="en-US"/>
           </a:p>
@@ -3514,7 +4655,7 @@
       </p:sp>
       <p:sp>
         <p:nvSpPr>
-          <p:cNvPr id="5" name="Espaço Reservado para Rodapé 4"/>
+          <p:cNvPr id="3" name="Espaço Reservado para Rodapé 2"/>
           <p:cNvSpPr>
             <a:spLocks noGrp="1"/>
           </p:cNvSpPr>
@@ -3524,22 +4665,20 @@
         </p:nvSpPr>
         <p:spPr>
           <a:xfrm>
-            <a:off x="3124200" y="6356350"/>
-            <a:ext cx="2895600" cy="365125"/>
+            <a:off x="5257800" y="612648"/>
+            <a:ext cx="1325880" cy="457200"/>
           </a:xfrm>
           <a:prstGeom prst="rect">
             <a:avLst/>
           </a:prstGeom>
         </p:spPr>
         <p:txBody>
-          <a:bodyPr vert="horz" lIns="91440" tIns="45720" rIns="91440" bIns="45720" rtlCol="0" anchor="ctr"/>
+          <a:bodyPr vert="horz"/>
           <a:lstStyle>
-            <a:lvl1pPr algn="ctr">
-              <a:defRPr sz="1200">
+            <a:lvl1pPr algn="r" eaLnBrk="1" latinLnBrk="0" hangingPunct="1">
+              <a:defRPr kumimoji="0" sz="800">
                 <a:solidFill>
-                  <a:schemeClr val="tx1">
-                    <a:tint val="75000"/>
-                  </a:schemeClr>
+                  <a:schemeClr val="accent2"/>
                 </a:solidFill>
               </a:defRPr>
             </a:lvl1pPr>
@@ -3551,7 +4690,7 @@
       </p:sp>
       <p:sp>
         <p:nvSpPr>
-          <p:cNvPr id="6" name="Espaço Reservado para Número de Slide 5"/>
+          <p:cNvPr id="23" name="Espaço Reservado para Número de Slide 22"/>
           <p:cNvSpPr>
             <a:spLocks noGrp="1"/>
           </p:cNvSpPr>
@@ -3561,22 +4700,20 @@
         </p:nvSpPr>
         <p:spPr>
           <a:xfrm>
-            <a:off x="6553200" y="6356350"/>
-            <a:ext cx="2133600" cy="365125"/>
+            <a:off x="8174736" y="2272"/>
+            <a:ext cx="762000" cy="365760"/>
           </a:xfrm>
           <a:prstGeom prst="rect">
             <a:avLst/>
           </a:prstGeom>
         </p:spPr>
         <p:txBody>
-          <a:bodyPr vert="horz" lIns="91440" tIns="45720" rIns="91440" bIns="45720" rtlCol="0" anchor="ctr"/>
+          <a:bodyPr vert="horz" anchor="b"/>
           <a:lstStyle>
-            <a:lvl1pPr algn="r">
-              <a:defRPr sz="1200">
+            <a:lvl1pPr algn="r" eaLnBrk="1" latinLnBrk="0" hangingPunct="1">
+              <a:defRPr kumimoji="0" sz="1800">
                 <a:solidFill>
-                  <a:schemeClr val="tx1">
-                    <a:tint val="75000"/>
-                  </a:schemeClr>
+                  <a:srgbClr val="FFFFFF"/>
                 </a:solidFill>
               </a:defRPr>
             </a:lvl1pPr>
@@ -3594,28 +4731,28 @@
   </p:cSld>
   <p:clrMap bg1="lt1" tx1="dk1" bg2="lt2" tx2="dk2" accent1="accent1" accent2="accent2" accent3="accent3" accent4="accent4" accent5="accent5" accent6="accent6" hlink="hlink" folHlink="folHlink"/>
   <p:sldLayoutIdLst>
-    <p:sldLayoutId id="2147483649" r:id="rId1"/>
-    <p:sldLayoutId id="2147483650" r:id="rId2"/>
-    <p:sldLayoutId id="2147483651" r:id="rId3"/>
-    <p:sldLayoutId id="2147483652" r:id="rId4"/>
-    <p:sldLayoutId id="2147483653" r:id="rId5"/>
-    <p:sldLayoutId id="2147483654" r:id="rId6"/>
-    <p:sldLayoutId id="2147483655" r:id="rId7"/>
-    <p:sldLayoutId id="2147483656" r:id="rId8"/>
-    <p:sldLayoutId id="2147483657" r:id="rId9"/>
-    <p:sldLayoutId id="2147483658" r:id="rId10"/>
-    <p:sldLayoutId id="2147483659" r:id="rId11"/>
+    <p:sldLayoutId id="2147483973" r:id="rId1"/>
+    <p:sldLayoutId id="2147483974" r:id="rId2"/>
+    <p:sldLayoutId id="2147483975" r:id="rId3"/>
+    <p:sldLayoutId id="2147483976" r:id="rId4"/>
+    <p:sldLayoutId id="2147483977" r:id="rId5"/>
+    <p:sldLayoutId id="2147483978" r:id="rId6"/>
+    <p:sldLayoutId id="2147483979" r:id="rId7"/>
+    <p:sldLayoutId id="2147483980" r:id="rId8"/>
+    <p:sldLayoutId id="2147483981" r:id="rId9"/>
+    <p:sldLayoutId id="2147483982" r:id="rId10"/>
+    <p:sldLayoutId id="2147483983" r:id="rId11"/>
   </p:sldLayoutIdLst>
   <p:txStyles>
     <p:titleStyle>
-      <a:lvl1pPr algn="ctr" defTabSz="914400" rtl="0" eaLnBrk="1" latinLnBrk="0" hangingPunct="1">
+      <a:lvl1pPr algn="l" rtl="0" eaLnBrk="1" latinLnBrk="0" hangingPunct="1">
         <a:spcBef>
           <a:spcPct val="0"/>
         </a:spcBef>
         <a:buNone/>
-        <a:defRPr sz="4400" kern="1200">
+        <a:defRPr kumimoji="0" sz="4000" kern="1200">
           <a:solidFill>
-            <a:schemeClr val="tx1"/>
+            <a:schemeClr val="tx2"/>
           </a:solidFill>
           <a:latin typeface="+mj-lt"/>
           <a:ea typeface="+mj-ea"/>
@@ -3624,13 +4761,16 @@
       </a:lvl1pPr>
     </p:titleStyle>
     <p:bodyStyle>
-      <a:lvl1pPr marL="342900" indent="-342900" algn="l" defTabSz="914400" rtl="0" eaLnBrk="1" latinLnBrk="0" hangingPunct="1">
+      <a:lvl1pPr marL="365760" indent="-256032" algn="l" rtl="0" eaLnBrk="1" latinLnBrk="0" hangingPunct="1">
         <a:spcBef>
-          <a:spcPct val="20000"/>
+          <a:spcPts val="300"/>
         </a:spcBef>
-        <a:buFont typeface="Arial" pitchFamily="34" charset="0"/>
+        <a:buClr>
+          <a:schemeClr val="accent3"/>
+        </a:buClr>
+        <a:buFont typeface="Georgia"/>
         <a:buChar char="•"/>
-        <a:defRPr sz="3200" kern="1200">
+        <a:defRPr kumimoji="0" sz="2800" kern="1200">
           <a:solidFill>
             <a:schemeClr val="tx1"/>
           </a:solidFill>
@@ -3639,13 +4779,164 @@
           <a:cs typeface="+mn-cs"/>
         </a:defRPr>
       </a:lvl1pPr>
-      <a:lvl2pPr marL="742950" indent="-285750" algn="l" defTabSz="914400" rtl="0" eaLnBrk="1" latinLnBrk="0" hangingPunct="1">
+      <a:lvl2pPr marL="658368" indent="-246888" algn="l" rtl="0" eaLnBrk="1" latinLnBrk="0" hangingPunct="1">
         <a:spcBef>
-          <a:spcPct val="20000"/>
+          <a:spcPts val="300"/>
         </a:spcBef>
-        <a:buFont typeface="Arial" pitchFamily="34" charset="0"/>
-        <a:buChar char="–"/>
-        <a:defRPr sz="2800" kern="1200">
+        <a:buClr>
+          <a:schemeClr val="accent2"/>
+        </a:buClr>
+        <a:buFont typeface="Georgia"/>
+        <a:buChar char="▫"/>
+        <a:defRPr kumimoji="0" sz="2600" kern="1200">
+          <a:solidFill>
+            <a:schemeClr val="accent2"/>
+          </a:solidFill>
+          <a:latin typeface="+mn-lt"/>
+          <a:ea typeface="+mn-ea"/>
+          <a:cs typeface="+mn-cs"/>
+        </a:defRPr>
+      </a:lvl2pPr>
+      <a:lvl3pPr marL="923544" indent="-219456" algn="l" rtl="0" eaLnBrk="1" latinLnBrk="0" hangingPunct="1">
+        <a:spcBef>
+          <a:spcPts val="300"/>
+        </a:spcBef>
+        <a:buClr>
+          <a:schemeClr val="accent1"/>
+        </a:buClr>
+        <a:buFont typeface="Wingdings 2"/>
+        <a:buChar char=""/>
+        <a:defRPr kumimoji="0" sz="2400" kern="1200">
+          <a:solidFill>
+            <a:schemeClr val="accent1"/>
+          </a:solidFill>
+          <a:latin typeface="+mn-lt"/>
+          <a:ea typeface="+mn-ea"/>
+          <a:cs typeface="+mn-cs"/>
+        </a:defRPr>
+      </a:lvl3pPr>
+      <a:lvl4pPr marL="1179576" indent="-201168" algn="l" rtl="0" eaLnBrk="1" latinLnBrk="0" hangingPunct="1">
+        <a:spcBef>
+          <a:spcPts val="300"/>
+        </a:spcBef>
+        <a:buClr>
+          <a:schemeClr val="accent1"/>
+        </a:buClr>
+        <a:buFont typeface="Wingdings 2"/>
+        <a:buChar char=""/>
+        <a:defRPr kumimoji="0" sz="2200" kern="1200">
+          <a:solidFill>
+            <a:schemeClr val="accent1"/>
+          </a:solidFill>
+          <a:latin typeface="+mn-lt"/>
+          <a:ea typeface="+mn-ea"/>
+          <a:cs typeface="+mn-cs"/>
+        </a:defRPr>
+      </a:lvl4pPr>
+      <a:lvl5pPr marL="1389888" indent="-182880" algn="l" rtl="0" eaLnBrk="1" latinLnBrk="0" hangingPunct="1">
+        <a:spcBef>
+          <a:spcPts val="300"/>
+        </a:spcBef>
+        <a:buClr>
+          <a:schemeClr val="accent3"/>
+        </a:buClr>
+        <a:buFont typeface="Georgia"/>
+        <a:buChar char="▫"/>
+        <a:defRPr kumimoji="0" sz="2000" kern="1200">
+          <a:solidFill>
+            <a:schemeClr val="accent3"/>
+          </a:solidFill>
+          <a:latin typeface="+mn-lt"/>
+          <a:ea typeface="+mn-ea"/>
+          <a:cs typeface="+mn-cs"/>
+        </a:defRPr>
+      </a:lvl5pPr>
+      <a:lvl6pPr marL="1609344" indent="-182880" algn="l" rtl="0" eaLnBrk="1" latinLnBrk="0" hangingPunct="1">
+        <a:spcBef>
+          <a:spcPts val="300"/>
+        </a:spcBef>
+        <a:buClr>
+          <a:schemeClr val="accent3"/>
+        </a:buClr>
+        <a:buFont typeface="Georgia"/>
+        <a:buChar char="▫"/>
+        <a:defRPr kumimoji="0" sz="1800" kern="1200">
+          <a:solidFill>
+            <a:schemeClr val="accent3"/>
+          </a:solidFill>
+          <a:latin typeface="+mn-lt"/>
+          <a:ea typeface="+mn-ea"/>
+          <a:cs typeface="+mn-cs"/>
+        </a:defRPr>
+      </a:lvl6pPr>
+      <a:lvl7pPr marL="1828800" indent="-182880" algn="l" rtl="0" eaLnBrk="1" latinLnBrk="0" hangingPunct="1">
+        <a:spcBef>
+          <a:spcPts val="300"/>
+        </a:spcBef>
+        <a:buClr>
+          <a:schemeClr val="accent3"/>
+        </a:buClr>
+        <a:buFont typeface="Georgia"/>
+        <a:buChar char="▫"/>
+        <a:defRPr kumimoji="0" sz="1600" kern="1200">
+          <a:solidFill>
+            <a:schemeClr val="accent3"/>
+          </a:solidFill>
+          <a:latin typeface="+mn-lt"/>
+          <a:ea typeface="+mn-ea"/>
+          <a:cs typeface="+mn-cs"/>
+        </a:defRPr>
+      </a:lvl7pPr>
+      <a:lvl8pPr marL="2029968" indent="-182880" algn="l" rtl="0" eaLnBrk="1" latinLnBrk="0" hangingPunct="1">
+        <a:spcBef>
+          <a:spcPts val="300"/>
+        </a:spcBef>
+        <a:buClr>
+          <a:schemeClr val="accent3"/>
+        </a:buClr>
+        <a:buFont typeface="Georgia"/>
+        <a:buChar char="◦"/>
+        <a:defRPr kumimoji="0" sz="1500" kern="1200">
+          <a:solidFill>
+            <a:schemeClr val="accent3"/>
+          </a:solidFill>
+          <a:latin typeface="+mn-lt"/>
+          <a:ea typeface="+mn-ea"/>
+          <a:cs typeface="+mn-cs"/>
+        </a:defRPr>
+      </a:lvl8pPr>
+      <a:lvl9pPr marL="2240280" indent="-182880" algn="l" rtl="0" eaLnBrk="1" latinLnBrk="0" hangingPunct="1">
+        <a:spcBef>
+          <a:spcPts val="300"/>
+        </a:spcBef>
+        <a:buClr>
+          <a:schemeClr val="accent3"/>
+        </a:buClr>
+        <a:buFont typeface="Georgia"/>
+        <a:buChar char="◦"/>
+        <a:defRPr kumimoji="0" sz="1400" kern="1200" baseline="0">
+          <a:solidFill>
+            <a:schemeClr val="accent3"/>
+          </a:solidFill>
+          <a:latin typeface="+mn-lt"/>
+          <a:ea typeface="+mn-ea"/>
+          <a:cs typeface="+mn-cs"/>
+        </a:defRPr>
+      </a:lvl9pPr>
+    </p:bodyStyle>
+    <p:otherStyle>
+      <a:lvl1pPr marL="0" algn="l" rtl="0" eaLnBrk="1" latinLnBrk="0" hangingPunct="1">
+        <a:defRPr kumimoji="0" kern="1200">
+          <a:solidFill>
+            <a:schemeClr val="tx1"/>
+          </a:solidFill>
+          <a:latin typeface="+mn-lt"/>
+          <a:ea typeface="+mn-ea"/>
+          <a:cs typeface="+mn-cs"/>
+        </a:defRPr>
+      </a:lvl1pPr>
+      <a:lvl2pPr marL="457200" algn="l" rtl="0" eaLnBrk="1" latinLnBrk="0" hangingPunct="1">
+        <a:defRPr kumimoji="0" kern="1200">
           <a:solidFill>
             <a:schemeClr val="tx1"/>
           </a:solidFill>
@@ -3654,13 +4945,8 @@
           <a:cs typeface="+mn-cs"/>
         </a:defRPr>
       </a:lvl2pPr>
-      <a:lvl3pPr marL="1143000" indent="-228600" algn="l" defTabSz="914400" rtl="0" eaLnBrk="1" latinLnBrk="0" hangingPunct="1">
-        <a:spcBef>
-          <a:spcPct val="20000"/>
-        </a:spcBef>
-        <a:buFont typeface="Arial" pitchFamily="34" charset="0"/>
-        <a:buChar char="•"/>
-        <a:defRPr sz="2400" kern="1200">
+      <a:lvl3pPr marL="914400" algn="l" rtl="0" eaLnBrk="1" latinLnBrk="0" hangingPunct="1">
+        <a:defRPr kumimoji="0" kern="1200">
           <a:solidFill>
             <a:schemeClr val="tx1"/>
           </a:solidFill>
@@ -3669,13 +4955,8 @@
           <a:cs typeface="+mn-cs"/>
         </a:defRPr>
       </a:lvl3pPr>
-      <a:lvl4pPr marL="1600200" indent="-228600" algn="l" defTabSz="914400" rtl="0" eaLnBrk="1" latinLnBrk="0" hangingPunct="1">
-        <a:spcBef>
-          <a:spcPct val="20000"/>
-        </a:spcBef>
-        <a:buFont typeface="Arial" pitchFamily="34" charset="0"/>
-        <a:buChar char="–"/>
-        <a:defRPr sz="2000" kern="1200">
+      <a:lvl4pPr marL="1371600" algn="l" rtl="0" eaLnBrk="1" latinLnBrk="0" hangingPunct="1">
+        <a:defRPr kumimoji="0" kern="1200">
           <a:solidFill>
             <a:schemeClr val="tx1"/>
           </a:solidFill>
@@ -3684,13 +4965,8 @@
           <a:cs typeface="+mn-cs"/>
         </a:defRPr>
       </a:lvl4pPr>
-      <a:lvl5pPr marL="2057400" indent="-228600" algn="l" defTabSz="914400" rtl="0" eaLnBrk="1" latinLnBrk="0" hangingPunct="1">
-        <a:spcBef>
-          <a:spcPct val="20000"/>
-        </a:spcBef>
-        <a:buFont typeface="Arial" pitchFamily="34" charset="0"/>
-        <a:buChar char="»"/>
-        <a:defRPr sz="2000" kern="1200">
+      <a:lvl5pPr marL="1828800" algn="l" rtl="0" eaLnBrk="1" latinLnBrk="0" hangingPunct="1">
+        <a:defRPr kumimoji="0" kern="1200">
           <a:solidFill>
             <a:schemeClr val="tx1"/>
           </a:solidFill>
@@ -3699,13 +4975,8 @@
           <a:cs typeface="+mn-cs"/>
         </a:defRPr>
       </a:lvl5pPr>
-      <a:lvl6pPr marL="2514600" indent="-228600" algn="l" defTabSz="914400" rtl="0" eaLnBrk="1" latinLnBrk="0" hangingPunct="1">
-        <a:spcBef>
-          <a:spcPct val="20000"/>
-        </a:spcBef>
-        <a:buFont typeface="Arial" pitchFamily="34" charset="0"/>
-        <a:buChar char="•"/>
-        <a:defRPr sz="2000" kern="1200">
+      <a:lvl6pPr marL="2286000" algn="l" rtl="0" eaLnBrk="1" latinLnBrk="0" hangingPunct="1">
+        <a:defRPr kumimoji="0" kern="1200">
           <a:solidFill>
             <a:schemeClr val="tx1"/>
           </a:solidFill>
@@ -3714,13 +4985,8 @@
           <a:cs typeface="+mn-cs"/>
         </a:defRPr>
       </a:lvl6pPr>
-      <a:lvl7pPr marL="2971800" indent="-228600" algn="l" defTabSz="914400" rtl="0" eaLnBrk="1" latinLnBrk="0" hangingPunct="1">
-        <a:spcBef>
-          <a:spcPct val="20000"/>
-        </a:spcBef>
-        <a:buFont typeface="Arial" pitchFamily="34" charset="0"/>
-        <a:buChar char="•"/>
-        <a:defRPr sz="2000" kern="1200">
+      <a:lvl7pPr marL="2743200" algn="l" rtl="0" eaLnBrk="1" latinLnBrk="0" hangingPunct="1">
+        <a:defRPr kumimoji="0" kern="1200">
           <a:solidFill>
             <a:schemeClr val="tx1"/>
           </a:solidFill>
@@ -3729,13 +4995,8 @@
           <a:cs typeface="+mn-cs"/>
         </a:defRPr>
       </a:lvl7pPr>
-      <a:lvl8pPr marL="3429000" indent="-228600" algn="l" defTabSz="914400" rtl="0" eaLnBrk="1" latinLnBrk="0" hangingPunct="1">
-        <a:spcBef>
-          <a:spcPct val="20000"/>
-        </a:spcBef>
-        <a:buFont typeface="Arial" pitchFamily="34" charset="0"/>
-        <a:buChar char="•"/>
-        <a:defRPr sz="2000" kern="1200">
+      <a:lvl8pPr marL="3200400" algn="l" rtl="0" eaLnBrk="1" latinLnBrk="0" hangingPunct="1">
+        <a:defRPr kumimoji="0" kern="1200">
           <a:solidFill>
             <a:schemeClr val="tx1"/>
           </a:solidFill>
@@ -3744,108 +5005,8 @@
           <a:cs typeface="+mn-cs"/>
         </a:defRPr>
       </a:lvl8pPr>
-      <a:lvl9pPr marL="3886200" indent="-228600" algn="l" defTabSz="914400" rtl="0" eaLnBrk="1" latinLnBrk="0" hangingPunct="1">
-        <a:spcBef>
-          <a:spcPct val="20000"/>
-        </a:spcBef>
-        <a:buFont typeface="Arial" pitchFamily="34" charset="0"/>
-        <a:buChar char="•"/>
-        <a:defRPr sz="2000" kern="1200">
-          <a:solidFill>
-            <a:schemeClr val="tx1"/>
-          </a:solidFill>
-          <a:latin typeface="+mn-lt"/>
-          <a:ea typeface="+mn-ea"/>
-          <a:cs typeface="+mn-cs"/>
-        </a:defRPr>
-      </a:lvl9pPr>
-    </p:bodyStyle>
-    <p:otherStyle>
-      <a:defPPr>
-        <a:defRPr lang="en-US"/>
-      </a:defPPr>
-      <a:lvl1pPr marL="0" algn="l" defTabSz="914400" rtl="0" eaLnBrk="1" latinLnBrk="0" hangingPunct="1">
-        <a:defRPr sz="1800" kern="1200">
-          <a:solidFill>
-            <a:schemeClr val="tx1"/>
-          </a:solidFill>
-          <a:latin typeface="+mn-lt"/>
-          <a:ea typeface="+mn-ea"/>
-          <a:cs typeface="+mn-cs"/>
-        </a:defRPr>
-      </a:lvl1pPr>
-      <a:lvl2pPr marL="457200" algn="l" defTabSz="914400" rtl="0" eaLnBrk="1" latinLnBrk="0" hangingPunct="1">
-        <a:defRPr sz="1800" kern="1200">
-          <a:solidFill>
-            <a:schemeClr val="tx1"/>
-          </a:solidFill>
-          <a:latin typeface="+mn-lt"/>
-          <a:ea typeface="+mn-ea"/>
-          <a:cs typeface="+mn-cs"/>
-        </a:defRPr>
-      </a:lvl2pPr>
-      <a:lvl3pPr marL="914400" algn="l" defTabSz="914400" rtl="0" eaLnBrk="1" latinLnBrk="0" hangingPunct="1">
-        <a:defRPr sz="1800" kern="1200">
-          <a:solidFill>
-            <a:schemeClr val="tx1"/>
-          </a:solidFill>
-          <a:latin typeface="+mn-lt"/>
-          <a:ea typeface="+mn-ea"/>
-          <a:cs typeface="+mn-cs"/>
-        </a:defRPr>
-      </a:lvl3pPr>
-      <a:lvl4pPr marL="1371600" algn="l" defTabSz="914400" rtl="0" eaLnBrk="1" latinLnBrk="0" hangingPunct="1">
-        <a:defRPr sz="1800" kern="1200">
-          <a:solidFill>
-            <a:schemeClr val="tx1"/>
-          </a:solidFill>
-          <a:latin typeface="+mn-lt"/>
-          <a:ea typeface="+mn-ea"/>
-          <a:cs typeface="+mn-cs"/>
-        </a:defRPr>
-      </a:lvl4pPr>
-      <a:lvl5pPr marL="1828800" algn="l" defTabSz="914400" rtl="0" eaLnBrk="1" latinLnBrk="0" hangingPunct="1">
-        <a:defRPr sz="1800" kern="1200">
-          <a:solidFill>
-            <a:schemeClr val="tx1"/>
-          </a:solidFill>
-          <a:latin typeface="+mn-lt"/>
-          <a:ea typeface="+mn-ea"/>
-          <a:cs typeface="+mn-cs"/>
-        </a:defRPr>
-      </a:lvl5pPr>
-      <a:lvl6pPr marL="2286000" algn="l" defTabSz="914400" rtl="0" eaLnBrk="1" latinLnBrk="0" hangingPunct="1">
-        <a:defRPr sz="1800" kern="1200">
-          <a:solidFill>
-            <a:schemeClr val="tx1"/>
-          </a:solidFill>
-          <a:latin typeface="+mn-lt"/>
-          <a:ea typeface="+mn-ea"/>
-          <a:cs typeface="+mn-cs"/>
-        </a:defRPr>
-      </a:lvl6pPr>
-      <a:lvl7pPr marL="2743200" algn="l" defTabSz="914400" rtl="0" eaLnBrk="1" latinLnBrk="0" hangingPunct="1">
-        <a:defRPr sz="1800" kern="1200">
-          <a:solidFill>
-            <a:schemeClr val="tx1"/>
-          </a:solidFill>
-          <a:latin typeface="+mn-lt"/>
-          <a:ea typeface="+mn-ea"/>
-          <a:cs typeface="+mn-cs"/>
-        </a:defRPr>
-      </a:lvl7pPr>
-      <a:lvl8pPr marL="3200400" algn="l" defTabSz="914400" rtl="0" eaLnBrk="1" latinLnBrk="0" hangingPunct="1">
-        <a:defRPr sz="1800" kern="1200">
-          <a:solidFill>
-            <a:schemeClr val="tx1"/>
-          </a:solidFill>
-          <a:latin typeface="+mn-lt"/>
-          <a:ea typeface="+mn-ea"/>
-          <a:cs typeface="+mn-cs"/>
-        </a:defRPr>
-      </a:lvl8pPr>
-      <a:lvl9pPr marL="3657600" algn="l" defTabSz="914400" rtl="0" eaLnBrk="1" latinLnBrk="0" hangingPunct="1">
-        <a:defRPr sz="1800" kern="1200">
+      <a:lvl9pPr marL="3657600" algn="l" rtl="0" eaLnBrk="1" latinLnBrk="0" hangingPunct="1">
+        <a:defRPr kumimoji="0" kern="1200">
           <a:solidFill>
             <a:schemeClr val="tx1"/>
           </a:solidFill>
@@ -3888,12 +5049,14 @@
         </p:nvSpPr>
         <p:spPr/>
         <p:txBody>
-          <a:bodyPr/>
+          <a:bodyPr>
+            <a:normAutofit/>
+          </a:bodyPr>
           <a:lstStyle/>
           <a:p>
             <a:r>
               <a:rPr lang="pt-BR" dirty="0" smtClean="0"/>
-              <a:t>Sistema de Gerenciamento de Tarefas</a:t>
+              <a:t>Controle de Tarefas</a:t>
             </a:r>
             <a:endParaRPr lang="en-US" dirty="0"/>
           </a:p>
@@ -3909,22 +5072,171 @@
             <p:ph type="subTitle" idx="1"/>
           </p:nvPr>
         </p:nvSpPr>
-        <p:spPr/>
-        <p:txBody>
-          <a:bodyPr/>
-          <a:lstStyle/>
+        <p:spPr>
+          <a:xfrm>
+            <a:off x="1371600" y="3886200"/>
+            <a:ext cx="6400800" cy="2639144"/>
+          </a:xfrm>
+        </p:spPr>
+        <p:txBody>
+          <a:bodyPr>
+            <a:normAutofit/>
+          </a:bodyPr>
+          <a:lstStyle/>
+          <a:p>
+            <a:endParaRPr lang="pt-BR" b="1" dirty="0" smtClean="0"/>
+          </a:p>
+          <a:p>
+            <a:r>
+              <a:rPr lang="pt-BR" b="1" dirty="0" smtClean="0"/>
+              <a:t>Universidade </a:t>
+            </a:r>
+            <a:r>
+              <a:rPr lang="pt-BR" b="1" dirty="0"/>
+              <a:t>Federal </a:t>
+            </a:r>
+            <a:r>
+              <a:rPr lang="pt-BR" b="1" dirty="0" err="1"/>
+              <a:t>Fluminsense</a:t>
+            </a:r>
+            <a:endParaRPr lang="pt-BR" b="1" dirty="0"/>
+          </a:p>
           <a:p>
             <a:r>
               <a:rPr lang="pt-BR" dirty="0" smtClean="0"/>
-              <a:t>Trabalho Final de Técnicas de Programação Avançadas</a:t>
-            </a:r>
-          </a:p>
-          <a:p>
+              <a:t>Técnicas de Programação Avançadas</a:t>
+            </a:r>
+          </a:p>
+          <a:p>
+            <a:endParaRPr lang="pt-BR" dirty="0" smtClean="0"/>
+          </a:p>
+          <a:p>
+            <a:pPr algn="r"/>
             <a:r>
               <a:rPr lang="pt-BR" dirty="0" smtClean="0"/>
               <a:t>Prof.: Daniel Castellani</a:t>
             </a:r>
+          </a:p>
+          <a:p>
+            <a:pPr algn="r"/>
+            <a:r>
+              <a:rPr lang="pt-BR" dirty="0" smtClean="0"/>
+              <a:t>danielcastellani@id.uff.br</a:t>
+            </a:r>
             <a:endParaRPr lang="en-US" dirty="0"/>
+          </a:p>
+        </p:txBody>
+      </p:sp>
+    </p:spTree>
+  </p:cSld>
+  <p:clrMapOvr>
+    <a:masterClrMapping/>
+  </p:clrMapOvr>
+  <p:timing>
+    <p:tnLst>
+      <p:par>
+        <p:cTn id="1" dur="indefinite" restart="never" nodeType="tmRoot"/>
+      </p:par>
+    </p:tnLst>
+  </p:timing>
+</p:sld>
+</file>
+
+<file path=ppt/slides/slide10.xml><?xml version="1.0" encoding="utf-8"?>
+<p:sld xmlns:a="http://schemas.openxmlformats.org/drawingml/2006/main" xmlns:r="http://schemas.openxmlformats.org/officeDocument/2006/relationships" xmlns:p="http://schemas.openxmlformats.org/presentationml/2006/main">
+  <p:cSld>
+    <p:spTree>
+      <p:nvGrpSpPr>
+        <p:cNvPr id="1" name=""/>
+        <p:cNvGrpSpPr/>
+        <p:nvPr/>
+      </p:nvGrpSpPr>
+      <p:grpSpPr>
+        <a:xfrm>
+          <a:off x="0" y="0"/>
+          <a:ext cx="0" cy="0"/>
+          <a:chOff x="0" y="0"/>
+          <a:chExt cx="0" cy="0"/>
+        </a:xfrm>
+      </p:grpSpPr>
+      <p:sp>
+        <p:nvSpPr>
+          <p:cNvPr id="2" name="Título 1"/>
+          <p:cNvSpPr>
+            <a:spLocks noGrp="1"/>
+          </p:cNvSpPr>
+          <p:nvPr>
+            <p:ph type="title"/>
+          </p:nvPr>
+        </p:nvSpPr>
+        <p:spPr/>
+        <p:txBody>
+          <a:bodyPr/>
+          <a:lstStyle/>
+          <a:p>
+            <a:r>
+              <a:rPr lang="pt-BR" dirty="0" smtClean="0"/>
+              <a:t>Deve-se</a:t>
+            </a:r>
+            <a:endParaRPr lang="en-US" dirty="0"/>
+          </a:p>
+        </p:txBody>
+      </p:sp>
+      <p:sp>
+        <p:nvSpPr>
+          <p:cNvPr id="3" name="Espaço Reservado para Conteúdo 2"/>
+          <p:cNvSpPr>
+            <a:spLocks noGrp="1"/>
+          </p:cNvSpPr>
+          <p:nvPr>
+            <p:ph idx="1"/>
+          </p:nvPr>
+        </p:nvSpPr>
+        <p:spPr/>
+        <p:txBody>
+          <a:bodyPr/>
+          <a:lstStyle/>
+          <a:p>
+            <a:r>
+              <a:rPr lang="pt-BR" dirty="0" smtClean="0"/>
+              <a:t>Fazer no </a:t>
+            </a:r>
+            <a:r>
+              <a:rPr lang="pt-BR" dirty="0" err="1" smtClean="0"/>
+              <a:t>GitHub</a:t>
+            </a:r>
+            <a:r>
+              <a:rPr lang="pt-BR" dirty="0" smtClean="0"/>
+              <a:t> ou </a:t>
+            </a:r>
+            <a:r>
+              <a:rPr lang="pt-BR" dirty="0" err="1" smtClean="0"/>
+              <a:t>GoogleCode</a:t>
+            </a:r>
+            <a:endParaRPr lang="en-US" dirty="0" smtClean="0"/>
+          </a:p>
+          <a:p>
+            <a:endParaRPr lang="pt-BR" dirty="0" smtClean="0"/>
+          </a:p>
+          <a:p>
+            <a:r>
+              <a:rPr lang="pt-BR" dirty="0" smtClean="0"/>
+              <a:t>Fazer em dupla</a:t>
+            </a:r>
+          </a:p>
+          <a:p>
+            <a:endParaRPr lang="pt-BR" dirty="0" smtClean="0"/>
+          </a:p>
+          <a:p>
+            <a:r>
+              <a:rPr lang="pt-BR" dirty="0" smtClean="0"/>
+              <a:t>Seguir </a:t>
+            </a:r>
+            <a:r>
+              <a:rPr lang="pt-BR" smtClean="0"/>
+              <a:t>os Direcionamentos</a:t>
+            </a:r>
+            <a:endParaRPr lang="pt-BR" dirty="0" smtClean="0"/>
           </a:p>
         </p:txBody>
       </p:sp>
@@ -3970,51 +5282,90 @@
           <a:p>
             <a:r>
               <a:rPr lang="pt-BR" dirty="0" smtClean="0"/>
-              <a:t>Dados</a:t>
-            </a:r>
-            <a:endParaRPr lang="en-US" dirty="0"/>
-          </a:p>
-        </p:txBody>
-      </p:sp>
-      <p:pic>
-        <p:nvPicPr>
-          <p:cNvPr id="1026" name="Picture 2"/>
-          <p:cNvPicPr>
-            <a:picLocks noGrp="1" noChangeAspect="1" noChangeArrowheads="1"/>
-          </p:cNvPicPr>
+              <a:t>Motivação</a:t>
+            </a:r>
+            <a:endParaRPr lang="pt-BR" dirty="0"/>
+          </a:p>
+        </p:txBody>
+      </p:sp>
+      <p:sp>
+        <p:nvSpPr>
+          <p:cNvPr id="3" name="Espaço Reservado para Conteúdo 2"/>
+          <p:cNvSpPr>
+            <a:spLocks noGrp="1"/>
+          </p:cNvSpPr>
           <p:nvPr>
             <p:ph idx="1"/>
           </p:nvPr>
-        </p:nvPicPr>
-        <p:blipFill>
-          <a:blip r:embed="rId3" cstate="print"/>
-          <a:srcRect/>
-          <a:stretch>
-            <a:fillRect/>
-          </a:stretch>
-        </p:blipFill>
-        <p:spPr bwMode="auto">
-          <a:xfrm>
-            <a:off x="2443162" y="2524919"/>
-            <a:ext cx="4257675" cy="2676525"/>
-          </a:xfrm>
-          <a:prstGeom prst="rect">
-            <a:avLst/>
-          </a:prstGeom>
-          <a:noFill/>
-          <a:ln w="9525">
-            <a:noFill/>
-            <a:miter lim="800000"/>
-            <a:headEnd/>
-            <a:tailEnd/>
-          </a:ln>
-        </p:spPr>
-      </p:pic>
+        </p:nvSpPr>
+        <p:spPr/>
+        <p:txBody>
+          <a:bodyPr/>
+          <a:lstStyle/>
+          <a:p>
+            <a:r>
+              <a:rPr lang="pt-BR" dirty="0" smtClean="0"/>
+              <a:t>Aplicar o que foi aprendido na disciplina</a:t>
+            </a:r>
+          </a:p>
+          <a:p>
+            <a:pPr lvl="1"/>
+            <a:r>
+              <a:rPr lang="pt-BR" dirty="0" smtClean="0"/>
+              <a:t>Orientação a Objetos</a:t>
+            </a:r>
+          </a:p>
+          <a:p>
+            <a:pPr lvl="1"/>
+            <a:r>
+              <a:rPr lang="pt-BR" dirty="0" smtClean="0"/>
+              <a:t>Java</a:t>
+            </a:r>
+          </a:p>
+          <a:p>
+            <a:pPr lvl="1"/>
+            <a:r>
+              <a:rPr lang="pt-BR" dirty="0" smtClean="0"/>
+              <a:t>Padrões de projeto</a:t>
+            </a:r>
+          </a:p>
+          <a:p>
+            <a:pPr lvl="1"/>
+            <a:endParaRPr lang="pt-BR" dirty="0" smtClean="0"/>
+          </a:p>
+          <a:p>
+            <a:r>
+              <a:rPr lang="pt-BR" dirty="0" smtClean="0"/>
+              <a:t>E também</a:t>
+            </a:r>
+          </a:p>
+          <a:p>
+            <a:pPr lvl="1"/>
+            <a:r>
+              <a:rPr lang="pt-BR" dirty="0" smtClean="0"/>
+              <a:t>Gerencia de Configuração - Controle de Versão</a:t>
+            </a:r>
+            <a:endParaRPr lang="pt-BR" dirty="0"/>
+          </a:p>
+        </p:txBody>
+      </p:sp>
     </p:spTree>
+    <p:extLst>
+      <p:ext uri="{BB962C8B-B14F-4D97-AF65-F5344CB8AC3E}">
+        <p14:creationId xmlns:p14="http://schemas.microsoft.com/office/powerpoint/2010/main" val="888418003"/>
+      </p:ext>
+    </p:extLst>
   </p:cSld>
   <p:clrMapOvr>
     <a:masterClrMapping/>
   </p:clrMapOvr>
+  <p:timing>
+    <p:tnLst>
+      <p:par>
+        <p:cTn id="1" dur="indefinite" restart="never" nodeType="tmRoot"/>
+      </p:par>
+    </p:tnLst>
+  </p:timing>
 </p:sld>
 </file>
 
@@ -4052,9 +5403,9 @@
           <a:p>
             <a:r>
               <a:rPr lang="pt-BR" dirty="0" smtClean="0"/>
-              <a:t>Funcionalidades</a:t>
-            </a:r>
-            <a:endParaRPr lang="en-US" dirty="0"/>
+              <a:t>Objetivo</a:t>
+            </a:r>
+            <a:endParaRPr lang="pt-BR" dirty="0"/>
           </a:p>
         </p:txBody>
       </p:sp>
@@ -4065,271 +5416,39 @@
             <a:spLocks noGrp="1"/>
           </p:cNvSpPr>
           <p:nvPr>
-            <p:ph sz="half" idx="1"/>
-          </p:nvPr>
-        </p:nvSpPr>
-        <p:spPr/>
-        <p:txBody>
-          <a:bodyPr>
-            <a:normAutofit fontScale="92500" lnSpcReduction="10000"/>
-          </a:bodyPr>
-          <a:lstStyle/>
-          <a:p>
-            <a:pPr marL="514350" indent="-514350">
-              <a:buFont typeface="+mj-lt"/>
-              <a:buAutoNum type="arabicPeriod"/>
-            </a:pPr>
-            <a:r>
-              <a:rPr lang="pt-BR" b="1" dirty="0" smtClean="0">
-                <a:solidFill>
-                  <a:srgbClr val="0070C0"/>
-                </a:solidFill>
-              </a:rPr>
-              <a:t>Situação </a:t>
-            </a:r>
-          </a:p>
-          <a:p>
-            <a:pPr marL="914400" lvl="1" indent="-514350">
-              <a:buFont typeface="+mj-lt"/>
-              <a:buAutoNum type="arabicPeriod"/>
-            </a:pPr>
+            <p:ph idx="1"/>
+          </p:nvPr>
+        </p:nvSpPr>
+        <p:spPr/>
+        <p:txBody>
+          <a:bodyPr/>
+          <a:lstStyle/>
+          <a:p>
             <a:r>
               <a:rPr lang="pt-BR" dirty="0" smtClean="0"/>
-              <a:t>Listar</a:t>
-            </a:r>
-          </a:p>
-          <a:p>
-            <a:pPr marL="914400" lvl="1" indent="-514350">
-              <a:buFont typeface="+mj-lt"/>
-              <a:buAutoNum type="arabicPeriod"/>
-            </a:pPr>
-            <a:r>
-              <a:rPr lang="pt-BR" dirty="0" smtClean="0"/>
-              <a:t>Cadastrar</a:t>
-            </a:r>
-          </a:p>
-          <a:p>
-            <a:pPr marL="914400" lvl="1" indent="-514350">
-              <a:buFont typeface="+mj-lt"/>
-              <a:buAutoNum type="arabicPeriod"/>
-            </a:pPr>
-            <a:r>
-              <a:rPr lang="pt-BR" dirty="0" smtClean="0"/>
-              <a:t>Editar</a:t>
-            </a:r>
-          </a:p>
-          <a:p>
-            <a:pPr marL="914400" lvl="1" indent="-514350">
-              <a:buFont typeface="+mj-lt"/>
-              <a:buAutoNum type="arabicPeriod"/>
-            </a:pPr>
-            <a:r>
-              <a:rPr lang="pt-BR" dirty="0" smtClean="0"/>
-              <a:t>Remover</a:t>
-            </a:r>
-          </a:p>
-          <a:p>
-            <a:pPr marL="914400" lvl="1" indent="-514350">
-              <a:buFont typeface="+mj-lt"/>
-              <a:buAutoNum type="arabicPeriod"/>
-            </a:pPr>
+              <a:t>Construir um sistema de controle de tarefas associadas a projetos</a:t>
+            </a:r>
             <a:endParaRPr lang="pt-BR" dirty="0"/>
           </a:p>
-          <a:p>
-            <a:pPr marL="514350" indent="-514350">
-              <a:buFont typeface="+mj-lt"/>
-              <a:buAutoNum type="arabicPeriod"/>
-            </a:pPr>
-            <a:r>
-              <a:rPr lang="pt-BR" b="1" dirty="0" smtClean="0">
-                <a:solidFill>
-                  <a:srgbClr val="0070C0"/>
-                </a:solidFill>
-              </a:rPr>
-              <a:t>Projeto</a:t>
-            </a:r>
-          </a:p>
-          <a:p>
-            <a:pPr marL="914400" lvl="1" indent="-514350">
-              <a:buFont typeface="+mj-lt"/>
-              <a:buAutoNum type="arabicPeriod"/>
-            </a:pPr>
-            <a:r>
-              <a:rPr lang="pt-BR" dirty="0" smtClean="0"/>
-              <a:t>Listar</a:t>
-            </a:r>
-          </a:p>
-          <a:p>
-            <a:pPr marL="914400" lvl="1" indent="-514350">
-              <a:buFont typeface="+mj-lt"/>
-              <a:buAutoNum type="arabicPeriod"/>
-            </a:pPr>
-            <a:r>
-              <a:rPr lang="pt-BR" dirty="0" smtClean="0"/>
-              <a:t>Cadastrar</a:t>
-            </a:r>
-          </a:p>
-          <a:p>
-            <a:pPr marL="914400" lvl="1" indent="-514350">
-              <a:buFont typeface="+mj-lt"/>
-              <a:buAutoNum type="arabicPeriod"/>
-            </a:pPr>
-            <a:r>
-              <a:rPr lang="pt-BR" dirty="0" smtClean="0"/>
-              <a:t>Editar</a:t>
-            </a:r>
-          </a:p>
-          <a:p>
-            <a:pPr marL="914400" lvl="1" indent="-514350">
-              <a:buFont typeface="+mj-lt"/>
-              <a:buAutoNum type="arabicPeriod"/>
-            </a:pPr>
-            <a:r>
-              <a:rPr lang="pt-BR" dirty="0" smtClean="0"/>
-              <a:t>Remover</a:t>
-            </a:r>
-            <a:endParaRPr lang="en-US" dirty="0" smtClean="0"/>
-          </a:p>
-          <a:p>
-            <a:pPr marL="514350" indent="-514350">
-              <a:buFont typeface="+mj-lt"/>
-              <a:buAutoNum type="arabicPeriod"/>
-            </a:pPr>
-            <a:endParaRPr lang="en-US" dirty="0"/>
-          </a:p>
-        </p:txBody>
-      </p:sp>
-      <p:sp>
-        <p:nvSpPr>
-          <p:cNvPr id="4" name="Espaço Reservado para Conteúdo 3"/>
-          <p:cNvSpPr>
-            <a:spLocks noGrp="1"/>
-          </p:cNvSpPr>
-          <p:nvPr>
-            <p:ph sz="half" idx="2"/>
-          </p:nvPr>
-        </p:nvSpPr>
-        <p:spPr/>
-        <p:txBody>
-          <a:bodyPr>
-            <a:normAutofit fontScale="92500" lnSpcReduction="10000"/>
-          </a:bodyPr>
-          <a:lstStyle/>
-          <a:p>
-            <a:pPr marL="514350" indent="-514350">
-              <a:buFont typeface="+mj-lt"/>
-              <a:buAutoNum type="arabicPeriod" startAt="3"/>
-            </a:pPr>
-            <a:r>
-              <a:rPr lang="pt-BR" b="1" dirty="0" smtClean="0">
-                <a:solidFill>
-                  <a:srgbClr val="0070C0"/>
-                </a:solidFill>
-              </a:rPr>
-              <a:t>Tarefa</a:t>
-            </a:r>
-          </a:p>
-          <a:p>
-            <a:pPr marL="914400" lvl="1" indent="-514350">
-              <a:buFont typeface="+mj-lt"/>
-              <a:buAutoNum type="arabicPeriod"/>
-            </a:pPr>
-            <a:r>
-              <a:rPr lang="pt-BR" dirty="0" smtClean="0"/>
-              <a:t>Listar</a:t>
-            </a:r>
-          </a:p>
-          <a:p>
-            <a:pPr marL="914400" lvl="1" indent="-514350">
-              <a:buFont typeface="+mj-lt"/>
-              <a:buAutoNum type="arabicPeriod"/>
-            </a:pPr>
-            <a:r>
-              <a:rPr lang="pt-BR" dirty="0" smtClean="0"/>
-              <a:t>Cadastrar</a:t>
-            </a:r>
-          </a:p>
-          <a:p>
-            <a:pPr marL="914400" lvl="1" indent="-514350">
-              <a:buFont typeface="+mj-lt"/>
-              <a:buAutoNum type="arabicPeriod"/>
-            </a:pPr>
-            <a:r>
-              <a:rPr lang="pt-BR" dirty="0" smtClean="0"/>
-              <a:t>Editar</a:t>
-            </a:r>
-          </a:p>
-          <a:p>
-            <a:pPr marL="914400" lvl="1" indent="-514350">
-              <a:buFont typeface="+mj-lt"/>
-              <a:buAutoNum type="arabicPeriod"/>
-            </a:pPr>
-            <a:r>
-              <a:rPr lang="pt-BR" dirty="0" smtClean="0"/>
-              <a:t>Remover</a:t>
-            </a:r>
-          </a:p>
-          <a:p>
-            <a:pPr marL="914400" lvl="1" indent="-514350">
-              <a:buFont typeface="+mj-lt"/>
-              <a:buAutoNum type="arabicPeriod"/>
-            </a:pPr>
-            <a:endParaRPr lang="pt-BR" dirty="0"/>
-          </a:p>
-          <a:p>
-            <a:pPr marL="514350" indent="-514350">
-              <a:buFont typeface="+mj-lt"/>
-              <a:buAutoNum type="arabicPeriod" startAt="4"/>
-            </a:pPr>
-            <a:r>
-              <a:rPr lang="pt-BR" b="1" dirty="0" smtClean="0">
-                <a:solidFill>
-                  <a:srgbClr val="0070C0"/>
-                </a:solidFill>
-              </a:rPr>
-              <a:t>Salvar</a:t>
-            </a:r>
-            <a:r>
-              <a:rPr lang="pt-BR" dirty="0" smtClean="0"/>
-              <a:t> em arquivo ao fechar programa</a:t>
-            </a:r>
-          </a:p>
-          <a:p>
-            <a:pPr marL="514350" indent="-514350">
-              <a:buFont typeface="+mj-lt"/>
-              <a:buAutoNum type="arabicPeriod" startAt="4"/>
-            </a:pPr>
-            <a:endParaRPr lang="pt-BR" dirty="0" smtClean="0"/>
-          </a:p>
-          <a:p>
-            <a:pPr marL="514350" indent="-514350">
-              <a:buFont typeface="+mj-lt"/>
-              <a:buAutoNum type="arabicPeriod" startAt="4"/>
-            </a:pPr>
-            <a:r>
-              <a:rPr lang="pt-BR" b="1" dirty="0" smtClean="0">
-                <a:solidFill>
-                  <a:srgbClr val="0070C0"/>
-                </a:solidFill>
-              </a:rPr>
-              <a:t>Recarregar</a:t>
-            </a:r>
-            <a:r>
-              <a:rPr lang="pt-BR" dirty="0" smtClean="0"/>
-              <a:t> arquivo ao abrir programa</a:t>
-            </a:r>
-            <a:endParaRPr lang="en-US" dirty="0" smtClean="0"/>
-          </a:p>
-          <a:p>
-            <a:endParaRPr lang="en-US" dirty="0"/>
-          </a:p>
         </p:txBody>
       </p:sp>
     </p:spTree>
+    <p:extLst>
+      <p:ext uri="{BB962C8B-B14F-4D97-AF65-F5344CB8AC3E}">
+        <p14:creationId xmlns:p14="http://schemas.microsoft.com/office/powerpoint/2010/main" val="1422727205"/>
+      </p:ext>
+    </p:extLst>
   </p:cSld>
   <p:clrMapOvr>
     <a:masterClrMapping/>
   </p:clrMapOvr>
+  <p:timing>
+    <p:tnLst>
+      <p:par>
+        <p:cTn id="1" dur="indefinite" restart="never" nodeType="tmRoot"/>
+      </p:par>
+    </p:tnLst>
+  </p:timing>
 </p:sld>
 </file>
 
@@ -4367,209 +5486,57 @@
           <a:p>
             <a:r>
               <a:rPr lang="pt-BR" dirty="0" smtClean="0"/>
-              <a:t>Padrões de Projeto</a:t>
+              <a:t>Dados</a:t>
             </a:r>
             <a:endParaRPr lang="en-US" dirty="0"/>
           </a:p>
         </p:txBody>
       </p:sp>
-      <p:sp>
-        <p:nvSpPr>
-          <p:cNvPr id="5" name="Espaço Reservado para Conteúdo 4"/>
-          <p:cNvSpPr>
-            <a:spLocks noGrp="1"/>
-          </p:cNvSpPr>
+      <p:pic>
+        <p:nvPicPr>
+          <p:cNvPr id="1026" name="Picture 2"/>
+          <p:cNvPicPr>
+            <a:picLocks noGrp="1" noChangeAspect="1" noChangeArrowheads="1"/>
+          </p:cNvPicPr>
           <p:nvPr>
             <p:ph idx="1"/>
           </p:nvPr>
-        </p:nvSpPr>
-        <p:spPr/>
-        <p:txBody>
-          <a:bodyPr>
-            <a:normAutofit fontScale="70000" lnSpcReduction="20000"/>
-          </a:bodyPr>
-          <a:lstStyle/>
-          <a:p>
-            <a:r>
-              <a:rPr lang="pt-BR" b="1" dirty="0" smtClean="0">
-                <a:solidFill>
-                  <a:srgbClr val="0070C0"/>
-                </a:solidFill>
-              </a:rPr>
-              <a:t>MVC – </a:t>
-            </a:r>
-            <a:r>
-              <a:rPr lang="pt-BR" b="1" dirty="0" err="1" smtClean="0">
-                <a:solidFill>
-                  <a:srgbClr val="0070C0"/>
-                </a:solidFill>
-              </a:rPr>
-              <a:t>Model</a:t>
-            </a:r>
-            <a:r>
-              <a:rPr lang="pt-BR" b="1" dirty="0" smtClean="0">
-                <a:solidFill>
-                  <a:srgbClr val="0070C0"/>
-                </a:solidFill>
-              </a:rPr>
-              <a:t>, </a:t>
-            </a:r>
-            <a:r>
-              <a:rPr lang="pt-BR" b="1" dirty="0" err="1" smtClean="0">
-                <a:solidFill>
-                  <a:srgbClr val="0070C0"/>
-                </a:solidFill>
-              </a:rPr>
-              <a:t>View</a:t>
-            </a:r>
-            <a:r>
-              <a:rPr lang="pt-BR" b="1" dirty="0" smtClean="0">
-                <a:solidFill>
-                  <a:srgbClr val="0070C0"/>
-                </a:solidFill>
-              </a:rPr>
-              <a:t>, </a:t>
-            </a:r>
-            <a:r>
-              <a:rPr lang="pt-BR" b="1" dirty="0" err="1" smtClean="0">
-                <a:solidFill>
-                  <a:srgbClr val="0070C0"/>
-                </a:solidFill>
-              </a:rPr>
-              <a:t>Controler</a:t>
-            </a:r>
-            <a:endParaRPr lang="pt-BR" b="1" dirty="0" smtClean="0">
-              <a:solidFill>
-                <a:srgbClr val="0070C0"/>
-              </a:solidFill>
-            </a:endParaRPr>
-          </a:p>
-          <a:p>
-            <a:pPr lvl="1"/>
-            <a:r>
-              <a:rPr lang="pt-BR" dirty="0" smtClean="0"/>
-              <a:t>Modelos:</a:t>
-            </a:r>
-          </a:p>
-          <a:p>
-            <a:pPr lvl="2"/>
-            <a:r>
-              <a:rPr lang="pt-BR" dirty="0" smtClean="0"/>
-              <a:t>Situação</a:t>
-            </a:r>
-          </a:p>
-          <a:p>
-            <a:pPr lvl="2"/>
-            <a:r>
-              <a:rPr lang="pt-BR" dirty="0" smtClean="0"/>
-              <a:t>Tarefa</a:t>
-            </a:r>
-          </a:p>
-          <a:p>
-            <a:pPr lvl="2"/>
-            <a:r>
-              <a:rPr lang="pt-BR" dirty="0" smtClean="0"/>
-              <a:t>Projeto</a:t>
-            </a:r>
-          </a:p>
-          <a:p>
-            <a:endParaRPr lang="pt-BR" dirty="0"/>
-          </a:p>
-          <a:p>
-            <a:r>
-              <a:rPr lang="pt-BR" b="1" dirty="0" err="1" smtClean="0">
-                <a:solidFill>
-                  <a:srgbClr val="0070C0"/>
-                </a:solidFill>
-              </a:rPr>
-              <a:t>Service</a:t>
-            </a:r>
-            <a:endParaRPr lang="pt-BR" b="1" dirty="0" smtClean="0">
-              <a:solidFill>
-                <a:srgbClr val="0070C0"/>
-              </a:solidFill>
-            </a:endParaRPr>
-          </a:p>
-          <a:p>
-            <a:pPr lvl="1"/>
-            <a:r>
-              <a:rPr lang="pt-BR" dirty="0" err="1" smtClean="0"/>
-              <a:t>ArquivoService</a:t>
-            </a:r>
-            <a:r>
-              <a:rPr lang="pt-BR" dirty="0" smtClean="0"/>
-              <a:t>: salvar, recarregar</a:t>
-            </a:r>
-          </a:p>
-          <a:p>
-            <a:endParaRPr lang="pt-BR" dirty="0" smtClean="0"/>
-          </a:p>
-          <a:p>
-            <a:r>
-              <a:rPr lang="pt-BR" b="1" dirty="0" err="1" smtClean="0">
-                <a:solidFill>
-                  <a:srgbClr val="0070C0"/>
-                </a:solidFill>
-              </a:rPr>
-              <a:t>Singleton</a:t>
-            </a:r>
-            <a:endParaRPr lang="pt-BR" b="1" dirty="0" smtClean="0">
-              <a:solidFill>
-                <a:srgbClr val="0070C0"/>
-              </a:solidFill>
-            </a:endParaRPr>
-          </a:p>
-          <a:p>
-            <a:pPr lvl="1"/>
-            <a:r>
-              <a:rPr lang="pt-BR" dirty="0" err="1" smtClean="0"/>
-              <a:t>BancoDeDados</a:t>
-            </a:r>
-            <a:endParaRPr lang="pt-BR" dirty="0" smtClean="0"/>
-          </a:p>
-          <a:p>
-            <a:pPr lvl="1"/>
-            <a:endParaRPr lang="pt-BR" dirty="0"/>
-          </a:p>
-          <a:p>
-            <a:r>
-              <a:rPr lang="pt-BR" b="1" dirty="0" err="1" smtClean="0">
-                <a:solidFill>
-                  <a:srgbClr val="0070C0"/>
-                </a:solidFill>
-              </a:rPr>
-              <a:t>Factory</a:t>
-            </a:r>
-            <a:endParaRPr lang="pt-BR" b="1" dirty="0" smtClean="0">
-              <a:solidFill>
-                <a:srgbClr val="0070C0"/>
-              </a:solidFill>
-            </a:endParaRPr>
-          </a:p>
-          <a:p>
-            <a:pPr lvl="1"/>
-            <a:r>
-              <a:rPr lang="pt-BR" dirty="0" smtClean="0"/>
-              <a:t>Telas</a:t>
-            </a:r>
-          </a:p>
-          <a:p>
-            <a:pPr lvl="1"/>
-            <a:endParaRPr lang="pt-BR" dirty="0"/>
-          </a:p>
-          <a:p>
-            <a:endParaRPr lang="pt-BR" dirty="0"/>
-          </a:p>
-          <a:p>
-            <a:endParaRPr lang="en-US" dirty="0"/>
-          </a:p>
-        </p:txBody>
-      </p:sp>
+        </p:nvPicPr>
+        <p:blipFill>
+          <a:blip r:embed="rId3" cstate="print"/>
+          <a:stretch>
+            <a:fillRect/>
+          </a:stretch>
+        </p:blipFill>
+        <p:spPr bwMode="auto">
+          <a:xfrm>
+            <a:off x="1115617" y="2238859"/>
+            <a:ext cx="6912766" cy="4345608"/>
+          </a:xfrm>
+          <a:prstGeom prst="rect">
+            <a:avLst/>
+          </a:prstGeom>
+          <a:noFill/>
+          <a:ln w="9525">
+            <a:noFill/>
+            <a:miter lim="800000"/>
+            <a:headEnd/>
+            <a:tailEnd/>
+          </a:ln>
+        </p:spPr>
+      </p:pic>
     </p:spTree>
   </p:cSld>
   <p:clrMapOvr>
     <a:masterClrMapping/>
   </p:clrMapOvr>
+  <p:timing>
+    <p:tnLst>
+      <p:par>
+        <p:cTn id="1" dur="indefinite" restart="never" nodeType="tmRoot"/>
+      </p:par>
+    </p:tnLst>
+  </p:timing>
 </p:sld>
 </file>
 
@@ -4607,7 +5574,7 @@
           <a:p>
             <a:r>
               <a:rPr lang="pt-BR" dirty="0" smtClean="0"/>
-              <a:t>Interfaces</a:t>
+              <a:t>Funcionalidades</a:t>
             </a:r>
             <a:endParaRPr lang="en-US" dirty="0"/>
           </a:p>
@@ -4620,90 +5587,291 @@
             <a:spLocks noGrp="1"/>
           </p:cNvSpPr>
           <p:nvPr>
-            <p:ph idx="1"/>
+            <p:ph sz="half" idx="1"/>
           </p:nvPr>
         </p:nvSpPr>
         <p:spPr/>
         <p:txBody>
           <a:bodyPr>
-            <a:normAutofit lnSpcReduction="10000"/>
+            <a:normAutofit/>
           </a:bodyPr>
           <a:lstStyle/>
           <a:p>
-            <a:r>
-              <a:rPr lang="pt-BR" b="1" dirty="0" err="1" smtClean="0">
+            <a:pPr marL="514350" indent="-514350">
+              <a:buFont typeface="+mj-lt"/>
+              <a:buAutoNum type="arabicPeriod"/>
+            </a:pPr>
+            <a:r>
+              <a:rPr lang="pt-BR" b="1" dirty="0" smtClean="0">
                 <a:solidFill>
                   <a:srgbClr val="0070C0"/>
                 </a:solidFill>
               </a:rPr>
-              <a:t>Comparable</a:t>
-            </a:r>
-            <a:endParaRPr lang="pt-BR" b="1" u="sng" dirty="0" smtClean="0">
-              <a:solidFill>
-                <a:srgbClr val="0070C0"/>
-              </a:solidFill>
-            </a:endParaRPr>
-          </a:p>
-          <a:p>
-            <a:pPr lvl="1"/>
+              <a:t>Situação </a:t>
+            </a:r>
+          </a:p>
+          <a:p>
+            <a:pPr marL="914400" lvl="1" indent="-514350">
+              <a:buFont typeface="+mj-lt"/>
+              <a:buAutoNum type="arabicPeriod"/>
+            </a:pPr>
             <a:r>
               <a:rPr lang="pt-BR" dirty="0" smtClean="0"/>
-              <a:t>Projeto</a:t>
-            </a:r>
-          </a:p>
-          <a:p>
-            <a:pPr lvl="1"/>
+              <a:t>Listar</a:t>
+            </a:r>
+          </a:p>
+          <a:p>
+            <a:pPr marL="914400" lvl="1" indent="-514350">
+              <a:buFont typeface="+mj-lt"/>
+              <a:buAutoNum type="arabicPeriod"/>
+            </a:pPr>
             <a:r>
               <a:rPr lang="pt-BR" dirty="0" smtClean="0"/>
-              <a:t>Tarefa</a:t>
-            </a:r>
-          </a:p>
-          <a:p>
-            <a:pPr lvl="1"/>
+              <a:t>Cadastrar</a:t>
+            </a:r>
+          </a:p>
+          <a:p>
+            <a:pPr marL="914400" lvl="1" indent="-514350">
+              <a:buFont typeface="+mj-lt"/>
+              <a:buAutoNum type="arabicPeriod"/>
+            </a:pPr>
             <a:r>
               <a:rPr lang="pt-BR" dirty="0" smtClean="0"/>
-              <a:t>Situação</a:t>
-            </a:r>
-          </a:p>
-          <a:p>
-            <a:pPr lvl="1"/>
+              <a:t>Editar</a:t>
+            </a:r>
+          </a:p>
+          <a:p>
+            <a:pPr marL="914400" lvl="1" indent="-514350">
+              <a:buFont typeface="+mj-lt"/>
+              <a:buAutoNum type="arabicPeriod"/>
+            </a:pPr>
+            <a:r>
+              <a:rPr lang="pt-BR" dirty="0" smtClean="0"/>
+              <a:t>Remover</a:t>
+            </a:r>
+          </a:p>
+          <a:p>
+            <a:pPr marL="914400" lvl="1" indent="-514350">
+              <a:buFont typeface="+mj-lt"/>
+              <a:buAutoNum type="arabicPeriod"/>
+            </a:pPr>
             <a:endParaRPr lang="pt-BR" dirty="0"/>
           </a:p>
           <a:p>
-            <a:r>
-              <a:rPr lang="pt-BR" b="1" dirty="0" err="1" smtClean="0">
+            <a:pPr marL="514350" indent="-514350">
+              <a:buFont typeface="+mj-lt"/>
+              <a:buAutoNum type="arabicPeriod"/>
+            </a:pPr>
+            <a:r>
+              <a:rPr lang="pt-BR" b="1" dirty="0" smtClean="0">
                 <a:solidFill>
                   <a:srgbClr val="0070C0"/>
                 </a:solidFill>
               </a:rPr>
-              <a:t>Serializable</a:t>
-            </a:r>
-            <a:endParaRPr lang="pt-BR" b="1" dirty="0" smtClean="0">
-              <a:solidFill>
-                <a:srgbClr val="0070C0"/>
-              </a:solidFill>
-            </a:endParaRPr>
-          </a:p>
-          <a:p>
-            <a:pPr lvl="1"/>
+              <a:t>Projeto</a:t>
+            </a:r>
+          </a:p>
+          <a:p>
+            <a:pPr marL="914400" lvl="1" indent="-514350">
+              <a:buFont typeface="+mj-lt"/>
+              <a:buAutoNum type="arabicPeriod"/>
+            </a:pPr>
             <a:r>
               <a:rPr lang="pt-BR" dirty="0" smtClean="0"/>
-              <a:t>Projeto</a:t>
-            </a:r>
-          </a:p>
-          <a:p>
-            <a:pPr lvl="1"/>
+              <a:t>Listar</a:t>
+            </a:r>
+          </a:p>
+          <a:p>
+            <a:pPr marL="914400" lvl="1" indent="-514350">
+              <a:buFont typeface="+mj-lt"/>
+              <a:buAutoNum type="arabicPeriod"/>
+            </a:pPr>
             <a:r>
               <a:rPr lang="pt-BR" dirty="0" smtClean="0"/>
+              <a:t>Cadastrar</a:t>
+            </a:r>
+          </a:p>
+          <a:p>
+            <a:pPr marL="914400" lvl="1" indent="-514350">
+              <a:buFont typeface="+mj-lt"/>
+              <a:buAutoNum type="arabicPeriod"/>
+            </a:pPr>
+            <a:r>
+              <a:rPr lang="pt-BR" dirty="0" smtClean="0"/>
+              <a:t>Editar</a:t>
+            </a:r>
+          </a:p>
+          <a:p>
+            <a:pPr marL="914400" lvl="1" indent="-514350">
+              <a:buFont typeface="+mj-lt"/>
+              <a:buAutoNum type="arabicPeriod"/>
+            </a:pPr>
+            <a:r>
+              <a:rPr lang="pt-BR" dirty="0" smtClean="0"/>
+              <a:t>Remover</a:t>
+            </a:r>
+            <a:endParaRPr lang="en-US" dirty="0" smtClean="0"/>
+          </a:p>
+          <a:p>
+            <a:pPr marL="514350" indent="-514350">
+              <a:buFont typeface="+mj-lt"/>
+              <a:buAutoNum type="arabicPeriod"/>
+            </a:pPr>
+            <a:endParaRPr lang="en-US" dirty="0"/>
+          </a:p>
+        </p:txBody>
+      </p:sp>
+      <p:sp>
+        <p:nvSpPr>
+          <p:cNvPr id="4" name="Espaço Reservado para Conteúdo 3"/>
+          <p:cNvSpPr>
+            <a:spLocks noGrp="1"/>
+          </p:cNvSpPr>
+          <p:nvPr>
+            <p:ph sz="half" idx="2"/>
+          </p:nvPr>
+        </p:nvSpPr>
+        <p:spPr/>
+        <p:txBody>
+          <a:bodyPr>
+            <a:normAutofit/>
+          </a:bodyPr>
+          <a:lstStyle/>
+          <a:p>
+            <a:pPr marL="514350" indent="-514350">
+              <a:buFont typeface="+mj-lt"/>
+              <a:buAutoNum type="arabicPeriod" startAt="3"/>
+            </a:pPr>
+            <a:r>
+              <a:rPr lang="pt-BR" b="1" dirty="0" smtClean="0">
+                <a:solidFill>
+                  <a:srgbClr val="0070C0"/>
+                </a:solidFill>
+              </a:rPr>
               <a:t>Tarefa</a:t>
             </a:r>
           </a:p>
           <a:p>
-            <a:pPr lvl="1"/>
+            <a:pPr marL="914400" lvl="1" indent="-514350">
+              <a:buFont typeface="+mj-lt"/>
+              <a:buAutoNum type="arabicPeriod"/>
+            </a:pPr>
             <a:r>
               <a:rPr lang="pt-BR" dirty="0" smtClean="0"/>
-              <a:t>Situação</a:t>
-            </a:r>
+              <a:t>Listar</a:t>
+            </a:r>
+          </a:p>
+          <a:p>
+            <a:pPr marL="914400" lvl="1" indent="-514350">
+              <a:buFont typeface="+mj-lt"/>
+              <a:buAutoNum type="arabicPeriod"/>
+            </a:pPr>
+            <a:r>
+              <a:rPr lang="pt-BR" dirty="0" smtClean="0"/>
+              <a:t>Cadastrar</a:t>
+            </a:r>
+          </a:p>
+          <a:p>
+            <a:pPr marL="914400" lvl="1" indent="-514350">
+              <a:buFont typeface="+mj-lt"/>
+              <a:buAutoNum type="arabicPeriod"/>
+            </a:pPr>
+            <a:r>
+              <a:rPr lang="pt-BR" dirty="0" smtClean="0"/>
+              <a:t>Editar</a:t>
+            </a:r>
+          </a:p>
+          <a:p>
+            <a:pPr marL="914400" lvl="1" indent="-514350">
+              <a:buFont typeface="+mj-lt"/>
+              <a:buAutoNum type="arabicPeriod"/>
+            </a:pPr>
+            <a:r>
+              <a:rPr lang="pt-BR" dirty="0" smtClean="0"/>
+              <a:t>Remover</a:t>
+            </a:r>
+          </a:p>
+          <a:p>
+            <a:pPr marL="914400" lvl="1" indent="-514350">
+              <a:buFont typeface="+mj-lt"/>
+              <a:buAutoNum type="arabicPeriod"/>
+            </a:pPr>
+            <a:endParaRPr lang="pt-BR" dirty="0"/>
+          </a:p>
+          <a:p>
+            <a:pPr marL="514350" indent="-514350">
+              <a:buFont typeface="+mj-lt"/>
+              <a:buAutoNum type="arabicPeriod" startAt="4"/>
+            </a:pPr>
+            <a:r>
+              <a:rPr lang="pt-BR" b="1" dirty="0" smtClean="0">
+                <a:solidFill>
+                  <a:srgbClr val="0070C0"/>
+                </a:solidFill>
+              </a:rPr>
+              <a:t>Salvar</a:t>
+            </a:r>
+            <a:r>
+              <a:rPr lang="pt-BR" dirty="0" smtClean="0"/>
+              <a:t> em arquivo ao fechar programa</a:t>
+            </a:r>
+          </a:p>
+          <a:p>
+            <a:pPr marL="514350" indent="-514350">
+              <a:buFont typeface="+mj-lt"/>
+              <a:buAutoNum type="arabicPeriod" startAt="4"/>
+            </a:pPr>
+            <a:endParaRPr lang="pt-BR" dirty="0" smtClean="0"/>
+          </a:p>
+          <a:p>
+            <a:pPr marL="514350" indent="-514350">
+              <a:buFont typeface="+mj-lt"/>
+              <a:buAutoNum type="arabicPeriod" startAt="4"/>
+            </a:pPr>
+            <a:r>
+              <a:rPr lang="pt-BR" b="1" dirty="0" smtClean="0">
+                <a:solidFill>
+                  <a:srgbClr val="0070C0"/>
+                </a:solidFill>
+              </a:rPr>
+              <a:t>Recarregar</a:t>
+            </a:r>
+            <a:r>
+              <a:rPr lang="pt-BR" dirty="0" smtClean="0"/>
+              <a:t> arquivo ao abrir </a:t>
+            </a:r>
+            <a:r>
+              <a:rPr lang="pt-BR" dirty="0" smtClean="0"/>
+              <a:t>programa</a:t>
+            </a:r>
+          </a:p>
+          <a:p>
+            <a:pPr marL="514350" indent="-514350">
+              <a:buFont typeface="+mj-lt"/>
+              <a:buAutoNum type="arabicPeriod" startAt="4"/>
+            </a:pPr>
+            <a:endParaRPr lang="pt-BR" dirty="0"/>
+          </a:p>
+          <a:p>
+            <a:pPr marL="514350" indent="-514350">
+              <a:buFont typeface="+mj-lt"/>
+              <a:buAutoNum type="arabicPeriod" startAt="4"/>
+            </a:pPr>
+            <a:r>
+              <a:rPr lang="pt-BR" b="1" dirty="0" smtClean="0">
+                <a:solidFill>
+                  <a:srgbClr val="0070C0"/>
+                </a:solidFill>
+              </a:rPr>
+              <a:t>Buscar</a:t>
+            </a:r>
+            <a:r>
+              <a:rPr lang="pt-BR" dirty="0" smtClean="0"/>
+              <a:t> Tarefas</a:t>
+            </a:r>
+            <a:endParaRPr lang="en-US" dirty="0" smtClean="0"/>
+          </a:p>
+          <a:p>
             <a:endParaRPr lang="en-US" dirty="0"/>
           </a:p>
         </p:txBody>
@@ -4713,6 +5881,13 @@
   <p:clrMapOvr>
     <a:masterClrMapping/>
   </p:clrMapOvr>
+  <p:timing>
+    <p:tnLst>
+      <p:par>
+        <p:cTn id="1" dur="indefinite" restart="never" nodeType="tmRoot"/>
+      </p:par>
+    </p:tnLst>
+  </p:timing>
 </p:sld>
 </file>
 
@@ -4735,6 +5910,85 @@
       </p:grpSpPr>
       <p:sp>
         <p:nvSpPr>
+          <p:cNvPr id="5" name="Título 4"/>
+          <p:cNvSpPr>
+            <a:spLocks noGrp="1"/>
+          </p:cNvSpPr>
+          <p:nvPr>
+            <p:ph type="title"/>
+          </p:nvPr>
+        </p:nvSpPr>
+        <p:spPr/>
+        <p:txBody>
+          <a:bodyPr/>
+          <a:lstStyle/>
+          <a:p>
+            <a:r>
+              <a:rPr lang="pt-BR" dirty="0" smtClean="0"/>
+              <a:t>Direcionamento</a:t>
+            </a:r>
+            <a:endParaRPr lang="pt-BR" dirty="0"/>
+          </a:p>
+        </p:txBody>
+      </p:sp>
+      <p:sp>
+        <p:nvSpPr>
+          <p:cNvPr id="6" name="Espaço Reservado para Texto 5"/>
+          <p:cNvSpPr>
+            <a:spLocks noGrp="1"/>
+          </p:cNvSpPr>
+          <p:nvPr>
+            <p:ph type="body" idx="1"/>
+          </p:nvPr>
+        </p:nvSpPr>
+        <p:spPr/>
+        <p:txBody>
+          <a:bodyPr/>
+          <a:lstStyle/>
+          <a:p>
+            <a:endParaRPr lang="pt-BR"/>
+          </a:p>
+        </p:txBody>
+      </p:sp>
+    </p:spTree>
+    <p:extLst>
+      <p:ext uri="{BB962C8B-B14F-4D97-AF65-F5344CB8AC3E}">
+        <p14:creationId xmlns:p14="http://schemas.microsoft.com/office/powerpoint/2010/main" val="22330388"/>
+      </p:ext>
+    </p:extLst>
+  </p:cSld>
+  <p:clrMapOvr>
+    <a:masterClrMapping/>
+  </p:clrMapOvr>
+  <p:timing>
+    <p:tnLst>
+      <p:par>
+        <p:cTn id="1" dur="indefinite" restart="never" nodeType="tmRoot"/>
+      </p:par>
+    </p:tnLst>
+  </p:timing>
+</p:sld>
+</file>
+
+<file path=ppt/slides/slide7.xml><?xml version="1.0" encoding="utf-8"?>
+<p:sld xmlns:a="http://schemas.openxmlformats.org/drawingml/2006/main" xmlns:r="http://schemas.openxmlformats.org/officeDocument/2006/relationships" xmlns:p="http://schemas.openxmlformats.org/presentationml/2006/main">
+  <p:cSld>
+    <p:spTree>
+      <p:nvGrpSpPr>
+        <p:cNvPr id="1" name=""/>
+        <p:cNvGrpSpPr/>
+        <p:nvPr/>
+      </p:nvGrpSpPr>
+      <p:grpSpPr>
+        <a:xfrm>
+          <a:off x="0" y="0"/>
+          <a:ext cx="0" cy="0"/>
+          <a:chOff x="0" y="0"/>
+          <a:chExt cx="0" cy="0"/>
+        </a:xfrm>
+      </p:grpSpPr>
+      <p:sp>
+        <p:nvSpPr>
           <p:cNvPr id="2" name="Título 1"/>
           <p:cNvSpPr>
             <a:spLocks noGrp="1"/>
@@ -4745,12 +5999,14 @@
         </p:nvSpPr>
         <p:spPr/>
         <p:txBody>
-          <a:bodyPr/>
+          <a:bodyPr>
+            <a:normAutofit/>
+          </a:bodyPr>
           <a:lstStyle/>
           <a:p>
             <a:r>
               <a:rPr lang="pt-BR" dirty="0" smtClean="0"/>
-              <a:t>Deve-se</a:t>
+              <a:t>Padrões de Projeto</a:t>
             </a:r>
             <a:endParaRPr lang="en-US" dirty="0"/>
           </a:p>
@@ -4758,7 +6014,7 @@
       </p:sp>
       <p:sp>
         <p:nvSpPr>
-          <p:cNvPr id="3" name="Espaço Reservado para Conteúdo 2"/>
+          <p:cNvPr id="5" name="Espaço Reservado para Conteúdo 4"/>
           <p:cNvSpPr>
             <a:spLocks noGrp="1"/>
           </p:cNvSpPr>
@@ -4768,44 +6024,183 @@
         </p:nvSpPr>
         <p:spPr/>
         <p:txBody>
-          <a:bodyPr/>
-          <a:lstStyle/>
-          <a:p>
+          <a:bodyPr>
+            <a:normAutofit fontScale="77500" lnSpcReduction="20000"/>
+          </a:bodyPr>
+          <a:lstStyle/>
+          <a:p>
+            <a:r>
+              <a:rPr lang="pt-BR" b="1" dirty="0" smtClean="0">
+                <a:solidFill>
+                  <a:srgbClr val="0070C0"/>
+                </a:solidFill>
+              </a:rPr>
+              <a:t>MVC – </a:t>
+            </a:r>
+            <a:r>
+              <a:rPr lang="pt-BR" b="1" dirty="0" err="1" smtClean="0">
+                <a:solidFill>
+                  <a:srgbClr val="0070C0"/>
+                </a:solidFill>
+              </a:rPr>
+              <a:t>Model</a:t>
+            </a:r>
+            <a:r>
+              <a:rPr lang="pt-BR" b="1" dirty="0" smtClean="0">
+                <a:solidFill>
+                  <a:srgbClr val="0070C0"/>
+                </a:solidFill>
+              </a:rPr>
+              <a:t>, </a:t>
+            </a:r>
+            <a:r>
+              <a:rPr lang="pt-BR" b="1" dirty="0" err="1" smtClean="0">
+                <a:solidFill>
+                  <a:srgbClr val="0070C0"/>
+                </a:solidFill>
+              </a:rPr>
+              <a:t>View</a:t>
+            </a:r>
+            <a:r>
+              <a:rPr lang="pt-BR" b="1" dirty="0" smtClean="0">
+                <a:solidFill>
+                  <a:srgbClr val="0070C0"/>
+                </a:solidFill>
+              </a:rPr>
+              <a:t>, </a:t>
+            </a:r>
+            <a:r>
+              <a:rPr lang="pt-BR" b="1" dirty="0" err="1" smtClean="0">
+                <a:solidFill>
+                  <a:srgbClr val="0070C0"/>
+                </a:solidFill>
+              </a:rPr>
+              <a:t>Controler</a:t>
+            </a:r>
+            <a:endParaRPr lang="pt-BR" b="1" dirty="0" smtClean="0">
+              <a:solidFill>
+                <a:srgbClr val="0070C0"/>
+              </a:solidFill>
+            </a:endParaRPr>
+          </a:p>
+          <a:p>
+            <a:pPr lvl="1"/>
             <a:r>
               <a:rPr lang="pt-BR" dirty="0" smtClean="0"/>
-              <a:t>Fazer no </a:t>
-            </a:r>
+              <a:t>Modelos:</a:t>
+            </a:r>
+          </a:p>
+          <a:p>
+            <a:pPr lvl="2"/>
+            <a:r>
+              <a:rPr lang="pt-BR" dirty="0" smtClean="0"/>
+              <a:t>Situação</a:t>
+            </a:r>
+          </a:p>
+          <a:p>
+            <a:pPr lvl="2"/>
+            <a:r>
+              <a:rPr lang="pt-BR" dirty="0" smtClean="0"/>
+              <a:t>Tarefa</a:t>
+            </a:r>
+          </a:p>
+          <a:p>
+            <a:pPr lvl="2"/>
+            <a:r>
+              <a:rPr lang="pt-BR" dirty="0" smtClean="0"/>
+              <a:t>Projeto</a:t>
+            </a:r>
+          </a:p>
+          <a:p>
+            <a:endParaRPr lang="pt-BR" dirty="0"/>
+          </a:p>
+          <a:p>
+            <a:r>
+              <a:rPr lang="pt-BR" b="1" dirty="0" err="1" smtClean="0">
+                <a:solidFill>
+                  <a:srgbClr val="0070C0"/>
+                </a:solidFill>
+              </a:rPr>
+              <a:t>Service</a:t>
+            </a:r>
+            <a:endParaRPr lang="pt-BR" b="1" dirty="0" smtClean="0">
+              <a:solidFill>
+                <a:srgbClr val="0070C0"/>
+              </a:solidFill>
+            </a:endParaRPr>
+          </a:p>
+          <a:p>
+            <a:pPr lvl="1"/>
             <a:r>
               <a:rPr lang="pt-BR" dirty="0" err="1" smtClean="0"/>
-              <a:t>GitHub</a:t>
+              <a:t>ArquivoService</a:t>
             </a:r>
             <a:r>
               <a:rPr lang="pt-BR" dirty="0" smtClean="0"/>
-              <a:t> ou </a:t>
-            </a:r>
+              <a:t>: salvar, recarregar</a:t>
+            </a:r>
+          </a:p>
+          <a:p>
+            <a:endParaRPr lang="pt-BR" dirty="0" smtClean="0"/>
+          </a:p>
+          <a:p>
+            <a:r>
+              <a:rPr lang="pt-BR" b="1" dirty="0" err="1" smtClean="0">
+                <a:solidFill>
+                  <a:srgbClr val="0070C0"/>
+                </a:solidFill>
+              </a:rPr>
+              <a:t>Singleton</a:t>
+            </a:r>
+            <a:endParaRPr lang="pt-BR" b="1" dirty="0" smtClean="0">
+              <a:solidFill>
+                <a:srgbClr val="0070C0"/>
+              </a:solidFill>
+            </a:endParaRPr>
+          </a:p>
+          <a:p>
+            <a:pPr lvl="1"/>
             <a:r>
               <a:rPr lang="pt-BR" dirty="0" err="1" smtClean="0"/>
-              <a:t>GoogleCode</a:t>
-            </a:r>
-            <a:endParaRPr lang="en-US" dirty="0" smtClean="0"/>
-          </a:p>
-          <a:p>
+              <a:t>BancoDeDados</a:t>
+            </a:r>
             <a:endParaRPr lang="pt-BR" dirty="0" smtClean="0"/>
           </a:p>
           <a:p>
+            <a:pPr lvl="1"/>
+            <a:endParaRPr lang="pt-BR" dirty="0"/>
+          </a:p>
+          <a:p>
+            <a:r>
+              <a:rPr lang="pt-BR" b="1" dirty="0" err="1" smtClean="0">
+                <a:solidFill>
+                  <a:srgbClr val="0070C0"/>
+                </a:solidFill>
+              </a:rPr>
+              <a:t>Factory</a:t>
+            </a:r>
+            <a:endParaRPr lang="pt-BR" b="1" dirty="0" smtClean="0">
+              <a:solidFill>
+                <a:srgbClr val="0070C0"/>
+              </a:solidFill>
+            </a:endParaRPr>
+          </a:p>
+          <a:p>
+            <a:pPr lvl="1"/>
             <a:r>
               <a:rPr lang="pt-BR" dirty="0" smtClean="0"/>
-              <a:t>Fazer em dupla</a:t>
-            </a:r>
-          </a:p>
-          <a:p>
-            <a:endParaRPr lang="pt-BR" dirty="0" smtClean="0"/>
-          </a:p>
-          <a:p>
-            <a:r>
-              <a:rPr lang="pt-BR" dirty="0" smtClean="0"/>
-              <a:t>Seguir os Padrões de Projeto</a:t>
-            </a:r>
+              <a:t>Telas</a:t>
+            </a:r>
+          </a:p>
+          <a:p>
+            <a:pPr lvl="1"/>
+            <a:endParaRPr lang="pt-BR" dirty="0"/>
+          </a:p>
+          <a:p>
+            <a:endParaRPr lang="pt-BR" dirty="0"/>
+          </a:p>
+          <a:p>
+            <a:endParaRPr lang="en-US" dirty="0"/>
           </a:p>
         </p:txBody>
       </p:sp>
@@ -4814,13 +6209,302 @@
   <p:clrMapOvr>
     <a:masterClrMapping/>
   </p:clrMapOvr>
+  <p:timing>
+    <p:tnLst>
+      <p:par>
+        <p:cTn id="1" dur="indefinite" restart="never" nodeType="tmRoot"/>
+      </p:par>
+    </p:tnLst>
+  </p:timing>
+</p:sld>
+</file>
+
+<file path=ppt/slides/slide8.xml><?xml version="1.0" encoding="utf-8"?>
+<p:sld xmlns:a="http://schemas.openxmlformats.org/drawingml/2006/main" xmlns:r="http://schemas.openxmlformats.org/officeDocument/2006/relationships" xmlns:p="http://schemas.openxmlformats.org/presentationml/2006/main">
+  <p:cSld>
+    <p:spTree>
+      <p:nvGrpSpPr>
+        <p:cNvPr id="1" name=""/>
+        <p:cNvGrpSpPr/>
+        <p:nvPr/>
+      </p:nvGrpSpPr>
+      <p:grpSpPr>
+        <a:xfrm>
+          <a:off x="0" y="0"/>
+          <a:ext cx="0" cy="0"/>
+          <a:chOff x="0" y="0"/>
+          <a:chExt cx="0" cy="0"/>
+        </a:xfrm>
+      </p:grpSpPr>
+      <p:sp>
+        <p:nvSpPr>
+          <p:cNvPr id="2" name="Título 1"/>
+          <p:cNvSpPr>
+            <a:spLocks noGrp="1"/>
+          </p:cNvSpPr>
+          <p:nvPr>
+            <p:ph type="title"/>
+          </p:nvPr>
+        </p:nvSpPr>
+        <p:spPr/>
+        <p:txBody>
+          <a:bodyPr>
+            <a:normAutofit/>
+          </a:bodyPr>
+          <a:lstStyle/>
+          <a:p>
+            <a:r>
+              <a:rPr lang="pt-BR" dirty="0" smtClean="0"/>
+              <a:t>Padrões de Projeto</a:t>
+            </a:r>
+            <a:endParaRPr lang="en-US" dirty="0"/>
+          </a:p>
+        </p:txBody>
+      </p:sp>
+      <p:sp>
+        <p:nvSpPr>
+          <p:cNvPr id="5" name="Espaço Reservado para Conteúdo 4"/>
+          <p:cNvSpPr>
+            <a:spLocks noGrp="1"/>
+          </p:cNvSpPr>
+          <p:nvPr>
+            <p:ph idx="1"/>
+          </p:nvPr>
+        </p:nvSpPr>
+        <p:spPr/>
+        <p:txBody>
+          <a:bodyPr>
+            <a:normAutofit/>
+          </a:bodyPr>
+          <a:lstStyle/>
+          <a:p>
+            <a:r>
+              <a:rPr lang="pt-BR" b="1" dirty="0" err="1" smtClean="0">
+                <a:solidFill>
+                  <a:srgbClr val="0070C0"/>
+                </a:solidFill>
+              </a:rPr>
+              <a:t>Strategy</a:t>
+            </a:r>
+            <a:endParaRPr lang="pt-BR" b="1" dirty="0">
+              <a:solidFill>
+                <a:srgbClr val="0070C0"/>
+              </a:solidFill>
+            </a:endParaRPr>
+          </a:p>
+          <a:p>
+            <a:pPr lvl="1"/>
+            <a:r>
+              <a:rPr lang="pt-BR" dirty="0" smtClean="0"/>
+              <a:t>Ordenação das tarefas:</a:t>
+            </a:r>
+            <a:endParaRPr lang="pt-BR" dirty="0"/>
+          </a:p>
+          <a:p>
+            <a:pPr lvl="2"/>
+            <a:r>
+              <a:rPr lang="pt-BR" dirty="0" smtClean="0"/>
+              <a:t>Implementar um algoritmo de ordenação</a:t>
+            </a:r>
+          </a:p>
+          <a:p>
+            <a:pPr lvl="2"/>
+            <a:r>
+              <a:rPr lang="pt-BR" dirty="0" smtClean="0"/>
+              <a:t>Usar o </a:t>
+            </a:r>
+            <a:r>
+              <a:rPr lang="pt-BR" dirty="0" err="1" smtClean="0"/>
+              <a:t>Quicksort</a:t>
+            </a:r>
+            <a:endParaRPr lang="pt-BR" dirty="0"/>
+          </a:p>
+          <a:p>
+            <a:pPr lvl="1"/>
+            <a:endParaRPr lang="pt-BR" dirty="0"/>
+          </a:p>
+          <a:p>
+            <a:endParaRPr lang="pt-BR" dirty="0"/>
+          </a:p>
+          <a:p>
+            <a:endParaRPr lang="en-US" dirty="0"/>
+          </a:p>
+        </p:txBody>
+      </p:sp>
+    </p:spTree>
+    <p:extLst>
+      <p:ext uri="{BB962C8B-B14F-4D97-AF65-F5344CB8AC3E}">
+        <p14:creationId xmlns:p14="http://schemas.microsoft.com/office/powerpoint/2010/main" val="2545713470"/>
+      </p:ext>
+    </p:extLst>
+  </p:cSld>
+  <p:clrMapOvr>
+    <a:masterClrMapping/>
+  </p:clrMapOvr>
+  <p:timing>
+    <p:tnLst>
+      <p:par>
+        <p:cTn id="1" dur="indefinite" restart="never" nodeType="tmRoot"/>
+      </p:par>
+    </p:tnLst>
+  </p:timing>
+</p:sld>
+</file>
+
+<file path=ppt/slides/slide9.xml><?xml version="1.0" encoding="utf-8"?>
+<p:sld xmlns:a="http://schemas.openxmlformats.org/drawingml/2006/main" xmlns:r="http://schemas.openxmlformats.org/officeDocument/2006/relationships" xmlns:p="http://schemas.openxmlformats.org/presentationml/2006/main">
+  <p:cSld>
+    <p:spTree>
+      <p:nvGrpSpPr>
+        <p:cNvPr id="1" name=""/>
+        <p:cNvGrpSpPr/>
+        <p:nvPr/>
+      </p:nvGrpSpPr>
+      <p:grpSpPr>
+        <a:xfrm>
+          <a:off x="0" y="0"/>
+          <a:ext cx="0" cy="0"/>
+          <a:chOff x="0" y="0"/>
+          <a:chExt cx="0" cy="0"/>
+        </a:xfrm>
+      </p:grpSpPr>
+      <p:sp>
+        <p:nvSpPr>
+          <p:cNvPr id="2" name="Título 1"/>
+          <p:cNvSpPr>
+            <a:spLocks noGrp="1"/>
+          </p:cNvSpPr>
+          <p:nvPr>
+            <p:ph type="title"/>
+          </p:nvPr>
+        </p:nvSpPr>
+        <p:spPr/>
+        <p:txBody>
+          <a:bodyPr/>
+          <a:lstStyle/>
+          <a:p>
+            <a:r>
+              <a:rPr lang="pt-BR" dirty="0" smtClean="0"/>
+              <a:t>Principais Interfaces</a:t>
+            </a:r>
+            <a:endParaRPr lang="en-US" dirty="0"/>
+          </a:p>
+        </p:txBody>
+      </p:sp>
+      <p:sp>
+        <p:nvSpPr>
+          <p:cNvPr id="3" name="Espaço Reservado para Conteúdo 2"/>
+          <p:cNvSpPr>
+            <a:spLocks noGrp="1"/>
+          </p:cNvSpPr>
+          <p:nvPr>
+            <p:ph idx="1"/>
+          </p:nvPr>
+        </p:nvSpPr>
+        <p:spPr/>
+        <p:txBody>
+          <a:bodyPr>
+            <a:normAutofit/>
+          </a:bodyPr>
+          <a:lstStyle/>
+          <a:p>
+            <a:r>
+              <a:rPr lang="pt-BR" b="1" dirty="0" err="1" smtClean="0">
+                <a:solidFill>
+                  <a:srgbClr val="0070C0"/>
+                </a:solidFill>
+              </a:rPr>
+              <a:t>Comparable</a:t>
+            </a:r>
+            <a:endParaRPr lang="pt-BR" b="1" u="sng" dirty="0" smtClean="0">
+              <a:solidFill>
+                <a:srgbClr val="0070C0"/>
+              </a:solidFill>
+            </a:endParaRPr>
+          </a:p>
+          <a:p>
+            <a:pPr lvl="1"/>
+            <a:r>
+              <a:rPr lang="pt-BR" dirty="0" smtClean="0"/>
+              <a:t>Projeto</a:t>
+            </a:r>
+          </a:p>
+          <a:p>
+            <a:pPr lvl="1"/>
+            <a:r>
+              <a:rPr lang="pt-BR" dirty="0" smtClean="0"/>
+              <a:t>Tarefa</a:t>
+            </a:r>
+          </a:p>
+          <a:p>
+            <a:pPr lvl="1"/>
+            <a:r>
+              <a:rPr lang="pt-BR" dirty="0" smtClean="0"/>
+              <a:t>Situação</a:t>
+            </a:r>
+          </a:p>
+          <a:p>
+            <a:pPr lvl="1"/>
+            <a:endParaRPr lang="pt-BR" dirty="0"/>
+          </a:p>
+          <a:p>
+            <a:r>
+              <a:rPr lang="pt-BR" b="1" dirty="0" err="1" smtClean="0">
+                <a:solidFill>
+                  <a:srgbClr val="0070C0"/>
+                </a:solidFill>
+              </a:rPr>
+              <a:t>Serializable</a:t>
+            </a:r>
+            <a:endParaRPr lang="pt-BR" b="1" dirty="0" smtClean="0">
+              <a:solidFill>
+                <a:srgbClr val="0070C0"/>
+              </a:solidFill>
+            </a:endParaRPr>
+          </a:p>
+          <a:p>
+            <a:pPr lvl="1"/>
+            <a:r>
+              <a:rPr lang="pt-BR" dirty="0" smtClean="0"/>
+              <a:t>Projeto</a:t>
+            </a:r>
+          </a:p>
+          <a:p>
+            <a:pPr lvl="1"/>
+            <a:r>
+              <a:rPr lang="pt-BR" dirty="0" smtClean="0"/>
+              <a:t>Tarefa</a:t>
+            </a:r>
+          </a:p>
+          <a:p>
+            <a:pPr lvl="1"/>
+            <a:r>
+              <a:rPr lang="pt-BR" dirty="0" smtClean="0"/>
+              <a:t>Situação</a:t>
+            </a:r>
+            <a:endParaRPr lang="en-US" dirty="0"/>
+          </a:p>
+        </p:txBody>
+      </p:sp>
+    </p:spTree>
+  </p:cSld>
+  <p:clrMapOvr>
+    <a:masterClrMapping/>
+  </p:clrMapOvr>
+  <p:timing>
+    <p:tnLst>
+      <p:par>
+        <p:cTn id="1" dur="indefinite" restart="never" nodeType="tmRoot"/>
+      </p:par>
+    </p:tnLst>
+  </p:timing>
 </p:sld>
 </file>
 
 <file path=ppt/theme/theme1.xml><?xml version="1.0" encoding="utf-8"?>
-<a:theme xmlns:a="http://schemas.openxmlformats.org/drawingml/2006/main" name="Tema do Office">
+<a:theme xmlns:a="http://schemas.openxmlformats.org/drawingml/2006/main" name="Urbano">
   <a:themeElements>
-    <a:clrScheme name="Escritório">
+    <a:clrScheme name="Urbano">
       <a:dk1>
         <a:sysClr val="windowText" lastClr="000000"/>
       </a:dk1>
@@ -4828,46 +6512,81 @@
         <a:sysClr val="window" lastClr="FFFFFF"/>
       </a:lt1>
       <a:dk2>
-        <a:srgbClr val="1F497D"/>
+        <a:srgbClr val="424456"/>
       </a:dk2>
       <a:lt2>
-        <a:srgbClr val="EEECE1"/>
+        <a:srgbClr val="DEDEDE"/>
       </a:lt2>
       <a:accent1>
-        <a:srgbClr val="4F81BD"/>
+        <a:srgbClr val="53548A"/>
       </a:accent1>
       <a:accent2>
-        <a:srgbClr val="C0504D"/>
+        <a:srgbClr val="438086"/>
       </a:accent2>
       <a:accent3>
-        <a:srgbClr val="9BBB59"/>
+        <a:srgbClr val="A04DA3"/>
       </a:accent3>
       <a:accent4>
-        <a:srgbClr val="8064A2"/>
+        <a:srgbClr val="C4652D"/>
       </a:accent4>
       <a:accent5>
-        <a:srgbClr val="4BACC6"/>
+        <a:srgbClr val="8B5D3D"/>
       </a:accent5>
       <a:accent6>
-        <a:srgbClr val="F79646"/>
+        <a:srgbClr val="5C92B5"/>
       </a:accent6>
       <a:hlink>
-        <a:srgbClr val="0000FF"/>
+        <a:srgbClr val="67AFBD"/>
       </a:hlink>
       <a:folHlink>
-        <a:srgbClr val="800080"/>
+        <a:srgbClr val="C2A874"/>
       </a:folHlink>
     </a:clrScheme>
-    <a:fontScheme name="Escritório">
+    <a:fontScheme name="Urbano">
       <a:majorFont>
-        <a:latin typeface="Calibri"/>
+        <a:latin typeface="Trebuchet MS"/>
         <a:ea typeface=""/>
         <a:cs typeface=""/>
-        <a:font script="Jpan" typeface="ＭＳ Ｐゴシック"/>
+        <a:font script="Jpan" typeface="HGｺﾞｼｯｸM"/>
+        <a:font script="Hang" typeface="맑은 고딕"/>
+        <a:font script="Hans" typeface="方正姚体"/>
+        <a:font script="Hant" typeface="微軟正黑體"/>
+        <a:font script="Arab" typeface="Tahoma"/>
+        <a:font script="Hebr" typeface="Arial"/>
+        <a:font script="Thai" typeface="Cordia New"/>
+        <a:font script="Ethi" typeface="Nyala"/>
+        <a:font script="Beng" typeface="Vrinda"/>
+        <a:font script="Gujr" typeface="Shruti"/>
+        <a:font script="Khmr" typeface="DaunPenh"/>
+        <a:font script="Knda" typeface="Tunga"/>
+        <a:font script="Guru" typeface="Raavi"/>
+        <a:font script="Cans" typeface="Euphemia"/>
+        <a:font script="Cher" typeface="Plantagenet Cherokee"/>
+        <a:font script="Yiii" typeface="Microsoft Yi Baiti"/>
+        <a:font script="Tibt" typeface="Microsoft Himalaya"/>
+        <a:font script="Thaa" typeface="MV Boli"/>
+        <a:font script="Deva" typeface="Mangal"/>
+        <a:font script="Telu" typeface="Gautami"/>
+        <a:font script="Taml" typeface="Latha"/>
+        <a:font script="Syrc" typeface="Estrangelo Edessa"/>
+        <a:font script="Orya" typeface="Kalinga"/>
+        <a:font script="Mlym" typeface="Kartika"/>
+        <a:font script="Laoo" typeface="DokChampa"/>
+        <a:font script="Sinh" typeface="Iskoola Pota"/>
+        <a:font script="Mong" typeface="Mongolian Baiti"/>
+        <a:font script="Viet" typeface="Tahoma"/>
+        <a:font script="Uigh" typeface="Microsoft Uighur"/>
+        <a:font script="Geor" typeface="Sylfaen"/>
+      </a:majorFont>
+      <a:minorFont>
+        <a:latin typeface="Georgia"/>
+        <a:ea typeface=""/>
+        <a:cs typeface=""/>
+        <a:font script="Jpan" typeface="HG明朝B"/>
         <a:font script="Hang" typeface="맑은 고딕"/>
         <a:font script="Hans" typeface="宋体"/>
         <a:font script="Hant" typeface="新細明體"/>
-        <a:font script="Arab" typeface="Times New Roman"/>
+        <a:font script="Arab" typeface="Arial"/>
         <a:font script="Hebr" typeface="Times New Roman"/>
         <a:font script="Thai" typeface="Angsana New"/>
         <a:font script="Ethi" typeface="Nyala"/>
@@ -4892,43 +6611,10 @@
         <a:font script="Mong" typeface="Mongolian Baiti"/>
         <a:font script="Viet" typeface="Times New Roman"/>
         <a:font script="Uigh" typeface="Microsoft Uighur"/>
-      </a:majorFont>
-      <a:minorFont>
-        <a:latin typeface="Calibri"/>
-        <a:ea typeface=""/>
-        <a:cs typeface=""/>
-        <a:font script="Jpan" typeface="ＭＳ Ｐゴシック"/>
-        <a:font script="Hang" typeface="맑은 고딕"/>
-        <a:font script="Hans" typeface="宋体"/>
-        <a:font script="Hant" typeface="新細明體"/>
-        <a:font script="Arab" typeface="Arial"/>
-        <a:font script="Hebr" typeface="Arial"/>
-        <a:font script="Thai" typeface="Cordia New"/>
-        <a:font script="Ethi" typeface="Nyala"/>
-        <a:font script="Beng" typeface="Vrinda"/>
-        <a:font script="Gujr" typeface="Shruti"/>
-        <a:font script="Khmr" typeface="DaunPenh"/>
-        <a:font script="Knda" typeface="Tunga"/>
-        <a:font script="Guru" typeface="Raavi"/>
-        <a:font script="Cans" typeface="Euphemia"/>
-        <a:font script="Cher" typeface="Plantagenet Cherokee"/>
-        <a:font script="Yiii" typeface="Microsoft Yi Baiti"/>
-        <a:font script="Tibt" typeface="Microsoft Himalaya"/>
-        <a:font script="Thaa" typeface="MV Boli"/>
-        <a:font script="Deva" typeface="Mangal"/>
-        <a:font script="Telu" typeface="Gautami"/>
-        <a:font script="Taml" typeface="Latha"/>
-        <a:font script="Syrc" typeface="Estrangelo Edessa"/>
-        <a:font script="Orya" typeface="Kalinga"/>
-        <a:font script="Mlym" typeface="Kartika"/>
-        <a:font script="Laoo" typeface="DokChampa"/>
-        <a:font script="Sinh" typeface="Iskoola Pota"/>
-        <a:font script="Mong" typeface="Mongolian Baiti"/>
-        <a:font script="Viet" typeface="Arial"/>
-        <a:font script="Uigh" typeface="Microsoft Uighur"/>
+        <a:font script="Geor" typeface="Sylfaen"/>
       </a:minorFont>
     </a:fontScheme>
-    <a:fmtScheme name="Escritório">
+    <a:fmtScheme name="Urbano">
       <a:fillStyleLst>
         <a:solidFill>
           <a:schemeClr val="phClr"/>
@@ -4937,66 +6623,66 @@
           <a:gsLst>
             <a:gs pos="0">
               <a:schemeClr val="phClr">
-                <a:tint val="50000"/>
-                <a:satMod val="300000"/>
+                <a:tint val="1000"/>
+                <a:satMod val="255000"/>
               </a:schemeClr>
             </a:gs>
-            <a:gs pos="35000">
+            <a:gs pos="55000">
               <a:schemeClr val="phClr">
-                <a:tint val="37000"/>
-                <a:satMod val="300000"/>
+                <a:tint val="12000"/>
+                <a:satMod val="255000"/>
               </a:schemeClr>
             </a:gs>
             <a:gs pos="100000">
               <a:schemeClr val="phClr">
-                <a:tint val="15000"/>
-                <a:satMod val="350000"/>
+                <a:tint val="45000"/>
+                <a:satMod val="250000"/>
               </a:schemeClr>
             </a:gs>
           </a:gsLst>
-          <a:lin ang="16200000" scaled="1"/>
+          <a:path path="circle">
+            <a:fillToRect l="-40000" t="-90000" r="140000" b="190000"/>
+          </a:path>
         </a:gradFill>
         <a:gradFill rotWithShape="1">
           <a:gsLst>
             <a:gs pos="0">
               <a:schemeClr val="phClr">
-                <a:shade val="51000"/>
-                <a:satMod val="130000"/>
+                <a:tint val="43000"/>
+                <a:satMod val="165000"/>
               </a:schemeClr>
             </a:gs>
-            <a:gs pos="80000">
+            <a:gs pos="55000">
               <a:schemeClr val="phClr">
-                <a:shade val="93000"/>
-                <a:satMod val="130000"/>
+                <a:tint val="83000"/>
+                <a:satMod val="155000"/>
               </a:schemeClr>
             </a:gs>
             <a:gs pos="100000">
               <a:schemeClr val="phClr">
-                <a:shade val="94000"/>
-                <a:satMod val="135000"/>
+                <a:shade val="85000"/>
               </a:schemeClr>
             </a:gs>
           </a:gsLst>
-          <a:lin ang="16200000" scaled="0"/>
+          <a:path path="circle">
+            <a:fillToRect l="-40000" t="-90000" r="140000" b="190000"/>
+          </a:path>
         </a:gradFill>
       </a:fillStyleLst>
       <a:lnStyleLst>
         <a:ln w="9525" cap="flat" cmpd="sng" algn="ctr">
           <a:solidFill>
-            <a:schemeClr val="phClr">
-              <a:shade val="95000"/>
-              <a:satMod val="105000"/>
-            </a:schemeClr>
+            <a:schemeClr val="phClr"/>
           </a:solidFill>
           <a:prstDash val="solid"/>
         </a:ln>
-        <a:ln w="25400" cap="flat" cmpd="sng" algn="ctr">
+        <a:ln w="19050" cap="flat" cmpd="sng" algn="ctr">
           <a:solidFill>
             <a:schemeClr val="phClr"/>
           </a:solidFill>
           <a:prstDash val="solid"/>
         </a:ln>
-        <a:ln w="38100" cap="flat" cmpd="sng" algn="ctr">
+        <a:ln w="31750" cap="flat" cmpd="sng" algn="ctr">
           <a:solidFill>
             <a:schemeClr val="phClr"/>
           </a:solidFill>
@@ -5006,40 +6692,45 @@
       <a:effectStyleLst>
         <a:effectStyle>
           <a:effectLst>
-            <a:outerShdw blurRad="40000" dist="20000" dir="5400000" rotWithShape="0">
+            <a:outerShdw blurRad="51500" dist="25400" dir="5400000" rotWithShape="0">
               <a:srgbClr val="000000">
-                <a:alpha val="38000"/>
+                <a:alpha val="40000"/>
               </a:srgbClr>
             </a:outerShdw>
           </a:effectLst>
         </a:effectStyle>
         <a:effectStyle>
           <a:effectLst>
-            <a:outerShdw blurRad="40000" dist="23000" dir="5400000" rotWithShape="0">
+            <a:outerShdw blurRad="50800" dist="25400" dir="5400000" rotWithShape="0">
               <a:srgbClr val="000000">
-                <a:alpha val="35000"/>
+                <a:alpha val="45000"/>
               </a:srgbClr>
             </a:outerShdw>
           </a:effectLst>
         </a:effectStyle>
         <a:effectStyle>
           <a:effectLst>
-            <a:outerShdw blurRad="40000" dist="23000" dir="5400000" rotWithShape="0">
+            <a:outerShdw blurRad="50800" dist="25400" dir="5400000" rotWithShape="0">
               <a:srgbClr val="000000">
-                <a:alpha val="35000"/>
+                <a:alpha val="45000"/>
               </a:srgbClr>
             </a:outerShdw>
           </a:effectLst>
           <a:scene3d>
-            <a:camera prst="orthographicFront">
+            <a:camera prst="orthographicFront" fov="0">
               <a:rot lat="0" lon="0" rev="0"/>
             </a:camera>
-            <a:lightRig rig="threePt" dir="t">
-              <a:rot lat="0" lon="0" rev="1200000"/>
+            <a:lightRig rig="flat" dir="t">
+              <a:rot lat="0" lon="0" rev="20040000"/>
             </a:lightRig>
           </a:scene3d>
-          <a:sp3d>
-            <a:bevelT w="63500" h="25400"/>
+          <a:sp3d contourW="12700" prstMaterial="dkEdge">
+            <a:bevelT w="25400" h="38100" prst="convex"/>
+            <a:contourClr>
+              <a:schemeClr val="phClr">
+                <a:satMod val="115000"/>
+              </a:schemeClr>
+            </a:contourClr>
           </a:sp3d>
         </a:effectStyle>
       </a:effectStyleLst>
@@ -5049,49 +6740,41 @@
         </a:solidFill>
         <a:gradFill rotWithShape="1">
           <a:gsLst>
+            <a:gs pos="100000">
+              <a:schemeClr val="phClr">
+                <a:tint val="80000"/>
+                <a:satMod val="250000"/>
+              </a:schemeClr>
+            </a:gs>
+            <a:gs pos="60000">
+              <a:schemeClr val="phClr">
+                <a:shade val="38000"/>
+                <a:satMod val="175000"/>
+              </a:schemeClr>
+            </a:gs>
             <a:gs pos="0">
               <a:schemeClr val="phClr">
-                <a:tint val="40000"/>
-                <a:satMod val="350000"/>
-              </a:schemeClr>
-            </a:gs>
-            <a:gs pos="40000">
-              <a:schemeClr val="phClr">
-                <a:tint val="45000"/>
-                <a:shade val="99000"/>
-                <a:satMod val="350000"/>
-              </a:schemeClr>
-            </a:gs>
-            <a:gs pos="100000">
-              <a:schemeClr val="phClr">
-                <a:shade val="20000"/>
-                <a:satMod val="255000"/>
+                <a:shade val="30000"/>
+                <a:satMod val="175000"/>
               </a:schemeClr>
             </a:gs>
           </a:gsLst>
-          <a:path path="circle">
-            <a:fillToRect l="50000" t="-80000" r="50000" b="180000"/>
-          </a:path>
+          <a:lin ang="5400000" scaled="0"/>
         </a:gradFill>
-        <a:gradFill rotWithShape="1">
-          <a:gsLst>
-            <a:gs pos="0">
+        <a:blipFill>
+          <a:blip xmlns:r="http://schemas.openxmlformats.org/officeDocument/2006/relationships" r:embed="rId1">
+            <a:duotone>
               <a:schemeClr val="phClr">
-                <a:tint val="80000"/>
-                <a:satMod val="300000"/>
+                <a:shade val="48000"/>
               </a:schemeClr>
-            </a:gs>
-            <a:gs pos="100000">
               <a:schemeClr val="phClr">
-                <a:shade val="30000"/>
-                <a:satMod val="200000"/>
+                <a:tint val="96000"/>
+                <a:satMod val="150000"/>
               </a:schemeClr>
-            </a:gs>
-          </a:gsLst>
-          <a:path path="circle">
-            <a:fillToRect l="50000" t="50000" r="50000" b="50000"/>
-          </a:path>
-        </a:gradFill>
+            </a:duotone>
+          </a:blip>
+          <a:tile tx="0" ty="0" sx="80000" sy="80000" flip="none" algn="tl"/>
+        </a:blipFill>
       </a:bgFillStyleLst>
     </a:fmtScheme>
   </a:themeElements>

--- a/docs/Trabalho-Final.pptx
+++ b/docs/Trabalho-Final.pptx
@@ -5,7 +5,7 @@
     <p:sldMasterId id="2147483972" r:id="rId1"/>
   </p:sldMasterIdLst>
   <p:notesMasterIdLst>
-    <p:notesMasterId r:id="rId12"/>
+    <p:notesMasterId r:id="rId16"/>
   </p:notesMasterIdLst>
   <p:sldIdLst>
     <p:sldId id="256" r:id="rId2"/>
@@ -13,11 +13,15 @@
     <p:sldId id="262" r:id="rId4"/>
     <p:sldId id="257" r:id="rId5"/>
     <p:sldId id="258" r:id="rId6"/>
-    <p:sldId id="264" r:id="rId7"/>
-    <p:sldId id="259" r:id="rId8"/>
-    <p:sldId id="265" r:id="rId9"/>
-    <p:sldId id="261" r:id="rId10"/>
-    <p:sldId id="260" r:id="rId11"/>
+    <p:sldId id="266" r:id="rId7"/>
+    <p:sldId id="267" r:id="rId8"/>
+    <p:sldId id="268" r:id="rId9"/>
+    <p:sldId id="269" r:id="rId10"/>
+    <p:sldId id="264" r:id="rId11"/>
+    <p:sldId id="259" r:id="rId12"/>
+    <p:sldId id="265" r:id="rId13"/>
+    <p:sldId id="261" r:id="rId14"/>
+    <p:sldId id="260" r:id="rId15"/>
   </p:sldIdLst>
   <p:sldSz cx="9144000" cy="6858000" type="screen4x3"/>
   <p:notesSz cx="6858000" cy="9144000"/>
@@ -201,7 +205,7 @@
           <a:p>
             <a:fld id="{70189321-DFDA-43F5-BCE8-1C18FB318627}" type="datetimeFigureOut">
               <a:rPr lang="en-US" smtClean="0"/>
-              <a:t>6/27/2013</a:t>
+              <a:t>7/19/2013</a:t>
             </a:fld>
             <a:endParaRPr lang="en-US"/>
           </a:p>
@@ -781,7 +785,7 @@
           <a:p>
             <a:fld id="{164AA0AC-6FA9-4431-92AA-FE6C8525E1A5}" type="slidenum">
               <a:rPr lang="en-US" smtClean="0"/>
-              <a:t>7</a:t>
+              <a:t>11</a:t>
             </a:fld>
             <a:endParaRPr lang="en-US"/>
           </a:p>
@@ -862,7 +866,7 @@
           <a:p>
             <a:fld id="{164AA0AC-6FA9-4431-92AA-FE6C8525E1A5}" type="slidenum">
               <a:rPr lang="en-US" smtClean="0"/>
-              <a:t>8</a:t>
+              <a:t>12</a:t>
             </a:fld>
             <a:endParaRPr lang="en-US"/>
           </a:p>
@@ -943,7 +947,7 @@
           <a:p>
             <a:fld id="{164AA0AC-6FA9-4431-92AA-FE6C8525E1A5}" type="slidenum">
               <a:rPr lang="en-US" smtClean="0"/>
-              <a:t>9</a:t>
+              <a:t>13</a:t>
             </a:fld>
             <a:endParaRPr lang="en-US"/>
           </a:p>
@@ -1024,7 +1028,7 @@
           <a:p>
             <a:fld id="{164AA0AC-6FA9-4431-92AA-FE6C8525E1A5}" type="slidenum">
               <a:rPr lang="en-US" smtClean="0"/>
-              <a:t>10</a:t>
+              <a:t>14</a:t>
             </a:fld>
             <a:endParaRPr lang="en-US"/>
           </a:p>
@@ -1696,7 +1700,7 @@
           <a:p>
             <a:fld id="{E4B07001-C032-4E44-8CAA-EF950BEDBEFC}" type="datetimeFigureOut">
               <a:rPr lang="en-US" smtClean="0"/>
-              <a:t>6/27/2013</a:t>
+              <a:t>7/19/2013</a:t>
             </a:fld>
             <a:endParaRPr lang="en-US"/>
           </a:p>
@@ -1879,7 +1883,7 @@
           <a:p>
             <a:fld id="{E4B07001-C032-4E44-8CAA-EF950BEDBEFC}" type="datetimeFigureOut">
               <a:rPr lang="en-US" smtClean="0"/>
-              <a:t>6/27/2013</a:t>
+              <a:t>7/19/2013</a:t>
             </a:fld>
             <a:endParaRPr lang="en-US"/>
           </a:p>
@@ -2054,7 +2058,7 @@
           <a:p>
             <a:fld id="{E4B07001-C032-4E44-8CAA-EF950BEDBEFC}" type="datetimeFigureOut">
               <a:rPr lang="en-US" smtClean="0"/>
-              <a:t>6/27/2013</a:t>
+              <a:t>7/19/2013</a:t>
             </a:fld>
             <a:endParaRPr lang="en-US"/>
           </a:p>
@@ -2219,7 +2223,7 @@
           <a:p>
             <a:fld id="{E4B07001-C032-4E44-8CAA-EF950BEDBEFC}" type="datetimeFigureOut">
               <a:rPr lang="en-US" smtClean="0"/>
-              <a:t>6/27/2013</a:t>
+              <a:t>7/19/2013</a:t>
             </a:fld>
             <a:endParaRPr lang="en-US"/>
           </a:p>
@@ -2440,7 +2444,7 @@
           <a:p>
             <a:fld id="{E4B07001-C032-4E44-8CAA-EF950BEDBEFC}" type="datetimeFigureOut">
               <a:rPr lang="en-US" smtClean="0"/>
-              <a:t>6/27/2013</a:t>
+              <a:t>7/19/2013</a:t>
             </a:fld>
             <a:endParaRPr lang="en-US"/>
           </a:p>
@@ -2699,7 +2703,7 @@
           <a:p>
             <a:fld id="{E4B07001-C032-4E44-8CAA-EF950BEDBEFC}" type="datetimeFigureOut">
               <a:rPr lang="en-US" smtClean="0"/>
-              <a:t>6/27/2013</a:t>
+              <a:t>7/19/2013</a:t>
             </a:fld>
             <a:endParaRPr lang="en-US"/>
           </a:p>
@@ -3103,7 +3107,7 @@
           <a:p>
             <a:fld id="{E4B07001-C032-4E44-8CAA-EF950BEDBEFC}" type="datetimeFigureOut">
               <a:rPr lang="en-US" smtClean="0"/>
-              <a:t>6/27/2013</a:t>
+              <a:t>7/19/2013</a:t>
             </a:fld>
             <a:endParaRPr lang="en-US"/>
           </a:p>
@@ -3234,7 +3238,7 @@
           <a:p>
             <a:fld id="{E4B07001-C032-4E44-8CAA-EF950BEDBEFC}" type="datetimeFigureOut">
               <a:rPr lang="en-US" smtClean="0"/>
-              <a:t>6/27/2013</a:t>
+              <a:t>7/19/2013</a:t>
             </a:fld>
             <a:endParaRPr lang="en-US"/>
           </a:p>
@@ -3334,7 +3338,7 @@
           <a:p>
             <a:fld id="{E4B07001-C032-4E44-8CAA-EF950BEDBEFC}" type="datetimeFigureOut">
               <a:rPr lang="en-US" smtClean="0"/>
-              <a:t>6/27/2013</a:t>
+              <a:t>7/19/2013</a:t>
             </a:fld>
             <a:endParaRPr lang="en-US"/>
           </a:p>
@@ -3579,7 +3583,7 @@
           <a:p>
             <a:fld id="{E4B07001-C032-4E44-8CAA-EF950BEDBEFC}" type="datetimeFigureOut">
               <a:rPr lang="en-US" smtClean="0"/>
-              <a:t>6/27/2013</a:t>
+              <a:t>7/19/2013</a:t>
             </a:fld>
             <a:endParaRPr lang="en-US"/>
           </a:p>
@@ -3823,7 +3827,7 @@
           <a:p>
             <a:fld id="{E4B07001-C032-4E44-8CAA-EF950BEDBEFC}" type="datetimeFigureOut">
               <a:rPr lang="en-US" smtClean="0"/>
-              <a:t>6/27/2013</a:t>
+              <a:t>7/19/2013</a:t>
             </a:fld>
             <a:endParaRPr lang="en-US"/>
           </a:p>
@@ -4647,7 +4651,7 @@
           <a:p>
             <a:fld id="{E4B07001-C032-4E44-8CAA-EF950BEDBEFC}" type="datetimeFigureOut">
               <a:rPr lang="en-US" smtClean="0"/>
-              <a:t>6/27/2013</a:t>
+              <a:t>7/19/2013</a:t>
             </a:fld>
             <a:endParaRPr lang="en-US"/>
           </a:p>
@@ -5161,6 +5165,616 @@
       </p:grpSpPr>
       <p:sp>
         <p:nvSpPr>
+          <p:cNvPr id="5" name="Título 4"/>
+          <p:cNvSpPr>
+            <a:spLocks noGrp="1"/>
+          </p:cNvSpPr>
+          <p:nvPr>
+            <p:ph type="title"/>
+          </p:nvPr>
+        </p:nvSpPr>
+        <p:spPr/>
+        <p:txBody>
+          <a:bodyPr/>
+          <a:lstStyle/>
+          <a:p>
+            <a:r>
+              <a:rPr lang="pt-BR" dirty="0" smtClean="0"/>
+              <a:t>Direcionamento</a:t>
+            </a:r>
+            <a:endParaRPr lang="pt-BR" dirty="0"/>
+          </a:p>
+        </p:txBody>
+      </p:sp>
+      <p:sp>
+        <p:nvSpPr>
+          <p:cNvPr id="6" name="Espaço Reservado para Texto 5"/>
+          <p:cNvSpPr>
+            <a:spLocks noGrp="1"/>
+          </p:cNvSpPr>
+          <p:nvPr>
+            <p:ph type="body" idx="1"/>
+          </p:nvPr>
+        </p:nvSpPr>
+        <p:spPr/>
+        <p:txBody>
+          <a:bodyPr/>
+          <a:lstStyle/>
+          <a:p>
+            <a:endParaRPr lang="pt-BR"/>
+          </a:p>
+        </p:txBody>
+      </p:sp>
+    </p:spTree>
+    <p:extLst>
+      <p:ext uri="{BB962C8B-B14F-4D97-AF65-F5344CB8AC3E}">
+        <p14:creationId xmlns:p14="http://schemas.microsoft.com/office/powerpoint/2010/main" val="22330388"/>
+      </p:ext>
+    </p:extLst>
+  </p:cSld>
+  <p:clrMapOvr>
+    <a:masterClrMapping/>
+  </p:clrMapOvr>
+  <p:timing>
+    <p:tnLst>
+      <p:par>
+        <p:cTn id="1" dur="indefinite" restart="never" nodeType="tmRoot"/>
+      </p:par>
+    </p:tnLst>
+  </p:timing>
+</p:sld>
+</file>
+
+<file path=ppt/slides/slide11.xml><?xml version="1.0" encoding="utf-8"?>
+<p:sld xmlns:a="http://schemas.openxmlformats.org/drawingml/2006/main" xmlns:r="http://schemas.openxmlformats.org/officeDocument/2006/relationships" xmlns:p="http://schemas.openxmlformats.org/presentationml/2006/main">
+  <p:cSld>
+    <p:spTree>
+      <p:nvGrpSpPr>
+        <p:cNvPr id="1" name=""/>
+        <p:cNvGrpSpPr/>
+        <p:nvPr/>
+      </p:nvGrpSpPr>
+      <p:grpSpPr>
+        <a:xfrm>
+          <a:off x="0" y="0"/>
+          <a:ext cx="0" cy="0"/>
+          <a:chOff x="0" y="0"/>
+          <a:chExt cx="0" cy="0"/>
+        </a:xfrm>
+      </p:grpSpPr>
+      <p:sp>
+        <p:nvSpPr>
+          <p:cNvPr id="2" name="Título 1"/>
+          <p:cNvSpPr>
+            <a:spLocks noGrp="1"/>
+          </p:cNvSpPr>
+          <p:nvPr>
+            <p:ph type="title"/>
+          </p:nvPr>
+        </p:nvSpPr>
+        <p:spPr/>
+        <p:txBody>
+          <a:bodyPr>
+            <a:normAutofit/>
+          </a:bodyPr>
+          <a:lstStyle/>
+          <a:p>
+            <a:r>
+              <a:rPr lang="pt-BR" dirty="0" smtClean="0"/>
+              <a:t>Padrões de Projeto</a:t>
+            </a:r>
+            <a:endParaRPr lang="en-US" dirty="0"/>
+          </a:p>
+        </p:txBody>
+      </p:sp>
+      <p:sp>
+        <p:nvSpPr>
+          <p:cNvPr id="5" name="Espaço Reservado para Conteúdo 4"/>
+          <p:cNvSpPr>
+            <a:spLocks noGrp="1"/>
+          </p:cNvSpPr>
+          <p:nvPr>
+            <p:ph idx="1"/>
+          </p:nvPr>
+        </p:nvSpPr>
+        <p:spPr/>
+        <p:txBody>
+          <a:bodyPr>
+            <a:normAutofit fontScale="77500" lnSpcReduction="20000"/>
+          </a:bodyPr>
+          <a:lstStyle/>
+          <a:p>
+            <a:r>
+              <a:rPr lang="pt-BR" b="1" dirty="0" smtClean="0">
+                <a:solidFill>
+                  <a:srgbClr val="0070C0"/>
+                </a:solidFill>
+              </a:rPr>
+              <a:t>MVC – </a:t>
+            </a:r>
+            <a:r>
+              <a:rPr lang="pt-BR" b="1" dirty="0" err="1" smtClean="0">
+                <a:solidFill>
+                  <a:srgbClr val="0070C0"/>
+                </a:solidFill>
+              </a:rPr>
+              <a:t>Model</a:t>
+            </a:r>
+            <a:r>
+              <a:rPr lang="pt-BR" b="1" dirty="0" smtClean="0">
+                <a:solidFill>
+                  <a:srgbClr val="0070C0"/>
+                </a:solidFill>
+              </a:rPr>
+              <a:t>, </a:t>
+            </a:r>
+            <a:r>
+              <a:rPr lang="pt-BR" b="1" dirty="0" err="1" smtClean="0">
+                <a:solidFill>
+                  <a:srgbClr val="0070C0"/>
+                </a:solidFill>
+              </a:rPr>
+              <a:t>View</a:t>
+            </a:r>
+            <a:r>
+              <a:rPr lang="pt-BR" b="1" dirty="0" smtClean="0">
+                <a:solidFill>
+                  <a:srgbClr val="0070C0"/>
+                </a:solidFill>
+              </a:rPr>
+              <a:t>, </a:t>
+            </a:r>
+            <a:r>
+              <a:rPr lang="pt-BR" b="1" dirty="0" err="1" smtClean="0">
+                <a:solidFill>
+                  <a:srgbClr val="0070C0"/>
+                </a:solidFill>
+              </a:rPr>
+              <a:t>Controler</a:t>
+            </a:r>
+            <a:endParaRPr lang="pt-BR" b="1" dirty="0" smtClean="0">
+              <a:solidFill>
+                <a:srgbClr val="0070C0"/>
+              </a:solidFill>
+            </a:endParaRPr>
+          </a:p>
+          <a:p>
+            <a:pPr lvl="1"/>
+            <a:r>
+              <a:rPr lang="pt-BR" dirty="0" smtClean="0"/>
+              <a:t>Modelos:</a:t>
+            </a:r>
+          </a:p>
+          <a:p>
+            <a:pPr lvl="2"/>
+            <a:r>
+              <a:rPr lang="pt-BR" dirty="0" smtClean="0"/>
+              <a:t>Situação</a:t>
+            </a:r>
+          </a:p>
+          <a:p>
+            <a:pPr lvl="2"/>
+            <a:r>
+              <a:rPr lang="pt-BR" dirty="0" smtClean="0"/>
+              <a:t>Tarefa</a:t>
+            </a:r>
+          </a:p>
+          <a:p>
+            <a:pPr lvl="2"/>
+            <a:r>
+              <a:rPr lang="pt-BR" dirty="0" smtClean="0"/>
+              <a:t>Projeto</a:t>
+            </a:r>
+          </a:p>
+          <a:p>
+            <a:endParaRPr lang="pt-BR" dirty="0"/>
+          </a:p>
+          <a:p>
+            <a:r>
+              <a:rPr lang="pt-BR" b="1" dirty="0" err="1" smtClean="0">
+                <a:solidFill>
+                  <a:srgbClr val="0070C0"/>
+                </a:solidFill>
+              </a:rPr>
+              <a:t>Service</a:t>
+            </a:r>
+            <a:endParaRPr lang="pt-BR" b="1" dirty="0" smtClean="0">
+              <a:solidFill>
+                <a:srgbClr val="0070C0"/>
+              </a:solidFill>
+            </a:endParaRPr>
+          </a:p>
+          <a:p>
+            <a:pPr lvl="1"/>
+            <a:r>
+              <a:rPr lang="pt-BR" dirty="0" err="1" smtClean="0"/>
+              <a:t>ArquivoService</a:t>
+            </a:r>
+            <a:r>
+              <a:rPr lang="pt-BR" dirty="0" smtClean="0"/>
+              <a:t>: salvar, recarregar</a:t>
+            </a:r>
+          </a:p>
+          <a:p>
+            <a:endParaRPr lang="pt-BR" dirty="0" smtClean="0"/>
+          </a:p>
+          <a:p>
+            <a:r>
+              <a:rPr lang="pt-BR" b="1" dirty="0" err="1" smtClean="0">
+                <a:solidFill>
+                  <a:srgbClr val="0070C0"/>
+                </a:solidFill>
+              </a:rPr>
+              <a:t>Singleton</a:t>
+            </a:r>
+            <a:endParaRPr lang="pt-BR" b="1" dirty="0" smtClean="0">
+              <a:solidFill>
+                <a:srgbClr val="0070C0"/>
+              </a:solidFill>
+            </a:endParaRPr>
+          </a:p>
+          <a:p>
+            <a:pPr lvl="1"/>
+            <a:r>
+              <a:rPr lang="pt-BR" dirty="0" err="1" smtClean="0"/>
+              <a:t>BancoDeDados</a:t>
+            </a:r>
+            <a:endParaRPr lang="pt-BR" dirty="0" smtClean="0"/>
+          </a:p>
+          <a:p>
+            <a:pPr lvl="1"/>
+            <a:endParaRPr lang="pt-BR" dirty="0"/>
+          </a:p>
+          <a:p>
+            <a:r>
+              <a:rPr lang="pt-BR" b="1" dirty="0" err="1" smtClean="0">
+                <a:solidFill>
+                  <a:srgbClr val="0070C0"/>
+                </a:solidFill>
+              </a:rPr>
+              <a:t>Factory</a:t>
+            </a:r>
+            <a:endParaRPr lang="pt-BR" b="1" dirty="0" smtClean="0">
+              <a:solidFill>
+                <a:srgbClr val="0070C0"/>
+              </a:solidFill>
+            </a:endParaRPr>
+          </a:p>
+          <a:p>
+            <a:pPr lvl="1"/>
+            <a:r>
+              <a:rPr lang="pt-BR" dirty="0" smtClean="0"/>
+              <a:t>Telas</a:t>
+            </a:r>
+          </a:p>
+          <a:p>
+            <a:pPr lvl="1"/>
+            <a:endParaRPr lang="pt-BR" dirty="0"/>
+          </a:p>
+          <a:p>
+            <a:endParaRPr lang="pt-BR" dirty="0"/>
+          </a:p>
+          <a:p>
+            <a:endParaRPr lang="en-US" dirty="0"/>
+          </a:p>
+        </p:txBody>
+      </p:sp>
+    </p:spTree>
+  </p:cSld>
+  <p:clrMapOvr>
+    <a:masterClrMapping/>
+  </p:clrMapOvr>
+  <p:timing>
+    <p:tnLst>
+      <p:par>
+        <p:cTn id="1" dur="indefinite" restart="never" nodeType="tmRoot"/>
+      </p:par>
+    </p:tnLst>
+  </p:timing>
+</p:sld>
+</file>
+
+<file path=ppt/slides/slide12.xml><?xml version="1.0" encoding="utf-8"?>
+<p:sld xmlns:a="http://schemas.openxmlformats.org/drawingml/2006/main" xmlns:r="http://schemas.openxmlformats.org/officeDocument/2006/relationships" xmlns:p="http://schemas.openxmlformats.org/presentationml/2006/main">
+  <p:cSld>
+    <p:spTree>
+      <p:nvGrpSpPr>
+        <p:cNvPr id="1" name=""/>
+        <p:cNvGrpSpPr/>
+        <p:nvPr/>
+      </p:nvGrpSpPr>
+      <p:grpSpPr>
+        <a:xfrm>
+          <a:off x="0" y="0"/>
+          <a:ext cx="0" cy="0"/>
+          <a:chOff x="0" y="0"/>
+          <a:chExt cx="0" cy="0"/>
+        </a:xfrm>
+      </p:grpSpPr>
+      <p:sp>
+        <p:nvSpPr>
+          <p:cNvPr id="2" name="Título 1"/>
+          <p:cNvSpPr>
+            <a:spLocks noGrp="1"/>
+          </p:cNvSpPr>
+          <p:nvPr>
+            <p:ph type="title"/>
+          </p:nvPr>
+        </p:nvSpPr>
+        <p:spPr/>
+        <p:txBody>
+          <a:bodyPr>
+            <a:normAutofit/>
+          </a:bodyPr>
+          <a:lstStyle/>
+          <a:p>
+            <a:r>
+              <a:rPr lang="pt-BR" dirty="0" smtClean="0"/>
+              <a:t>Padrões de Projeto</a:t>
+            </a:r>
+            <a:endParaRPr lang="en-US" dirty="0"/>
+          </a:p>
+        </p:txBody>
+      </p:sp>
+      <p:sp>
+        <p:nvSpPr>
+          <p:cNvPr id="5" name="Espaço Reservado para Conteúdo 4"/>
+          <p:cNvSpPr>
+            <a:spLocks noGrp="1"/>
+          </p:cNvSpPr>
+          <p:nvPr>
+            <p:ph idx="1"/>
+          </p:nvPr>
+        </p:nvSpPr>
+        <p:spPr/>
+        <p:txBody>
+          <a:bodyPr>
+            <a:normAutofit/>
+          </a:bodyPr>
+          <a:lstStyle/>
+          <a:p>
+            <a:r>
+              <a:rPr lang="pt-BR" b="1" dirty="0" err="1" smtClean="0">
+                <a:solidFill>
+                  <a:srgbClr val="0070C0"/>
+                </a:solidFill>
+              </a:rPr>
+              <a:t>Strategy</a:t>
+            </a:r>
+            <a:endParaRPr lang="pt-BR" b="1" dirty="0">
+              <a:solidFill>
+                <a:srgbClr val="0070C0"/>
+              </a:solidFill>
+            </a:endParaRPr>
+          </a:p>
+          <a:p>
+            <a:pPr lvl="1"/>
+            <a:r>
+              <a:rPr lang="pt-BR" dirty="0" smtClean="0"/>
+              <a:t>Ordenação das tarefas:</a:t>
+            </a:r>
+            <a:endParaRPr lang="pt-BR" dirty="0"/>
+          </a:p>
+          <a:p>
+            <a:pPr lvl="2"/>
+            <a:r>
+              <a:rPr lang="pt-BR" dirty="0" smtClean="0"/>
+              <a:t>Implementar um algoritmo de ordenação</a:t>
+            </a:r>
+          </a:p>
+          <a:p>
+            <a:pPr lvl="2"/>
+            <a:r>
+              <a:rPr lang="pt-BR" dirty="0" smtClean="0"/>
+              <a:t>Usar o </a:t>
+            </a:r>
+            <a:r>
+              <a:rPr lang="pt-BR" dirty="0" err="1" smtClean="0"/>
+              <a:t>Quicksort</a:t>
+            </a:r>
+            <a:endParaRPr lang="pt-BR" dirty="0"/>
+          </a:p>
+          <a:p>
+            <a:pPr lvl="1"/>
+            <a:endParaRPr lang="pt-BR" dirty="0"/>
+          </a:p>
+          <a:p>
+            <a:endParaRPr lang="pt-BR" dirty="0"/>
+          </a:p>
+          <a:p>
+            <a:endParaRPr lang="en-US" dirty="0"/>
+          </a:p>
+        </p:txBody>
+      </p:sp>
+    </p:spTree>
+    <p:extLst>
+      <p:ext uri="{BB962C8B-B14F-4D97-AF65-F5344CB8AC3E}">
+        <p14:creationId xmlns:p14="http://schemas.microsoft.com/office/powerpoint/2010/main" val="2545713470"/>
+      </p:ext>
+    </p:extLst>
+  </p:cSld>
+  <p:clrMapOvr>
+    <a:masterClrMapping/>
+  </p:clrMapOvr>
+  <p:timing>
+    <p:tnLst>
+      <p:par>
+        <p:cTn id="1" dur="indefinite" restart="never" nodeType="tmRoot"/>
+      </p:par>
+    </p:tnLst>
+  </p:timing>
+</p:sld>
+</file>
+
+<file path=ppt/slides/slide13.xml><?xml version="1.0" encoding="utf-8"?>
+<p:sld xmlns:a="http://schemas.openxmlformats.org/drawingml/2006/main" xmlns:r="http://schemas.openxmlformats.org/officeDocument/2006/relationships" xmlns:p="http://schemas.openxmlformats.org/presentationml/2006/main">
+  <p:cSld>
+    <p:spTree>
+      <p:nvGrpSpPr>
+        <p:cNvPr id="1" name=""/>
+        <p:cNvGrpSpPr/>
+        <p:nvPr/>
+      </p:nvGrpSpPr>
+      <p:grpSpPr>
+        <a:xfrm>
+          <a:off x="0" y="0"/>
+          <a:ext cx="0" cy="0"/>
+          <a:chOff x="0" y="0"/>
+          <a:chExt cx="0" cy="0"/>
+        </a:xfrm>
+      </p:grpSpPr>
+      <p:sp>
+        <p:nvSpPr>
+          <p:cNvPr id="2" name="Título 1"/>
+          <p:cNvSpPr>
+            <a:spLocks noGrp="1"/>
+          </p:cNvSpPr>
+          <p:nvPr>
+            <p:ph type="title"/>
+          </p:nvPr>
+        </p:nvSpPr>
+        <p:spPr/>
+        <p:txBody>
+          <a:bodyPr/>
+          <a:lstStyle/>
+          <a:p>
+            <a:r>
+              <a:rPr lang="pt-BR" dirty="0" smtClean="0"/>
+              <a:t>Principais Interfaces</a:t>
+            </a:r>
+            <a:endParaRPr lang="en-US" dirty="0"/>
+          </a:p>
+        </p:txBody>
+      </p:sp>
+      <p:sp>
+        <p:nvSpPr>
+          <p:cNvPr id="3" name="Espaço Reservado para Conteúdo 2"/>
+          <p:cNvSpPr>
+            <a:spLocks noGrp="1"/>
+          </p:cNvSpPr>
+          <p:nvPr>
+            <p:ph idx="1"/>
+          </p:nvPr>
+        </p:nvSpPr>
+        <p:spPr/>
+        <p:txBody>
+          <a:bodyPr>
+            <a:normAutofit/>
+          </a:bodyPr>
+          <a:lstStyle/>
+          <a:p>
+            <a:r>
+              <a:rPr lang="pt-BR" b="1" dirty="0" err="1" smtClean="0">
+                <a:solidFill>
+                  <a:srgbClr val="0070C0"/>
+                </a:solidFill>
+              </a:rPr>
+              <a:t>Comparable</a:t>
+            </a:r>
+            <a:endParaRPr lang="pt-BR" b="1" u="sng" dirty="0" smtClean="0">
+              <a:solidFill>
+                <a:srgbClr val="0070C0"/>
+              </a:solidFill>
+            </a:endParaRPr>
+          </a:p>
+          <a:p>
+            <a:pPr lvl="1"/>
+            <a:r>
+              <a:rPr lang="pt-BR" dirty="0" smtClean="0"/>
+              <a:t>Projeto</a:t>
+            </a:r>
+          </a:p>
+          <a:p>
+            <a:pPr lvl="1"/>
+            <a:r>
+              <a:rPr lang="pt-BR" dirty="0" smtClean="0"/>
+              <a:t>Tarefa</a:t>
+            </a:r>
+          </a:p>
+          <a:p>
+            <a:pPr lvl="1"/>
+            <a:r>
+              <a:rPr lang="pt-BR" dirty="0" smtClean="0"/>
+              <a:t>Situação</a:t>
+            </a:r>
+          </a:p>
+          <a:p>
+            <a:pPr lvl="1"/>
+            <a:endParaRPr lang="pt-BR" dirty="0"/>
+          </a:p>
+          <a:p>
+            <a:r>
+              <a:rPr lang="pt-BR" b="1" dirty="0" err="1" smtClean="0">
+                <a:solidFill>
+                  <a:srgbClr val="0070C0"/>
+                </a:solidFill>
+              </a:rPr>
+              <a:t>Serializable</a:t>
+            </a:r>
+            <a:endParaRPr lang="pt-BR" b="1" dirty="0" smtClean="0">
+              <a:solidFill>
+                <a:srgbClr val="0070C0"/>
+              </a:solidFill>
+            </a:endParaRPr>
+          </a:p>
+          <a:p>
+            <a:pPr lvl="1"/>
+            <a:r>
+              <a:rPr lang="pt-BR" dirty="0" smtClean="0"/>
+              <a:t>Projeto</a:t>
+            </a:r>
+          </a:p>
+          <a:p>
+            <a:pPr lvl="1"/>
+            <a:r>
+              <a:rPr lang="pt-BR" dirty="0" smtClean="0"/>
+              <a:t>Tarefa</a:t>
+            </a:r>
+          </a:p>
+          <a:p>
+            <a:pPr lvl="1"/>
+            <a:r>
+              <a:rPr lang="pt-BR" dirty="0" smtClean="0"/>
+              <a:t>Situação</a:t>
+            </a:r>
+            <a:endParaRPr lang="en-US" dirty="0"/>
+          </a:p>
+        </p:txBody>
+      </p:sp>
+    </p:spTree>
+  </p:cSld>
+  <p:clrMapOvr>
+    <a:masterClrMapping/>
+  </p:clrMapOvr>
+  <p:timing>
+    <p:tnLst>
+      <p:par>
+        <p:cTn id="1" dur="indefinite" restart="never" nodeType="tmRoot"/>
+      </p:par>
+    </p:tnLst>
+  </p:timing>
+</p:sld>
+</file>
+
+<file path=ppt/slides/slide14.xml><?xml version="1.0" encoding="utf-8"?>
+<p:sld xmlns:a="http://schemas.openxmlformats.org/drawingml/2006/main" xmlns:r="http://schemas.openxmlformats.org/officeDocument/2006/relationships" xmlns:p="http://schemas.openxmlformats.org/presentationml/2006/main">
+  <p:cSld>
+    <p:spTree>
+      <p:nvGrpSpPr>
+        <p:cNvPr id="1" name=""/>
+        <p:cNvGrpSpPr/>
+        <p:nvPr/>
+      </p:nvGrpSpPr>
+      <p:grpSpPr>
+        <a:xfrm>
+          <a:off x="0" y="0"/>
+          <a:ext cx="0" cy="0"/>
+          <a:chOff x="0" y="0"/>
+          <a:chExt cx="0" cy="0"/>
+        </a:xfrm>
+      </p:grpSpPr>
+      <p:sp>
+        <p:nvSpPr>
           <p:cNvPr id="2" name="Título 1"/>
           <p:cNvSpPr>
             <a:spLocks noGrp="1"/>
@@ -5838,11 +6452,7 @@
             </a:r>
             <a:r>
               <a:rPr lang="pt-BR" dirty="0" smtClean="0"/>
-              <a:t> arquivo ao abrir </a:t>
-            </a:r>
-            <a:r>
-              <a:rPr lang="pt-BR" dirty="0" smtClean="0"/>
-              <a:t>programa</a:t>
+              <a:t> arquivo ao abrir programa</a:t>
             </a:r>
           </a:p>
           <a:p>
@@ -5925,7 +6535,7 @@
           <a:p>
             <a:r>
               <a:rPr lang="pt-BR" dirty="0" smtClean="0"/>
-              <a:t>Direcionamento</a:t>
+              <a:t>Telas</a:t>
             </a:r>
             <a:endParaRPr lang="pt-BR" dirty="0"/>
           </a:p>
@@ -5946,27 +6556,20 @@
           <a:bodyPr/>
           <a:lstStyle/>
           <a:p>
-            <a:endParaRPr lang="pt-BR"/>
+            <a:endParaRPr lang="pt-BR" dirty="0"/>
           </a:p>
         </p:txBody>
       </p:sp>
     </p:spTree>
     <p:extLst>
       <p:ext uri="{BB962C8B-B14F-4D97-AF65-F5344CB8AC3E}">
-        <p14:creationId xmlns:p14="http://schemas.microsoft.com/office/powerpoint/2010/main" val="22330388"/>
+        <p14:creationId xmlns:p14="http://schemas.microsoft.com/office/powerpoint/2010/main" val="2119493802"/>
       </p:ext>
     </p:extLst>
   </p:cSld>
   <p:clrMapOvr>
     <a:masterClrMapping/>
   </p:clrMapOvr>
-  <p:timing>
-    <p:tnLst>
-      <p:par>
-        <p:cTn id="1" dur="indefinite" restart="never" nodeType="tmRoot"/>
-      </p:par>
-    </p:tnLst>
-  </p:timing>
 </p:sld>
 </file>
 
@@ -5989,7 +6592,7 @@
       </p:grpSpPr>
       <p:sp>
         <p:nvSpPr>
-          <p:cNvPr id="2" name="Título 1"/>
+          <p:cNvPr id="5" name="Título 4"/>
           <p:cNvSpPr>
             <a:spLocks noGrp="1"/>
           </p:cNvSpPr>
@@ -5999,223 +6602,499 @@
         </p:nvSpPr>
         <p:spPr/>
         <p:txBody>
-          <a:bodyPr>
-            <a:normAutofit/>
-          </a:bodyPr>
+          <a:bodyPr/>
           <a:lstStyle/>
           <a:p>
             <a:r>
               <a:rPr lang="pt-BR" dirty="0" smtClean="0"/>
-              <a:t>Padrões de Projeto</a:t>
-            </a:r>
-            <a:endParaRPr lang="en-US" dirty="0"/>
-          </a:p>
-        </p:txBody>
-      </p:sp>
-      <p:sp>
-        <p:nvSpPr>
-          <p:cNvPr id="5" name="Espaço Reservado para Conteúdo 4"/>
-          <p:cNvSpPr>
-            <a:spLocks noGrp="1"/>
-          </p:cNvSpPr>
-          <p:nvPr>
-            <p:ph idx="1"/>
-          </p:nvPr>
-        </p:nvSpPr>
-        <p:spPr/>
-        <p:txBody>
-          <a:bodyPr>
-            <a:normAutofit fontScale="77500" lnSpcReduction="20000"/>
-          </a:bodyPr>
-          <a:lstStyle/>
-          <a:p>
-            <a:r>
-              <a:rPr lang="pt-BR" b="1" dirty="0" smtClean="0">
-                <a:solidFill>
-                  <a:srgbClr val="0070C0"/>
-                </a:solidFill>
-              </a:rPr>
-              <a:t>MVC – </a:t>
-            </a:r>
-            <a:r>
-              <a:rPr lang="pt-BR" b="1" dirty="0" err="1" smtClean="0">
-                <a:solidFill>
-                  <a:srgbClr val="0070C0"/>
-                </a:solidFill>
-              </a:rPr>
-              <a:t>Model</a:t>
-            </a:r>
-            <a:r>
-              <a:rPr lang="pt-BR" b="1" dirty="0" smtClean="0">
-                <a:solidFill>
-                  <a:srgbClr val="0070C0"/>
-                </a:solidFill>
-              </a:rPr>
-              <a:t>, </a:t>
-            </a:r>
-            <a:r>
-              <a:rPr lang="pt-BR" b="1" dirty="0" err="1" smtClean="0">
-                <a:solidFill>
-                  <a:srgbClr val="0070C0"/>
-                </a:solidFill>
-              </a:rPr>
-              <a:t>View</a:t>
-            </a:r>
-            <a:r>
-              <a:rPr lang="pt-BR" b="1" dirty="0" smtClean="0">
-                <a:solidFill>
-                  <a:srgbClr val="0070C0"/>
-                </a:solidFill>
-              </a:rPr>
-              <a:t>, </a:t>
-            </a:r>
-            <a:r>
-              <a:rPr lang="pt-BR" b="1" dirty="0" err="1" smtClean="0">
-                <a:solidFill>
-                  <a:srgbClr val="0070C0"/>
-                </a:solidFill>
-              </a:rPr>
-              <a:t>Controler</a:t>
-            </a:r>
-            <a:endParaRPr lang="pt-BR" b="1" dirty="0" smtClean="0">
-              <a:solidFill>
-                <a:srgbClr val="0070C0"/>
-              </a:solidFill>
-            </a:endParaRPr>
-          </a:p>
-          <a:p>
-            <a:pPr lvl="1"/>
+              <a:t>Listagem de projetos</a:t>
+            </a:r>
+            <a:endParaRPr lang="pt-BR" dirty="0"/>
+          </a:p>
+        </p:txBody>
+      </p:sp>
+      <p:sp>
+        <p:nvSpPr>
+          <p:cNvPr id="6" name="Retângulo 5"/>
+          <p:cNvSpPr/>
+          <p:nvPr/>
+        </p:nvSpPr>
+        <p:spPr>
+          <a:xfrm>
+            <a:off x="611560" y="2492896"/>
+            <a:ext cx="8208912" cy="4032448"/>
+          </a:xfrm>
+          <a:prstGeom prst="rect">
+            <a:avLst/>
+          </a:prstGeom>
+        </p:spPr>
+        <p:style>
+          <a:lnRef idx="1">
+            <a:schemeClr val="dk1"/>
+          </a:lnRef>
+          <a:fillRef idx="2">
+            <a:schemeClr val="dk1"/>
+          </a:fillRef>
+          <a:effectRef idx="1">
+            <a:schemeClr val="dk1"/>
+          </a:effectRef>
+          <a:fontRef idx="minor">
+            <a:schemeClr val="dk1"/>
+          </a:fontRef>
+        </p:style>
+        <p:txBody>
+          <a:bodyPr rtlCol="0" anchor="ctr"/>
+          <a:lstStyle/>
+          <a:p>
+            <a:pPr algn="ctr"/>
+            <a:endParaRPr lang="pt-BR"/>
+          </a:p>
+        </p:txBody>
+      </p:sp>
+      <p:sp>
+        <p:nvSpPr>
+          <p:cNvPr id="7" name="Retângulo 6"/>
+          <p:cNvSpPr/>
+          <p:nvPr/>
+        </p:nvSpPr>
+        <p:spPr>
+          <a:xfrm>
+            <a:off x="971600" y="3861048"/>
+            <a:ext cx="7488832" cy="2376264"/>
+          </a:xfrm>
+          <a:prstGeom prst="rect">
+            <a:avLst/>
+          </a:prstGeom>
+        </p:spPr>
+        <p:style>
+          <a:lnRef idx="1">
+            <a:schemeClr val="dk1"/>
+          </a:lnRef>
+          <a:fillRef idx="2">
+            <a:schemeClr val="dk1"/>
+          </a:fillRef>
+          <a:effectRef idx="1">
+            <a:schemeClr val="dk1"/>
+          </a:effectRef>
+          <a:fontRef idx="minor">
+            <a:schemeClr val="dk1"/>
+          </a:fontRef>
+        </p:style>
+        <p:txBody>
+          <a:bodyPr rtlCol="0" anchor="ctr"/>
+          <a:lstStyle/>
+          <a:p>
+            <a:pPr algn="ctr"/>
+            <a:endParaRPr lang="pt-BR"/>
+          </a:p>
+        </p:txBody>
+      </p:sp>
+      <p:graphicFrame>
+        <p:nvGraphicFramePr>
+          <p:cNvPr id="8" name="Tabela 7"/>
+          <p:cNvGraphicFramePr>
+            <a:graphicFrameLocks noGrp="1"/>
+          </p:cNvGraphicFramePr>
+          <p:nvPr>
+            <p:extLst>
+              <p:ext uri="{D42A27DB-BD31-4B8C-83A1-F6EECF244321}">
+                <p14:modId xmlns:p14="http://schemas.microsoft.com/office/powerpoint/2010/main" val="4290465882"/>
+              </p:ext>
+            </p:extLst>
+          </p:nvPr>
+        </p:nvGraphicFramePr>
+        <p:xfrm>
+          <a:off x="980162" y="3885634"/>
+          <a:ext cx="7480269" cy="2351679"/>
+        </p:xfrm>
+        <a:graphic>
+          <a:graphicData uri="http://schemas.openxmlformats.org/drawingml/2006/table">
+            <a:tbl>
+              <a:tblPr firstRow="1" bandRow="1">
+                <a:tableStyleId>{5C22544A-7EE6-4342-B048-85BDC9FD1C3A}</a:tableStyleId>
+              </a:tblPr>
+              <a:tblGrid>
+                <a:gridCol w="1503606"/>
+                <a:gridCol w="2232248"/>
+                <a:gridCol w="3744415"/>
+              </a:tblGrid>
+              <a:tr h="783893">
+                <a:tc>
+                  <a:txBody>
+                    <a:bodyPr/>
+                    <a:lstStyle/>
+                    <a:p>
+                      <a:pPr algn="ctr"/>
+                      <a:r>
+                        <a:rPr lang="pt-BR" dirty="0" smtClean="0"/>
+                        <a:t>Nome</a:t>
+                      </a:r>
+                      <a:endParaRPr lang="pt-BR" dirty="0"/>
+                    </a:p>
+                  </a:txBody>
+                  <a:tcPr/>
+                </a:tc>
+                <a:tc>
+                  <a:txBody>
+                    <a:bodyPr/>
+                    <a:lstStyle/>
+                    <a:p>
+                      <a:pPr algn="ctr"/>
+                      <a:r>
+                        <a:rPr lang="pt-BR" dirty="0" smtClean="0"/>
+                        <a:t>Descrição</a:t>
+                      </a:r>
+                      <a:endParaRPr lang="pt-BR" dirty="0"/>
+                    </a:p>
+                  </a:txBody>
+                  <a:tcPr/>
+                </a:tc>
+                <a:tc>
+                  <a:txBody>
+                    <a:bodyPr/>
+                    <a:lstStyle/>
+                    <a:p>
+                      <a:pPr algn="ctr"/>
+                      <a:r>
+                        <a:rPr lang="pt-BR" dirty="0" smtClean="0"/>
+                        <a:t>Ações</a:t>
+                      </a:r>
+                      <a:endParaRPr lang="pt-BR" dirty="0"/>
+                    </a:p>
+                  </a:txBody>
+                  <a:tcPr/>
+                </a:tc>
+              </a:tr>
+              <a:tr h="783893">
+                <a:tc>
+                  <a:txBody>
+                    <a:bodyPr/>
+                    <a:lstStyle/>
+                    <a:p>
+                      <a:endParaRPr lang="pt-BR"/>
+                    </a:p>
+                  </a:txBody>
+                  <a:tcPr/>
+                </a:tc>
+                <a:tc>
+                  <a:txBody>
+                    <a:bodyPr/>
+                    <a:lstStyle/>
+                    <a:p>
+                      <a:endParaRPr lang="pt-BR"/>
+                    </a:p>
+                  </a:txBody>
+                  <a:tcPr/>
+                </a:tc>
+                <a:tc>
+                  <a:txBody>
+                    <a:bodyPr/>
+                    <a:lstStyle/>
+                    <a:p>
+                      <a:endParaRPr lang="pt-BR"/>
+                    </a:p>
+                  </a:txBody>
+                  <a:tcPr/>
+                </a:tc>
+              </a:tr>
+              <a:tr h="783893">
+                <a:tc>
+                  <a:txBody>
+                    <a:bodyPr/>
+                    <a:lstStyle/>
+                    <a:p>
+                      <a:endParaRPr lang="pt-BR"/>
+                    </a:p>
+                  </a:txBody>
+                  <a:tcPr/>
+                </a:tc>
+                <a:tc>
+                  <a:txBody>
+                    <a:bodyPr/>
+                    <a:lstStyle/>
+                    <a:p>
+                      <a:endParaRPr lang="pt-BR"/>
+                    </a:p>
+                  </a:txBody>
+                  <a:tcPr/>
+                </a:tc>
+                <a:tc>
+                  <a:txBody>
+                    <a:bodyPr/>
+                    <a:lstStyle/>
+                    <a:p>
+                      <a:endParaRPr lang="pt-BR" dirty="0"/>
+                    </a:p>
+                  </a:txBody>
+                  <a:tcPr/>
+                </a:tc>
+              </a:tr>
+            </a:tbl>
+          </a:graphicData>
+        </a:graphic>
+      </p:graphicFrame>
+      <p:sp>
+        <p:nvSpPr>
+          <p:cNvPr id="9" name="Retângulo de cantos arredondados 8"/>
+          <p:cNvSpPr/>
+          <p:nvPr/>
+        </p:nvSpPr>
+        <p:spPr>
+          <a:xfrm>
+            <a:off x="4932040" y="4869160"/>
+            <a:ext cx="684076" cy="432048"/>
+          </a:xfrm>
+          <a:prstGeom prst="roundRect">
+            <a:avLst/>
+          </a:prstGeom>
+        </p:spPr>
+        <p:style>
+          <a:lnRef idx="1">
+            <a:schemeClr val="dk1"/>
+          </a:lnRef>
+          <a:fillRef idx="2">
+            <a:schemeClr val="dk1"/>
+          </a:fillRef>
+          <a:effectRef idx="1">
+            <a:schemeClr val="dk1"/>
+          </a:effectRef>
+          <a:fontRef idx="minor">
+            <a:schemeClr val="dk1"/>
+          </a:fontRef>
+        </p:style>
+        <p:txBody>
+          <a:bodyPr rtlCol="0" anchor="ctr"/>
+          <a:lstStyle/>
+          <a:p>
+            <a:pPr algn="ctr"/>
             <a:r>
               <a:rPr lang="pt-BR" dirty="0" smtClean="0"/>
-              <a:t>Modelos:</a:t>
-            </a:r>
-          </a:p>
-          <a:p>
-            <a:pPr lvl="2"/>
+              <a:t>Ver</a:t>
+            </a:r>
+            <a:endParaRPr lang="pt-BR" dirty="0"/>
+          </a:p>
+        </p:txBody>
+      </p:sp>
+      <p:sp>
+        <p:nvSpPr>
+          <p:cNvPr id="10" name="Retângulo de cantos arredondados 9"/>
+          <p:cNvSpPr/>
+          <p:nvPr/>
+        </p:nvSpPr>
+        <p:spPr>
+          <a:xfrm>
+            <a:off x="5826224" y="4869160"/>
+            <a:ext cx="906016" cy="432048"/>
+          </a:xfrm>
+          <a:prstGeom prst="roundRect">
+            <a:avLst/>
+          </a:prstGeom>
+        </p:spPr>
+        <p:style>
+          <a:lnRef idx="1">
+            <a:schemeClr val="dk1"/>
+          </a:lnRef>
+          <a:fillRef idx="2">
+            <a:schemeClr val="dk1"/>
+          </a:fillRef>
+          <a:effectRef idx="1">
+            <a:schemeClr val="dk1"/>
+          </a:effectRef>
+          <a:fontRef idx="minor">
+            <a:schemeClr val="dk1"/>
+          </a:fontRef>
+        </p:style>
+        <p:txBody>
+          <a:bodyPr rtlCol="0" anchor="ctr"/>
+          <a:lstStyle/>
+          <a:p>
+            <a:pPr algn="ctr"/>
             <a:r>
               <a:rPr lang="pt-BR" dirty="0" smtClean="0"/>
-              <a:t>Situação</a:t>
-            </a:r>
-          </a:p>
-          <a:p>
-            <a:pPr lvl="2"/>
+              <a:t>Editar</a:t>
+            </a:r>
+            <a:endParaRPr lang="pt-BR" dirty="0"/>
+          </a:p>
+        </p:txBody>
+      </p:sp>
+      <p:sp>
+        <p:nvSpPr>
+          <p:cNvPr id="11" name="Retângulo de cantos arredondados 10"/>
+          <p:cNvSpPr/>
+          <p:nvPr/>
+        </p:nvSpPr>
+        <p:spPr>
+          <a:xfrm>
+            <a:off x="6977816" y="4869160"/>
+            <a:ext cx="978559" cy="432048"/>
+          </a:xfrm>
+          <a:prstGeom prst="roundRect">
+            <a:avLst/>
+          </a:prstGeom>
+        </p:spPr>
+        <p:style>
+          <a:lnRef idx="1">
+            <a:schemeClr val="dk1"/>
+          </a:lnRef>
+          <a:fillRef idx="2">
+            <a:schemeClr val="dk1"/>
+          </a:fillRef>
+          <a:effectRef idx="1">
+            <a:schemeClr val="dk1"/>
+          </a:effectRef>
+          <a:fontRef idx="minor">
+            <a:schemeClr val="dk1"/>
+          </a:fontRef>
+        </p:style>
+        <p:txBody>
+          <a:bodyPr rtlCol="0" anchor="ctr"/>
+          <a:lstStyle/>
+          <a:p>
+            <a:pPr algn="ctr"/>
             <a:r>
               <a:rPr lang="pt-BR" dirty="0" smtClean="0"/>
-              <a:t>Tarefa</a:t>
-            </a:r>
-          </a:p>
-          <a:p>
-            <a:pPr lvl="2"/>
+              <a:t>Excluir</a:t>
+            </a:r>
+            <a:endParaRPr lang="pt-BR" dirty="0"/>
+          </a:p>
+        </p:txBody>
+      </p:sp>
+      <p:sp>
+        <p:nvSpPr>
+          <p:cNvPr id="12" name="Retângulo de cantos arredondados 11"/>
+          <p:cNvSpPr/>
+          <p:nvPr/>
+        </p:nvSpPr>
+        <p:spPr>
+          <a:xfrm>
+            <a:off x="4939355" y="5589240"/>
+            <a:ext cx="684076" cy="432048"/>
+          </a:xfrm>
+          <a:prstGeom prst="roundRect">
+            <a:avLst/>
+          </a:prstGeom>
+        </p:spPr>
+        <p:style>
+          <a:lnRef idx="1">
+            <a:schemeClr val="dk1"/>
+          </a:lnRef>
+          <a:fillRef idx="2">
+            <a:schemeClr val="dk1"/>
+          </a:fillRef>
+          <a:effectRef idx="1">
+            <a:schemeClr val="dk1"/>
+          </a:effectRef>
+          <a:fontRef idx="minor">
+            <a:schemeClr val="dk1"/>
+          </a:fontRef>
+        </p:style>
+        <p:txBody>
+          <a:bodyPr rtlCol="0" anchor="ctr"/>
+          <a:lstStyle/>
+          <a:p>
+            <a:pPr algn="ctr"/>
             <a:r>
               <a:rPr lang="pt-BR" dirty="0" smtClean="0"/>
-              <a:t>Projeto</a:t>
-            </a:r>
-          </a:p>
-          <a:p>
+              <a:t>Ver</a:t>
+            </a:r>
             <a:endParaRPr lang="pt-BR" dirty="0"/>
           </a:p>
-          <a:p>
-            <a:r>
-              <a:rPr lang="pt-BR" b="1" dirty="0" err="1" smtClean="0">
-                <a:solidFill>
-                  <a:srgbClr val="0070C0"/>
-                </a:solidFill>
-              </a:rPr>
-              <a:t>Service</a:t>
-            </a:r>
-            <a:endParaRPr lang="pt-BR" b="1" dirty="0" smtClean="0">
-              <a:solidFill>
-                <a:srgbClr val="0070C0"/>
-              </a:solidFill>
-            </a:endParaRPr>
-          </a:p>
-          <a:p>
-            <a:pPr lvl="1"/>
-            <a:r>
-              <a:rPr lang="pt-BR" dirty="0" err="1" smtClean="0"/>
-              <a:t>ArquivoService</a:t>
-            </a:r>
+        </p:txBody>
+      </p:sp>
+      <p:sp>
+        <p:nvSpPr>
+          <p:cNvPr id="13" name="Retângulo de cantos arredondados 12"/>
+          <p:cNvSpPr/>
+          <p:nvPr/>
+        </p:nvSpPr>
+        <p:spPr>
+          <a:xfrm>
+            <a:off x="5833539" y="5589240"/>
+            <a:ext cx="906016" cy="432048"/>
+          </a:xfrm>
+          <a:prstGeom prst="roundRect">
+            <a:avLst/>
+          </a:prstGeom>
+        </p:spPr>
+        <p:style>
+          <a:lnRef idx="1">
+            <a:schemeClr val="dk1"/>
+          </a:lnRef>
+          <a:fillRef idx="2">
+            <a:schemeClr val="dk1"/>
+          </a:fillRef>
+          <a:effectRef idx="1">
+            <a:schemeClr val="dk1"/>
+          </a:effectRef>
+          <a:fontRef idx="minor">
+            <a:schemeClr val="dk1"/>
+          </a:fontRef>
+        </p:style>
+        <p:txBody>
+          <a:bodyPr rtlCol="0" anchor="ctr"/>
+          <a:lstStyle/>
+          <a:p>
+            <a:pPr algn="ctr"/>
             <a:r>
               <a:rPr lang="pt-BR" dirty="0" smtClean="0"/>
-              <a:t>: salvar, recarregar</a:t>
-            </a:r>
-          </a:p>
-          <a:p>
-            <a:endParaRPr lang="pt-BR" dirty="0" smtClean="0"/>
-          </a:p>
-          <a:p>
-            <a:r>
-              <a:rPr lang="pt-BR" b="1" dirty="0" err="1" smtClean="0">
-                <a:solidFill>
-                  <a:srgbClr val="0070C0"/>
-                </a:solidFill>
-              </a:rPr>
-              <a:t>Singleton</a:t>
-            </a:r>
-            <a:endParaRPr lang="pt-BR" b="1" dirty="0" smtClean="0">
-              <a:solidFill>
-                <a:srgbClr val="0070C0"/>
-              </a:solidFill>
-            </a:endParaRPr>
-          </a:p>
-          <a:p>
-            <a:pPr lvl="1"/>
-            <a:r>
-              <a:rPr lang="pt-BR" dirty="0" err="1" smtClean="0"/>
-              <a:t>BancoDeDados</a:t>
-            </a:r>
-            <a:endParaRPr lang="pt-BR" dirty="0" smtClean="0"/>
-          </a:p>
-          <a:p>
-            <a:pPr lvl="1"/>
+              <a:t>Editar</a:t>
+            </a:r>
             <a:endParaRPr lang="pt-BR" dirty="0"/>
           </a:p>
-          <a:p>
-            <a:r>
-              <a:rPr lang="pt-BR" b="1" dirty="0" err="1" smtClean="0">
-                <a:solidFill>
-                  <a:srgbClr val="0070C0"/>
-                </a:solidFill>
-              </a:rPr>
-              <a:t>Factory</a:t>
-            </a:r>
-            <a:endParaRPr lang="pt-BR" b="1" dirty="0" smtClean="0">
-              <a:solidFill>
-                <a:srgbClr val="0070C0"/>
-              </a:solidFill>
-            </a:endParaRPr>
-          </a:p>
-          <a:p>
-            <a:pPr lvl="1"/>
+        </p:txBody>
+      </p:sp>
+      <p:sp>
+        <p:nvSpPr>
+          <p:cNvPr id="14" name="Retângulo de cantos arredondados 13"/>
+          <p:cNvSpPr/>
+          <p:nvPr/>
+        </p:nvSpPr>
+        <p:spPr>
+          <a:xfrm>
+            <a:off x="6985131" y="5589240"/>
+            <a:ext cx="978559" cy="432048"/>
+          </a:xfrm>
+          <a:prstGeom prst="roundRect">
+            <a:avLst/>
+          </a:prstGeom>
+        </p:spPr>
+        <p:style>
+          <a:lnRef idx="1">
+            <a:schemeClr val="dk1"/>
+          </a:lnRef>
+          <a:fillRef idx="2">
+            <a:schemeClr val="dk1"/>
+          </a:fillRef>
+          <a:effectRef idx="1">
+            <a:schemeClr val="dk1"/>
+          </a:effectRef>
+          <a:fontRef idx="minor">
+            <a:schemeClr val="dk1"/>
+          </a:fontRef>
+        </p:style>
+        <p:txBody>
+          <a:bodyPr rtlCol="0" anchor="ctr"/>
+          <a:lstStyle/>
+          <a:p>
+            <a:pPr algn="ctr"/>
             <a:r>
               <a:rPr lang="pt-BR" dirty="0" smtClean="0"/>
-              <a:t>Telas</a:t>
-            </a:r>
-          </a:p>
-          <a:p>
-            <a:pPr lvl="1"/>
+              <a:t>Excluir</a:t>
+            </a:r>
             <a:endParaRPr lang="pt-BR" dirty="0"/>
           </a:p>
-          <a:p>
-            <a:endParaRPr lang="pt-BR" dirty="0"/>
-          </a:p>
-          <a:p>
-            <a:endParaRPr lang="en-US" dirty="0"/>
-          </a:p>
         </p:txBody>
       </p:sp>
     </p:spTree>
+    <p:extLst>
+      <p:ext uri="{BB962C8B-B14F-4D97-AF65-F5344CB8AC3E}">
+        <p14:creationId xmlns:p14="http://schemas.microsoft.com/office/powerpoint/2010/main" val="4221770504"/>
+      </p:ext>
+    </p:extLst>
   </p:cSld>
   <p:clrMapOvr>
     <a:masterClrMapping/>
   </p:clrMapOvr>
-  <p:timing>
-    <p:tnLst>
-      <p:par>
-        <p:cTn id="1" dur="indefinite" restart="never" nodeType="tmRoot"/>
-      </p:par>
-    </p:tnLst>
-  </p:timing>
 </p:sld>
 </file>
 
@@ -6238,7 +7117,7 @@
       </p:grpSpPr>
       <p:sp>
         <p:nvSpPr>
-          <p:cNvPr id="2" name="Título 1"/>
+          <p:cNvPr id="5" name="Título 4"/>
           <p:cNvSpPr>
             <a:spLocks noGrp="1"/>
           </p:cNvSpPr>
@@ -6246,108 +7125,774 @@
             <p:ph type="title"/>
           </p:nvPr>
         </p:nvSpPr>
-        <p:spPr/>
-        <p:txBody>
-          <a:bodyPr>
-            <a:normAutofit/>
+        <p:spPr>
+          <a:xfrm>
+            <a:off x="457200" y="414936"/>
+            <a:ext cx="8229600" cy="1069848"/>
+          </a:xfrm>
+        </p:spPr>
+        <p:txBody>
+          <a:bodyPr/>
+          <a:lstStyle/>
+          <a:p>
+            <a:r>
+              <a:rPr lang="pt-BR" dirty="0" smtClean="0"/>
+              <a:t>Ver: Projeto</a:t>
+            </a:r>
+            <a:endParaRPr lang="pt-BR" dirty="0"/>
+          </a:p>
+        </p:txBody>
+      </p:sp>
+      <p:sp>
+        <p:nvSpPr>
+          <p:cNvPr id="6" name="Retângulo 5"/>
+          <p:cNvSpPr/>
+          <p:nvPr/>
+        </p:nvSpPr>
+        <p:spPr>
+          <a:xfrm>
+            <a:off x="611560" y="1412776"/>
+            <a:ext cx="8208912" cy="5112568"/>
+          </a:xfrm>
+          <a:prstGeom prst="rect">
+            <a:avLst/>
+          </a:prstGeom>
+        </p:spPr>
+        <p:style>
+          <a:lnRef idx="1">
+            <a:schemeClr val="dk1"/>
+          </a:lnRef>
+          <a:fillRef idx="2">
+            <a:schemeClr val="dk1"/>
+          </a:fillRef>
+          <a:effectRef idx="1">
+            <a:schemeClr val="dk1"/>
+          </a:effectRef>
+          <a:fontRef idx="minor">
+            <a:schemeClr val="dk1"/>
+          </a:fontRef>
+        </p:style>
+        <p:txBody>
+          <a:bodyPr rtlCol="0" anchor="ctr"/>
+          <a:lstStyle/>
+          <a:p>
+            <a:pPr algn="ctr"/>
+            <a:endParaRPr lang="pt-BR" dirty="0"/>
+          </a:p>
+        </p:txBody>
+      </p:sp>
+      <p:sp>
+        <p:nvSpPr>
+          <p:cNvPr id="7" name="Retângulo 6"/>
+          <p:cNvSpPr/>
+          <p:nvPr/>
+        </p:nvSpPr>
+        <p:spPr>
+          <a:xfrm>
+            <a:off x="971600" y="3861048"/>
+            <a:ext cx="7488832" cy="2376264"/>
+          </a:xfrm>
+          <a:prstGeom prst="rect">
+            <a:avLst/>
+          </a:prstGeom>
+        </p:spPr>
+        <p:style>
+          <a:lnRef idx="1">
+            <a:schemeClr val="dk1"/>
+          </a:lnRef>
+          <a:fillRef idx="2">
+            <a:schemeClr val="dk1"/>
+          </a:fillRef>
+          <a:effectRef idx="1">
+            <a:schemeClr val="dk1"/>
+          </a:effectRef>
+          <a:fontRef idx="minor">
+            <a:schemeClr val="dk1"/>
+          </a:fontRef>
+        </p:style>
+        <p:txBody>
+          <a:bodyPr rtlCol="0" anchor="ctr"/>
+          <a:lstStyle/>
+          <a:p>
+            <a:pPr algn="ctr"/>
+            <a:endParaRPr lang="pt-BR"/>
+          </a:p>
+        </p:txBody>
+      </p:sp>
+      <p:graphicFrame>
+        <p:nvGraphicFramePr>
+          <p:cNvPr id="8" name="Tabela 7"/>
+          <p:cNvGraphicFramePr>
+            <a:graphicFrameLocks noGrp="1"/>
+          </p:cNvGraphicFramePr>
+          <p:nvPr>
+            <p:extLst>
+              <p:ext uri="{D42A27DB-BD31-4B8C-83A1-F6EECF244321}">
+                <p14:modId xmlns:p14="http://schemas.microsoft.com/office/powerpoint/2010/main" val="1154050086"/>
+              </p:ext>
+            </p:extLst>
+          </p:nvPr>
+        </p:nvGraphicFramePr>
+        <p:xfrm>
+          <a:off x="980162" y="3885634"/>
+          <a:ext cx="7480270" cy="2351679"/>
+        </p:xfrm>
+        <a:graphic>
+          <a:graphicData uri="http://schemas.openxmlformats.org/drawingml/2006/table">
+            <a:tbl>
+              <a:tblPr firstRow="1" bandRow="1">
+                <a:tableStyleId>{5C22544A-7EE6-4342-B048-85BDC9FD1C3A}</a:tableStyleId>
+              </a:tblPr>
+              <a:tblGrid>
+                <a:gridCol w="689293"/>
+                <a:gridCol w="995680"/>
+                <a:gridCol w="1258793"/>
+                <a:gridCol w="864096"/>
+                <a:gridCol w="1296144"/>
+                <a:gridCol w="864096"/>
+                <a:gridCol w="1512168"/>
+              </a:tblGrid>
+              <a:tr h="783893">
+                <a:tc>
+                  <a:txBody>
+                    <a:bodyPr/>
+                    <a:lstStyle/>
+                    <a:p>
+                      <a:pPr algn="ctr"/>
+                      <a:r>
+                        <a:rPr lang="pt-BR" sz="1200" dirty="0" smtClean="0"/>
+                        <a:t>Nome</a:t>
+                      </a:r>
+                      <a:endParaRPr lang="pt-BR" sz="1200" dirty="0"/>
+                    </a:p>
+                  </a:txBody>
+                  <a:tcPr/>
+                </a:tc>
+                <a:tc>
+                  <a:txBody>
+                    <a:bodyPr/>
+                    <a:lstStyle/>
+                    <a:p>
+                      <a:pPr algn="ctr"/>
+                      <a:r>
+                        <a:rPr lang="pt-BR" sz="1200" dirty="0" smtClean="0"/>
+                        <a:t>Descrição</a:t>
+                      </a:r>
+                      <a:endParaRPr lang="pt-BR" sz="1200" dirty="0"/>
+                    </a:p>
+                  </a:txBody>
+                  <a:tcPr/>
+                </a:tc>
+                <a:tc>
+                  <a:txBody>
+                    <a:bodyPr/>
+                    <a:lstStyle/>
+                    <a:p>
+                      <a:pPr algn="ctr"/>
+                      <a:r>
+                        <a:rPr lang="pt-BR" sz="1200" dirty="0" smtClean="0"/>
+                        <a:t>DT Vencimento</a:t>
+                      </a:r>
+                      <a:endParaRPr lang="pt-BR" sz="1200" dirty="0"/>
+                    </a:p>
+                  </a:txBody>
+                  <a:tcPr/>
+                </a:tc>
+                <a:tc>
+                  <a:txBody>
+                    <a:bodyPr/>
+                    <a:lstStyle/>
+                    <a:p>
+                      <a:pPr algn="ctr"/>
+                      <a:r>
+                        <a:rPr lang="pt-BR" sz="1200" dirty="0" smtClean="0"/>
+                        <a:t>DT Criação </a:t>
+                      </a:r>
+                      <a:endParaRPr lang="pt-BR" sz="1200" dirty="0"/>
+                    </a:p>
+                  </a:txBody>
+                  <a:tcPr/>
+                </a:tc>
+                <a:tc>
+                  <a:txBody>
+                    <a:bodyPr/>
+                    <a:lstStyle/>
+                    <a:p>
+                      <a:pPr algn="ctr"/>
+                      <a:r>
+                        <a:rPr lang="pt-BR" sz="1200" dirty="0" smtClean="0"/>
+                        <a:t>DT Fechamento</a:t>
+                      </a:r>
+                      <a:endParaRPr lang="pt-BR" sz="1200" dirty="0"/>
+                    </a:p>
+                  </a:txBody>
+                  <a:tcPr/>
+                </a:tc>
+                <a:tc>
+                  <a:txBody>
+                    <a:bodyPr/>
+                    <a:lstStyle/>
+                    <a:p>
+                      <a:pPr algn="ctr"/>
+                      <a:r>
+                        <a:rPr lang="pt-BR" sz="1200" dirty="0" smtClean="0"/>
+                        <a:t>Situação</a:t>
+                      </a:r>
+                      <a:endParaRPr lang="pt-BR" sz="1200" dirty="0"/>
+                    </a:p>
+                  </a:txBody>
+                  <a:tcPr/>
+                </a:tc>
+                <a:tc>
+                  <a:txBody>
+                    <a:bodyPr/>
+                    <a:lstStyle/>
+                    <a:p>
+                      <a:pPr algn="ctr"/>
+                      <a:r>
+                        <a:rPr lang="pt-BR" sz="1200" dirty="0" smtClean="0"/>
+                        <a:t>Ações</a:t>
+                      </a:r>
+                      <a:endParaRPr lang="pt-BR" sz="1200" dirty="0"/>
+                    </a:p>
+                  </a:txBody>
+                  <a:tcPr/>
+                </a:tc>
+              </a:tr>
+              <a:tr h="783893">
+                <a:tc>
+                  <a:txBody>
+                    <a:bodyPr/>
+                    <a:lstStyle/>
+                    <a:p>
+                      <a:endParaRPr lang="pt-BR"/>
+                    </a:p>
+                  </a:txBody>
+                  <a:tcPr/>
+                </a:tc>
+                <a:tc>
+                  <a:txBody>
+                    <a:bodyPr/>
+                    <a:lstStyle/>
+                    <a:p>
+                      <a:endParaRPr lang="pt-BR"/>
+                    </a:p>
+                  </a:txBody>
+                  <a:tcPr/>
+                </a:tc>
+                <a:tc>
+                  <a:txBody>
+                    <a:bodyPr/>
+                    <a:lstStyle/>
+                    <a:p>
+                      <a:endParaRPr lang="pt-BR"/>
+                    </a:p>
+                  </a:txBody>
+                  <a:tcPr/>
+                </a:tc>
+                <a:tc>
+                  <a:txBody>
+                    <a:bodyPr/>
+                    <a:lstStyle/>
+                    <a:p>
+                      <a:endParaRPr lang="pt-BR"/>
+                    </a:p>
+                  </a:txBody>
+                  <a:tcPr/>
+                </a:tc>
+                <a:tc>
+                  <a:txBody>
+                    <a:bodyPr/>
+                    <a:lstStyle/>
+                    <a:p>
+                      <a:endParaRPr lang="pt-BR" dirty="0"/>
+                    </a:p>
+                  </a:txBody>
+                  <a:tcPr/>
+                </a:tc>
+                <a:tc>
+                  <a:txBody>
+                    <a:bodyPr/>
+                    <a:lstStyle/>
+                    <a:p>
+                      <a:endParaRPr lang="pt-BR"/>
+                    </a:p>
+                  </a:txBody>
+                  <a:tcPr/>
+                </a:tc>
+                <a:tc>
+                  <a:txBody>
+                    <a:bodyPr/>
+                    <a:lstStyle/>
+                    <a:p>
+                      <a:endParaRPr lang="pt-BR"/>
+                    </a:p>
+                  </a:txBody>
+                  <a:tcPr/>
+                </a:tc>
+              </a:tr>
+              <a:tr h="783893">
+                <a:tc>
+                  <a:txBody>
+                    <a:bodyPr/>
+                    <a:lstStyle/>
+                    <a:p>
+                      <a:endParaRPr lang="pt-BR"/>
+                    </a:p>
+                  </a:txBody>
+                  <a:tcPr/>
+                </a:tc>
+                <a:tc>
+                  <a:txBody>
+                    <a:bodyPr/>
+                    <a:lstStyle/>
+                    <a:p>
+                      <a:endParaRPr lang="pt-BR"/>
+                    </a:p>
+                  </a:txBody>
+                  <a:tcPr/>
+                </a:tc>
+                <a:tc>
+                  <a:txBody>
+                    <a:bodyPr/>
+                    <a:lstStyle/>
+                    <a:p>
+                      <a:endParaRPr lang="pt-BR" dirty="0"/>
+                    </a:p>
+                  </a:txBody>
+                  <a:tcPr/>
+                </a:tc>
+                <a:tc>
+                  <a:txBody>
+                    <a:bodyPr/>
+                    <a:lstStyle/>
+                    <a:p>
+                      <a:endParaRPr lang="pt-BR" dirty="0"/>
+                    </a:p>
+                  </a:txBody>
+                  <a:tcPr/>
+                </a:tc>
+                <a:tc>
+                  <a:txBody>
+                    <a:bodyPr/>
+                    <a:lstStyle/>
+                    <a:p>
+                      <a:endParaRPr lang="pt-BR" dirty="0"/>
+                    </a:p>
+                  </a:txBody>
+                  <a:tcPr/>
+                </a:tc>
+                <a:tc>
+                  <a:txBody>
+                    <a:bodyPr/>
+                    <a:lstStyle/>
+                    <a:p>
+                      <a:endParaRPr lang="pt-BR" dirty="0"/>
+                    </a:p>
+                  </a:txBody>
+                  <a:tcPr/>
+                </a:tc>
+                <a:tc>
+                  <a:txBody>
+                    <a:bodyPr/>
+                    <a:lstStyle/>
+                    <a:p>
+                      <a:endParaRPr lang="pt-BR" dirty="0"/>
+                    </a:p>
+                  </a:txBody>
+                  <a:tcPr/>
+                </a:tc>
+              </a:tr>
+            </a:tbl>
+          </a:graphicData>
+        </a:graphic>
+      </p:graphicFrame>
+      <p:sp>
+        <p:nvSpPr>
+          <p:cNvPr id="2" name="CaixaDeTexto 1"/>
+          <p:cNvSpPr txBox="1"/>
+          <p:nvPr/>
+        </p:nvSpPr>
+        <p:spPr>
+          <a:xfrm>
+            <a:off x="3459477" y="1556792"/>
+            <a:ext cx="2768707" cy="523220"/>
+          </a:xfrm>
+          <a:prstGeom prst="rect">
+            <a:avLst/>
+          </a:prstGeom>
+          <a:noFill/>
+        </p:spPr>
+        <p:txBody>
+          <a:bodyPr wrap="none" rtlCol="0">
+            <a:spAutoFit/>
           </a:bodyPr>
           <a:lstStyle/>
           <a:p>
             <a:r>
+              <a:rPr lang="pt-BR" sz="2800" b="1" u="sng" dirty="0" err="1" smtClean="0"/>
+              <a:t>Projeto.Nome</a:t>
+            </a:r>
+            <a:endParaRPr lang="pt-BR" sz="2800" b="1" u="sng" dirty="0"/>
+          </a:p>
+        </p:txBody>
+      </p:sp>
+      <p:sp>
+        <p:nvSpPr>
+          <p:cNvPr id="4" name="Retângulo 3"/>
+          <p:cNvSpPr/>
+          <p:nvPr/>
+        </p:nvSpPr>
+        <p:spPr>
+          <a:xfrm>
+            <a:off x="971600" y="2276872"/>
+            <a:ext cx="7488832" cy="792088"/>
+          </a:xfrm>
+          <a:prstGeom prst="rect">
+            <a:avLst/>
+          </a:prstGeom>
+        </p:spPr>
+        <p:style>
+          <a:lnRef idx="1">
+            <a:schemeClr val="dk1"/>
+          </a:lnRef>
+          <a:fillRef idx="2">
+            <a:schemeClr val="dk1"/>
+          </a:fillRef>
+          <a:effectRef idx="1">
+            <a:schemeClr val="dk1"/>
+          </a:effectRef>
+          <a:fontRef idx="minor">
+            <a:schemeClr val="dk1"/>
+          </a:fontRef>
+        </p:style>
+        <p:txBody>
+          <a:bodyPr rtlCol="0" anchor="ctr"/>
+          <a:lstStyle/>
+          <a:p>
+            <a:pPr algn="ctr"/>
+            <a:r>
+              <a:rPr lang="pt-BR" dirty="0" err="1"/>
+              <a:t>Projeto.descrição</a:t>
+            </a:r>
+            <a:endParaRPr lang="pt-BR" dirty="0"/>
+          </a:p>
+        </p:txBody>
+      </p:sp>
+      <p:sp>
+        <p:nvSpPr>
+          <p:cNvPr id="15" name="Retângulo de cantos arredondados 14"/>
+          <p:cNvSpPr/>
+          <p:nvPr/>
+        </p:nvSpPr>
+        <p:spPr>
+          <a:xfrm>
+            <a:off x="1044739" y="3212976"/>
+            <a:ext cx="1799069" cy="432048"/>
+          </a:xfrm>
+          <a:prstGeom prst="roundRect">
+            <a:avLst/>
+          </a:prstGeom>
+        </p:spPr>
+        <p:style>
+          <a:lnRef idx="1">
+            <a:schemeClr val="dk1"/>
+          </a:lnRef>
+          <a:fillRef idx="2">
+            <a:schemeClr val="dk1"/>
+          </a:fillRef>
+          <a:effectRef idx="1">
+            <a:schemeClr val="dk1"/>
+          </a:effectRef>
+          <a:fontRef idx="minor">
+            <a:schemeClr val="dk1"/>
+          </a:fontRef>
+        </p:style>
+        <p:txBody>
+          <a:bodyPr rtlCol="0" anchor="ctr"/>
+          <a:lstStyle/>
+          <a:p>
+            <a:pPr algn="ctr"/>
+            <a:r>
               <a:rPr lang="pt-BR" dirty="0" smtClean="0"/>
-              <a:t>Padrões de Projeto</a:t>
-            </a:r>
-            <a:endParaRPr lang="en-US" dirty="0"/>
-          </a:p>
-        </p:txBody>
-      </p:sp>
-      <p:sp>
-        <p:nvSpPr>
-          <p:cNvPr id="5" name="Espaço Reservado para Conteúdo 4"/>
-          <p:cNvSpPr>
-            <a:spLocks noGrp="1"/>
-          </p:cNvSpPr>
-          <p:nvPr>
-            <p:ph idx="1"/>
-          </p:nvPr>
-        </p:nvSpPr>
-        <p:spPr/>
-        <p:txBody>
-          <a:bodyPr>
-            <a:normAutofit/>
+              <a:t>Criar Tarefa</a:t>
+            </a:r>
+            <a:endParaRPr lang="pt-BR" dirty="0"/>
+          </a:p>
+        </p:txBody>
+      </p:sp>
+      <p:sp>
+        <p:nvSpPr>
+          <p:cNvPr id="16" name="Retângulo 15"/>
+          <p:cNvSpPr/>
+          <p:nvPr/>
+        </p:nvSpPr>
+        <p:spPr>
+          <a:xfrm>
+            <a:off x="4139952" y="3212976"/>
+            <a:ext cx="4320480" cy="432048"/>
+          </a:xfrm>
+          <a:prstGeom prst="rect">
+            <a:avLst/>
+          </a:prstGeom>
+        </p:spPr>
+        <p:style>
+          <a:lnRef idx="2">
+            <a:schemeClr val="dk1"/>
+          </a:lnRef>
+          <a:fillRef idx="1">
+            <a:schemeClr val="lt1"/>
+          </a:fillRef>
+          <a:effectRef idx="0">
+            <a:schemeClr val="dk1"/>
+          </a:effectRef>
+          <a:fontRef idx="minor">
+            <a:schemeClr val="dk1"/>
+          </a:fontRef>
+        </p:style>
+        <p:txBody>
+          <a:bodyPr rtlCol="0" anchor="ctr"/>
+          <a:lstStyle/>
+          <a:p>
+            <a:pPr algn="ctr"/>
+            <a:endParaRPr lang="pt-BR"/>
+          </a:p>
+        </p:txBody>
+      </p:sp>
+      <p:sp>
+        <p:nvSpPr>
+          <p:cNvPr id="17" name="CaixaDeTexto 16"/>
+          <p:cNvSpPr txBox="1"/>
+          <p:nvPr/>
+        </p:nvSpPr>
+        <p:spPr>
+          <a:xfrm>
+            <a:off x="3203848" y="3232287"/>
+            <a:ext cx="827471" cy="369332"/>
+          </a:xfrm>
+          <a:prstGeom prst="rect">
+            <a:avLst/>
+          </a:prstGeom>
+          <a:noFill/>
+        </p:spPr>
+        <p:txBody>
+          <a:bodyPr wrap="none" rtlCol="0">
+            <a:spAutoFit/>
           </a:bodyPr>
           <a:lstStyle/>
           <a:p>
             <a:r>
-              <a:rPr lang="pt-BR" b="1" dirty="0" err="1" smtClean="0">
-                <a:solidFill>
-                  <a:srgbClr val="0070C0"/>
-                </a:solidFill>
-              </a:rPr>
-              <a:t>Strategy</a:t>
-            </a:r>
-            <a:endParaRPr lang="pt-BR" b="1" dirty="0">
-              <a:solidFill>
-                <a:srgbClr val="0070C0"/>
-              </a:solidFill>
-            </a:endParaRPr>
-          </a:p>
-          <a:p>
-            <a:pPr lvl="1"/>
-            <a:r>
               <a:rPr lang="pt-BR" dirty="0" smtClean="0"/>
-              <a:t>Ordenação das tarefas:</a:t>
+              <a:t>Filtro:</a:t>
             </a:r>
             <a:endParaRPr lang="pt-BR" dirty="0"/>
           </a:p>
-          <a:p>
-            <a:pPr lvl="2"/>
+        </p:txBody>
+      </p:sp>
+      <p:sp>
+        <p:nvSpPr>
+          <p:cNvPr id="18" name="Retângulo 17"/>
+          <p:cNvSpPr/>
+          <p:nvPr/>
+        </p:nvSpPr>
+        <p:spPr>
+          <a:xfrm>
+            <a:off x="7963690" y="3232287"/>
+            <a:ext cx="496742" cy="412737"/>
+          </a:xfrm>
+          <a:prstGeom prst="rect">
+            <a:avLst/>
+          </a:prstGeom>
+        </p:spPr>
+        <p:style>
+          <a:lnRef idx="2">
+            <a:schemeClr val="dk1"/>
+          </a:lnRef>
+          <a:fillRef idx="1">
+            <a:schemeClr val="lt1"/>
+          </a:fillRef>
+          <a:effectRef idx="0">
+            <a:schemeClr val="dk1"/>
+          </a:effectRef>
+          <a:fontRef idx="minor">
+            <a:schemeClr val="dk1"/>
+          </a:fontRef>
+        </p:style>
+        <p:txBody>
+          <a:bodyPr rtlCol="0" anchor="ctr"/>
+          <a:lstStyle/>
+          <a:p>
+            <a:pPr algn="ctr"/>
+            <a:endParaRPr lang="pt-BR"/>
+          </a:p>
+        </p:txBody>
+      </p:sp>
+      <p:sp>
+        <p:nvSpPr>
+          <p:cNvPr id="19" name="Fluxograma: Mesclar 18"/>
+          <p:cNvSpPr/>
+          <p:nvPr/>
+        </p:nvSpPr>
+        <p:spPr>
+          <a:xfrm>
+            <a:off x="8068045" y="3335471"/>
+            <a:ext cx="288032" cy="206368"/>
+          </a:xfrm>
+          <a:prstGeom prst="flowChartMerge">
+            <a:avLst/>
+          </a:prstGeom>
+        </p:spPr>
+        <p:style>
+          <a:lnRef idx="2">
+            <a:schemeClr val="dk1"/>
+          </a:lnRef>
+          <a:fillRef idx="1">
+            <a:schemeClr val="lt1"/>
+          </a:fillRef>
+          <a:effectRef idx="0">
+            <a:schemeClr val="dk1"/>
+          </a:effectRef>
+          <a:fontRef idx="minor">
+            <a:schemeClr val="dk1"/>
+          </a:fontRef>
+        </p:style>
+        <p:txBody>
+          <a:bodyPr rtlCol="0" anchor="ctr"/>
+          <a:lstStyle/>
+          <a:p>
+            <a:pPr algn="ctr"/>
+            <a:endParaRPr lang="pt-BR"/>
+          </a:p>
+        </p:txBody>
+      </p:sp>
+      <p:sp>
+        <p:nvSpPr>
+          <p:cNvPr id="20" name="CaixaDeTexto 19"/>
+          <p:cNvSpPr txBox="1"/>
+          <p:nvPr/>
+        </p:nvSpPr>
+        <p:spPr>
+          <a:xfrm>
+            <a:off x="6548893" y="620688"/>
+            <a:ext cx="2248450" cy="646331"/>
+          </a:xfrm>
+          <a:prstGeom prst="rect">
+            <a:avLst/>
+          </a:prstGeom>
+          <a:noFill/>
+        </p:spPr>
+        <p:txBody>
+          <a:bodyPr wrap="square" rtlCol="0">
+            <a:spAutoFit/>
+          </a:bodyPr>
+          <a:lstStyle/>
+          <a:p>
+            <a:r>
+              <a:rPr lang="pt-BR" b="1" dirty="0" smtClean="0"/>
+              <a:t>Filtros</a:t>
+            </a:r>
             <a:r>
               <a:rPr lang="pt-BR" dirty="0" smtClean="0"/>
-              <a:t>Implementar um algoritmo de ordenação</a:t>
-            </a:r>
-          </a:p>
-          <a:p>
-            <a:pPr lvl="2"/>
-            <a:r>
-              <a:rPr lang="pt-BR" dirty="0" smtClean="0"/>
-              <a:t>Usar o </a:t>
-            </a:r>
-            <a:r>
-              <a:rPr lang="pt-BR" dirty="0" err="1" smtClean="0"/>
-              <a:t>Quicksort</a:t>
+              <a:t>: situação da tarefa ou todas.</a:t>
             </a:r>
             <a:endParaRPr lang="pt-BR" dirty="0"/>
           </a:p>
-          <a:p>
-            <a:pPr lvl="1"/>
+        </p:txBody>
+      </p:sp>
+      <p:sp>
+        <p:nvSpPr>
+          <p:cNvPr id="21" name="Retângulo de cantos arredondados 20"/>
+          <p:cNvSpPr/>
+          <p:nvPr/>
+        </p:nvSpPr>
+        <p:spPr>
+          <a:xfrm>
+            <a:off x="7300186" y="4726713"/>
+            <a:ext cx="722669" cy="344616"/>
+          </a:xfrm>
+          <a:prstGeom prst="roundRect">
+            <a:avLst/>
+          </a:prstGeom>
+        </p:spPr>
+        <p:style>
+          <a:lnRef idx="1">
+            <a:schemeClr val="dk1"/>
+          </a:lnRef>
+          <a:fillRef idx="2">
+            <a:schemeClr val="dk1"/>
+          </a:fillRef>
+          <a:effectRef idx="1">
+            <a:schemeClr val="dk1"/>
+          </a:effectRef>
+          <a:fontRef idx="minor">
+            <a:schemeClr val="dk1"/>
+          </a:fontRef>
+        </p:style>
+        <p:txBody>
+          <a:bodyPr rtlCol="0" anchor="ctr"/>
+          <a:lstStyle/>
+          <a:p>
+            <a:pPr algn="ctr"/>
+            <a:r>
+              <a:rPr lang="pt-BR" sz="1200" dirty="0" smtClean="0"/>
+              <a:t>Editar</a:t>
+            </a:r>
             <a:endParaRPr lang="pt-BR" dirty="0"/>
           </a:p>
-          <a:p>
+        </p:txBody>
+      </p:sp>
+      <p:sp>
+        <p:nvSpPr>
+          <p:cNvPr id="22" name="Retângulo de cantos arredondados 21"/>
+          <p:cNvSpPr/>
+          <p:nvPr/>
+        </p:nvSpPr>
+        <p:spPr>
+          <a:xfrm>
+            <a:off x="7306773" y="5085184"/>
+            <a:ext cx="721611" cy="318602"/>
+          </a:xfrm>
+          <a:prstGeom prst="roundRect">
+            <a:avLst/>
+          </a:prstGeom>
+        </p:spPr>
+        <p:style>
+          <a:lnRef idx="1">
+            <a:schemeClr val="dk1"/>
+          </a:lnRef>
+          <a:fillRef idx="2">
+            <a:schemeClr val="dk1"/>
+          </a:fillRef>
+          <a:effectRef idx="1">
+            <a:schemeClr val="dk1"/>
+          </a:effectRef>
+          <a:fontRef idx="minor">
+            <a:schemeClr val="dk1"/>
+          </a:fontRef>
+        </p:style>
+        <p:txBody>
+          <a:bodyPr rtlCol="0" anchor="ctr"/>
+          <a:lstStyle/>
+          <a:p>
+            <a:pPr algn="ctr"/>
+            <a:r>
+              <a:rPr lang="pt-BR" sz="1200" dirty="0" smtClean="0"/>
+              <a:t>Excluir</a:t>
+            </a:r>
             <a:endParaRPr lang="pt-BR" dirty="0"/>
-          </a:p>
-          <a:p>
-            <a:endParaRPr lang="en-US" dirty="0"/>
           </a:p>
         </p:txBody>
       </p:sp>
     </p:spTree>
     <p:extLst>
       <p:ext uri="{BB962C8B-B14F-4D97-AF65-F5344CB8AC3E}">
-        <p14:creationId xmlns:p14="http://schemas.microsoft.com/office/powerpoint/2010/main" val="2545713470"/>
+        <p14:creationId xmlns:p14="http://schemas.microsoft.com/office/powerpoint/2010/main" val="3054459368"/>
       </p:ext>
     </p:extLst>
   </p:cSld>
   <p:clrMapOvr>
     <a:masterClrMapping/>
   </p:clrMapOvr>
-  <p:timing>
-    <p:tnLst>
-      <p:par>
-        <p:cTn id="1" dur="indefinite" restart="never" nodeType="tmRoot"/>
-      </p:par>
-    </p:tnLst>
-  </p:timing>
 </p:sld>
 </file>
 
@@ -6370,7 +7915,7 @@
       </p:grpSpPr>
       <p:sp>
         <p:nvSpPr>
-          <p:cNvPr id="2" name="Título 1"/>
+          <p:cNvPr id="5" name="Título 4"/>
           <p:cNvSpPr>
             <a:spLocks noGrp="1"/>
           </p:cNvSpPr>
@@ -6378,126 +7923,622 @@
             <p:ph type="title"/>
           </p:nvPr>
         </p:nvSpPr>
-        <p:spPr/>
+        <p:spPr>
+          <a:xfrm>
+            <a:off x="457200" y="414936"/>
+            <a:ext cx="8229600" cy="1069848"/>
+          </a:xfrm>
+        </p:spPr>
         <p:txBody>
           <a:bodyPr/>
           <a:lstStyle/>
           <a:p>
             <a:r>
               <a:rPr lang="pt-BR" dirty="0" smtClean="0"/>
-              <a:t>Principais Interfaces</a:t>
-            </a:r>
-            <a:endParaRPr lang="en-US" dirty="0"/>
-          </a:p>
-        </p:txBody>
-      </p:sp>
-      <p:sp>
-        <p:nvSpPr>
-          <p:cNvPr id="3" name="Espaço Reservado para Conteúdo 2"/>
-          <p:cNvSpPr>
-            <a:spLocks noGrp="1"/>
-          </p:cNvSpPr>
-          <p:nvPr>
-            <p:ph idx="1"/>
-          </p:nvPr>
-        </p:nvSpPr>
-        <p:spPr/>
-        <p:txBody>
-          <a:bodyPr>
-            <a:normAutofit/>
+              <a:t>Criar/Editar: Tarefa</a:t>
+            </a:r>
+            <a:endParaRPr lang="pt-BR" dirty="0"/>
+          </a:p>
+        </p:txBody>
+      </p:sp>
+      <p:sp>
+        <p:nvSpPr>
+          <p:cNvPr id="6" name="Retângulo 5"/>
+          <p:cNvSpPr/>
+          <p:nvPr/>
+        </p:nvSpPr>
+        <p:spPr>
+          <a:xfrm>
+            <a:off x="611560" y="1412776"/>
+            <a:ext cx="8208912" cy="4104456"/>
+          </a:xfrm>
+          <a:prstGeom prst="rect">
+            <a:avLst/>
+          </a:prstGeom>
+        </p:spPr>
+        <p:style>
+          <a:lnRef idx="1">
+            <a:schemeClr val="dk1"/>
+          </a:lnRef>
+          <a:fillRef idx="2">
+            <a:schemeClr val="dk1"/>
+          </a:fillRef>
+          <a:effectRef idx="1">
+            <a:schemeClr val="dk1"/>
+          </a:effectRef>
+          <a:fontRef idx="minor">
+            <a:schemeClr val="dk1"/>
+          </a:fontRef>
+        </p:style>
+        <p:txBody>
+          <a:bodyPr rtlCol="0" anchor="ctr"/>
+          <a:lstStyle/>
+          <a:p>
+            <a:pPr algn="ctr"/>
+            <a:endParaRPr lang="pt-BR" dirty="0"/>
+          </a:p>
+        </p:txBody>
+      </p:sp>
+      <p:sp>
+        <p:nvSpPr>
+          <p:cNvPr id="2" name="CaixaDeTexto 1"/>
+          <p:cNvSpPr txBox="1"/>
+          <p:nvPr/>
+        </p:nvSpPr>
+        <p:spPr>
+          <a:xfrm>
+            <a:off x="3459477" y="1556792"/>
+            <a:ext cx="2606804" cy="523220"/>
+          </a:xfrm>
+          <a:prstGeom prst="rect">
+            <a:avLst/>
+          </a:prstGeom>
+          <a:noFill/>
+        </p:spPr>
+        <p:txBody>
+          <a:bodyPr wrap="none" rtlCol="0">
+            <a:spAutoFit/>
           </a:bodyPr>
           <a:lstStyle/>
           <a:p>
             <a:r>
-              <a:rPr lang="pt-BR" b="1" dirty="0" err="1" smtClean="0">
-                <a:solidFill>
-                  <a:srgbClr val="0070C0"/>
-                </a:solidFill>
-              </a:rPr>
-              <a:t>Comparable</a:t>
-            </a:r>
-            <a:endParaRPr lang="pt-BR" b="1" u="sng" dirty="0" smtClean="0">
-              <a:solidFill>
-                <a:srgbClr val="0070C0"/>
-              </a:solidFill>
-            </a:endParaRPr>
-          </a:p>
-          <a:p>
-            <a:pPr lvl="1"/>
+              <a:rPr lang="pt-BR" sz="2800" b="1" u="sng" dirty="0" err="1" smtClean="0"/>
+              <a:t>Tarefa.Nome</a:t>
+            </a:r>
+            <a:endParaRPr lang="pt-BR" sz="2800" b="1" u="sng" dirty="0"/>
+          </a:p>
+        </p:txBody>
+      </p:sp>
+      <p:sp>
+        <p:nvSpPr>
+          <p:cNvPr id="4" name="Retângulo 3"/>
+          <p:cNvSpPr/>
+          <p:nvPr/>
+        </p:nvSpPr>
+        <p:spPr>
+          <a:xfrm>
+            <a:off x="971600" y="2276872"/>
+            <a:ext cx="7488832" cy="792088"/>
+          </a:xfrm>
+          <a:prstGeom prst="rect">
+            <a:avLst/>
+          </a:prstGeom>
+        </p:spPr>
+        <p:style>
+          <a:lnRef idx="2">
+            <a:schemeClr val="dk1"/>
+          </a:lnRef>
+          <a:fillRef idx="1">
+            <a:schemeClr val="lt1"/>
+          </a:fillRef>
+          <a:effectRef idx="0">
+            <a:schemeClr val="dk1"/>
+          </a:effectRef>
+          <a:fontRef idx="minor">
+            <a:schemeClr val="dk1"/>
+          </a:fontRef>
+        </p:style>
+        <p:txBody>
+          <a:bodyPr rtlCol="0" anchor="ctr"/>
+          <a:lstStyle/>
+          <a:p>
+            <a:pPr algn="ctr"/>
+            <a:r>
+              <a:rPr lang="pt-BR" dirty="0" err="1" smtClean="0"/>
+              <a:t>Tarefa.descrição</a:t>
+            </a:r>
+            <a:endParaRPr lang="pt-BR" dirty="0"/>
+          </a:p>
+        </p:txBody>
+      </p:sp>
+      <p:sp>
+        <p:nvSpPr>
+          <p:cNvPr id="15" name="Retângulo de cantos arredondados 14"/>
+          <p:cNvSpPr/>
+          <p:nvPr/>
+        </p:nvSpPr>
+        <p:spPr>
+          <a:xfrm>
+            <a:off x="7300186" y="4797152"/>
+            <a:ext cx="1194495" cy="432048"/>
+          </a:xfrm>
+          <a:prstGeom prst="roundRect">
+            <a:avLst/>
+          </a:prstGeom>
+        </p:spPr>
+        <p:style>
+          <a:lnRef idx="1">
+            <a:schemeClr val="dk1"/>
+          </a:lnRef>
+          <a:fillRef idx="2">
+            <a:schemeClr val="dk1"/>
+          </a:fillRef>
+          <a:effectRef idx="1">
+            <a:schemeClr val="dk1"/>
+          </a:effectRef>
+          <a:fontRef idx="minor">
+            <a:schemeClr val="dk1"/>
+          </a:fontRef>
+        </p:style>
+        <p:txBody>
+          <a:bodyPr rtlCol="0" anchor="ctr"/>
+          <a:lstStyle/>
+          <a:p>
+            <a:pPr algn="ctr"/>
             <a:r>
               <a:rPr lang="pt-BR" dirty="0" smtClean="0"/>
-              <a:t>Projeto</a:t>
-            </a:r>
-          </a:p>
-          <a:p>
-            <a:pPr lvl="1"/>
+              <a:t>Salvar</a:t>
+            </a:r>
+            <a:endParaRPr lang="pt-BR" dirty="0"/>
+          </a:p>
+        </p:txBody>
+      </p:sp>
+      <p:sp>
+        <p:nvSpPr>
+          <p:cNvPr id="16" name="Retângulo 15"/>
+          <p:cNvSpPr/>
+          <p:nvPr/>
+        </p:nvSpPr>
+        <p:spPr>
+          <a:xfrm>
+            <a:off x="6350510" y="3212976"/>
+            <a:ext cx="2109922" cy="432048"/>
+          </a:xfrm>
+          <a:prstGeom prst="rect">
+            <a:avLst/>
+          </a:prstGeom>
+        </p:spPr>
+        <p:style>
+          <a:lnRef idx="2">
+            <a:schemeClr val="dk1"/>
+          </a:lnRef>
+          <a:fillRef idx="1">
+            <a:schemeClr val="lt1"/>
+          </a:fillRef>
+          <a:effectRef idx="0">
+            <a:schemeClr val="dk1"/>
+          </a:effectRef>
+          <a:fontRef idx="minor">
+            <a:schemeClr val="dk1"/>
+          </a:fontRef>
+        </p:style>
+        <p:txBody>
+          <a:bodyPr rtlCol="0" anchor="ctr"/>
+          <a:lstStyle/>
+          <a:p>
+            <a:pPr algn="ctr"/>
+            <a:endParaRPr lang="pt-BR"/>
+          </a:p>
+        </p:txBody>
+      </p:sp>
+      <p:sp>
+        <p:nvSpPr>
+          <p:cNvPr id="17" name="CaixaDeTexto 16"/>
+          <p:cNvSpPr txBox="1"/>
+          <p:nvPr/>
+        </p:nvSpPr>
+        <p:spPr>
+          <a:xfrm>
+            <a:off x="5169754" y="3253989"/>
+            <a:ext cx="1130438" cy="369332"/>
+          </a:xfrm>
+          <a:prstGeom prst="rect">
+            <a:avLst/>
+          </a:prstGeom>
+          <a:noFill/>
+        </p:spPr>
+        <p:txBody>
+          <a:bodyPr wrap="none" rtlCol="0">
+            <a:spAutoFit/>
+          </a:bodyPr>
+          <a:lstStyle/>
+          <a:p>
             <a:r>
               <a:rPr lang="pt-BR" dirty="0" smtClean="0"/>
-              <a:t>Tarefa</a:t>
-            </a:r>
-          </a:p>
-          <a:p>
-            <a:pPr lvl="1"/>
+              <a:t>Situação:</a:t>
+            </a:r>
+            <a:endParaRPr lang="pt-BR" dirty="0"/>
+          </a:p>
+        </p:txBody>
+      </p:sp>
+      <p:sp>
+        <p:nvSpPr>
+          <p:cNvPr id="18" name="Retângulo 17"/>
+          <p:cNvSpPr/>
+          <p:nvPr/>
+        </p:nvSpPr>
+        <p:spPr>
+          <a:xfrm>
+            <a:off x="7963690" y="3232287"/>
+            <a:ext cx="496742" cy="412737"/>
+          </a:xfrm>
+          <a:prstGeom prst="rect">
+            <a:avLst/>
+          </a:prstGeom>
+        </p:spPr>
+        <p:style>
+          <a:lnRef idx="2">
+            <a:schemeClr val="dk1"/>
+          </a:lnRef>
+          <a:fillRef idx="1">
+            <a:schemeClr val="lt1"/>
+          </a:fillRef>
+          <a:effectRef idx="0">
+            <a:schemeClr val="dk1"/>
+          </a:effectRef>
+          <a:fontRef idx="minor">
+            <a:schemeClr val="dk1"/>
+          </a:fontRef>
+        </p:style>
+        <p:txBody>
+          <a:bodyPr rtlCol="0" anchor="ctr"/>
+          <a:lstStyle/>
+          <a:p>
+            <a:pPr algn="ctr"/>
+            <a:endParaRPr lang="pt-BR"/>
+          </a:p>
+        </p:txBody>
+      </p:sp>
+      <p:sp>
+        <p:nvSpPr>
+          <p:cNvPr id="19" name="Fluxograma: Mesclar 18"/>
+          <p:cNvSpPr/>
+          <p:nvPr/>
+        </p:nvSpPr>
+        <p:spPr>
+          <a:xfrm>
+            <a:off x="8068045" y="3335471"/>
+            <a:ext cx="288032" cy="206368"/>
+          </a:xfrm>
+          <a:prstGeom prst="flowChartMerge">
+            <a:avLst/>
+          </a:prstGeom>
+        </p:spPr>
+        <p:style>
+          <a:lnRef idx="2">
+            <a:schemeClr val="dk1"/>
+          </a:lnRef>
+          <a:fillRef idx="1">
+            <a:schemeClr val="lt1"/>
+          </a:fillRef>
+          <a:effectRef idx="0">
+            <a:schemeClr val="dk1"/>
+          </a:effectRef>
+          <a:fontRef idx="minor">
+            <a:schemeClr val="dk1"/>
+          </a:fontRef>
+        </p:style>
+        <p:txBody>
+          <a:bodyPr rtlCol="0" anchor="ctr"/>
+          <a:lstStyle/>
+          <a:p>
+            <a:pPr algn="ctr"/>
+            <a:endParaRPr lang="pt-BR"/>
+          </a:p>
+        </p:txBody>
+      </p:sp>
+      <p:sp>
+        <p:nvSpPr>
+          <p:cNvPr id="20" name="CaixaDeTexto 19"/>
+          <p:cNvSpPr txBox="1"/>
+          <p:nvPr/>
+        </p:nvSpPr>
+        <p:spPr>
+          <a:xfrm>
+            <a:off x="6300192" y="620688"/>
+            <a:ext cx="2497151" cy="646331"/>
+          </a:xfrm>
+          <a:prstGeom prst="rect">
+            <a:avLst/>
+          </a:prstGeom>
+          <a:noFill/>
+        </p:spPr>
+        <p:txBody>
+          <a:bodyPr wrap="square" rtlCol="0">
+            <a:spAutoFit/>
+          </a:bodyPr>
+          <a:lstStyle/>
+          <a:p>
+            <a:r>
+              <a:rPr lang="pt-BR" b="1" dirty="0" smtClean="0"/>
+              <a:t>Situações</a:t>
+            </a:r>
             <a:r>
               <a:rPr lang="pt-BR" dirty="0" smtClean="0"/>
-              <a:t>Situação</a:t>
-            </a:r>
-          </a:p>
-          <a:p>
-            <a:pPr lvl="1"/>
+              <a:t>: a fazer, fazendo, pronto</a:t>
+            </a:r>
+            <a:r>
+              <a:rPr lang="pt-BR" b="1" dirty="0" smtClean="0"/>
+              <a:t>.</a:t>
+            </a:r>
             <a:endParaRPr lang="pt-BR" dirty="0"/>
           </a:p>
-          <a:p>
-            <a:r>
-              <a:rPr lang="pt-BR" b="1" dirty="0" err="1" smtClean="0">
-                <a:solidFill>
-                  <a:srgbClr val="0070C0"/>
-                </a:solidFill>
-              </a:rPr>
-              <a:t>Serializable</a:t>
-            </a:r>
-            <a:endParaRPr lang="pt-BR" b="1" dirty="0" smtClean="0">
-              <a:solidFill>
-                <a:srgbClr val="0070C0"/>
-              </a:solidFill>
-            </a:endParaRPr>
-          </a:p>
-          <a:p>
-            <a:pPr lvl="1"/>
+        </p:txBody>
+      </p:sp>
+      <p:graphicFrame>
+        <p:nvGraphicFramePr>
+          <p:cNvPr id="3" name="Tabela 2"/>
+          <p:cNvGraphicFramePr>
+            <a:graphicFrameLocks noGrp="1"/>
+          </p:cNvGraphicFramePr>
+          <p:nvPr>
+            <p:extLst>
+              <p:ext uri="{D42A27DB-BD31-4B8C-83A1-F6EECF244321}">
+                <p14:modId xmlns:p14="http://schemas.microsoft.com/office/powerpoint/2010/main" val="3876574966"/>
+              </p:ext>
+            </p:extLst>
+          </p:nvPr>
+        </p:nvGraphicFramePr>
+        <p:xfrm>
+          <a:off x="971598" y="3861048"/>
+          <a:ext cx="7488834" cy="741680"/>
+        </p:xfrm>
+        <a:graphic>
+          <a:graphicData uri="http://schemas.openxmlformats.org/drawingml/2006/table">
+            <a:tbl>
+              <a:tblPr firstRow="1" bandRow="1">
+                <a:tableStyleId>{5C22544A-7EE6-4342-B048-85BDC9FD1C3A}</a:tableStyleId>
+              </a:tblPr>
+              <a:tblGrid>
+                <a:gridCol w="3744417"/>
+                <a:gridCol w="3744417"/>
+              </a:tblGrid>
+              <a:tr h="370840">
+                <a:tc>
+                  <a:txBody>
+                    <a:bodyPr/>
+                    <a:lstStyle/>
+                    <a:p>
+                      <a:r>
+                        <a:rPr lang="pt-BR" dirty="0" smtClean="0"/>
+                        <a:t>Data de criação</a:t>
+                      </a:r>
+                      <a:endParaRPr lang="pt-BR" dirty="0"/>
+                    </a:p>
+                  </a:txBody>
+                  <a:tcPr/>
+                </a:tc>
+                <a:tc>
+                  <a:txBody>
+                    <a:bodyPr/>
+                    <a:lstStyle/>
+                    <a:p>
+                      <a:r>
+                        <a:rPr lang="pt-BR" dirty="0" smtClean="0"/>
+                        <a:t>Data de Fechamento</a:t>
+                      </a:r>
+                      <a:endParaRPr lang="pt-BR" dirty="0"/>
+                    </a:p>
+                  </a:txBody>
+                  <a:tcPr/>
+                </a:tc>
+              </a:tr>
+              <a:tr h="370840">
+                <a:tc>
+                  <a:txBody>
+                    <a:bodyPr/>
+                    <a:lstStyle/>
+                    <a:p>
+                      <a:endParaRPr lang="pt-BR" dirty="0"/>
+                    </a:p>
+                  </a:txBody>
+                  <a:tcPr/>
+                </a:tc>
+                <a:tc>
+                  <a:txBody>
+                    <a:bodyPr/>
+                    <a:lstStyle/>
+                    <a:p>
+                      <a:endParaRPr lang="pt-BR" dirty="0"/>
+                    </a:p>
+                  </a:txBody>
+                  <a:tcPr/>
+                </a:tc>
+              </a:tr>
+            </a:tbl>
+          </a:graphicData>
+        </a:graphic>
+      </p:graphicFrame>
+      <p:sp>
+        <p:nvSpPr>
+          <p:cNvPr id="23" name="Retângulo 22"/>
+          <p:cNvSpPr/>
+          <p:nvPr/>
+        </p:nvSpPr>
+        <p:spPr>
+          <a:xfrm>
+            <a:off x="2675531" y="3249262"/>
+            <a:ext cx="2016224" cy="432048"/>
+          </a:xfrm>
+          <a:prstGeom prst="rect">
+            <a:avLst/>
+          </a:prstGeom>
+        </p:spPr>
+        <p:style>
+          <a:lnRef idx="2">
+            <a:schemeClr val="dk1"/>
+          </a:lnRef>
+          <a:fillRef idx="1">
+            <a:schemeClr val="lt1"/>
+          </a:fillRef>
+          <a:effectRef idx="0">
+            <a:schemeClr val="dk1"/>
+          </a:effectRef>
+          <a:fontRef idx="minor">
+            <a:schemeClr val="dk1"/>
+          </a:fontRef>
+        </p:style>
+        <p:txBody>
+          <a:bodyPr rtlCol="0" anchor="ctr"/>
+          <a:lstStyle/>
+          <a:p>
+            <a:pPr algn="ctr"/>
+            <a:endParaRPr lang="pt-BR"/>
+          </a:p>
+        </p:txBody>
+      </p:sp>
+      <p:sp>
+        <p:nvSpPr>
+          <p:cNvPr id="24" name="CaixaDeTexto 23"/>
+          <p:cNvSpPr txBox="1"/>
+          <p:nvPr/>
+        </p:nvSpPr>
+        <p:spPr>
+          <a:xfrm>
+            <a:off x="1141673" y="3268573"/>
+            <a:ext cx="1487908" cy="369332"/>
+          </a:xfrm>
+          <a:prstGeom prst="rect">
+            <a:avLst/>
+          </a:prstGeom>
+          <a:noFill/>
+        </p:spPr>
+        <p:txBody>
+          <a:bodyPr wrap="none" rtlCol="0">
+            <a:spAutoFit/>
+          </a:bodyPr>
+          <a:lstStyle/>
+          <a:p>
             <a:r>
               <a:rPr lang="pt-BR" dirty="0" smtClean="0"/>
-              <a:t>Projeto</a:t>
-            </a:r>
-          </a:p>
-          <a:p>
-            <a:pPr lvl="1"/>
+              <a:t>Vencimento:</a:t>
+            </a:r>
+            <a:endParaRPr lang="pt-BR" dirty="0"/>
+          </a:p>
+        </p:txBody>
+      </p:sp>
+      <p:sp>
+        <p:nvSpPr>
+          <p:cNvPr id="9" name="CaixaDeTexto 8"/>
+          <p:cNvSpPr txBox="1"/>
+          <p:nvPr/>
+        </p:nvSpPr>
+        <p:spPr>
+          <a:xfrm>
+            <a:off x="971600" y="5589240"/>
+            <a:ext cx="4759636" cy="369332"/>
+          </a:xfrm>
+          <a:prstGeom prst="rect">
+            <a:avLst/>
+          </a:prstGeom>
+          <a:noFill/>
+        </p:spPr>
+        <p:txBody>
+          <a:bodyPr wrap="none" rtlCol="0">
+            <a:spAutoFit/>
+          </a:bodyPr>
+          <a:lstStyle/>
+          <a:p>
+            <a:r>
+              <a:rPr lang="pt-BR" b="1" dirty="0" smtClean="0"/>
+              <a:t>Data de criação </a:t>
+            </a:r>
             <a:r>
               <a:rPr lang="pt-BR" dirty="0" smtClean="0"/>
-              <a:t>Tarefa</a:t>
-            </a:r>
-          </a:p>
-          <a:p>
-            <a:pPr lvl="1"/>
+              <a:t>– automática quando cria.</a:t>
+            </a:r>
+            <a:endParaRPr lang="pt-BR" dirty="0"/>
+          </a:p>
+        </p:txBody>
+      </p:sp>
+      <p:sp>
+        <p:nvSpPr>
+          <p:cNvPr id="25" name="CaixaDeTexto 24"/>
+          <p:cNvSpPr txBox="1"/>
+          <p:nvPr/>
+        </p:nvSpPr>
+        <p:spPr>
+          <a:xfrm>
+            <a:off x="971600" y="5958572"/>
+            <a:ext cx="7271542" cy="369332"/>
+          </a:xfrm>
+          <a:prstGeom prst="rect">
+            <a:avLst/>
+          </a:prstGeom>
+          <a:noFill/>
+        </p:spPr>
+        <p:txBody>
+          <a:bodyPr wrap="none" rtlCol="0">
+            <a:spAutoFit/>
+          </a:bodyPr>
+          <a:lstStyle/>
+          <a:p>
+            <a:r>
+              <a:rPr lang="pt-BR" b="1" dirty="0" smtClean="0"/>
+              <a:t>Data de fechamento – </a:t>
+            </a:r>
             <a:r>
               <a:rPr lang="pt-BR" dirty="0" smtClean="0"/>
-              <a:t>Situação</a:t>
-            </a:r>
-            <a:endParaRPr lang="en-US" dirty="0"/>
+              <a:t>automática quando vai pra situação pronto.</a:t>
+            </a:r>
+            <a:endParaRPr lang="pt-BR" dirty="0"/>
+          </a:p>
+        </p:txBody>
+      </p:sp>
+      <p:sp>
+        <p:nvSpPr>
+          <p:cNvPr id="26" name="CaixaDeTexto 25"/>
+          <p:cNvSpPr txBox="1"/>
+          <p:nvPr/>
+        </p:nvSpPr>
+        <p:spPr>
+          <a:xfrm>
+            <a:off x="971600" y="6300028"/>
+            <a:ext cx="5960286" cy="369332"/>
+          </a:xfrm>
+          <a:prstGeom prst="rect">
+            <a:avLst/>
+          </a:prstGeom>
+          <a:noFill/>
+        </p:spPr>
+        <p:txBody>
+          <a:bodyPr wrap="none" rtlCol="0">
+            <a:spAutoFit/>
+          </a:bodyPr>
+          <a:lstStyle/>
+          <a:p>
+            <a:r>
+              <a:rPr lang="pt-BR" b="1" dirty="0" smtClean="0"/>
+              <a:t>Situação &lt;&gt; de fechado = </a:t>
+            </a:r>
+            <a:r>
+              <a:rPr lang="pt-BR" dirty="0" smtClean="0"/>
+              <a:t>data de fechamento é nula.</a:t>
+            </a:r>
+            <a:endParaRPr lang="pt-BR" dirty="0"/>
           </a:p>
         </p:txBody>
       </p:sp>
     </p:spTree>
+    <p:extLst>
+      <p:ext uri="{BB962C8B-B14F-4D97-AF65-F5344CB8AC3E}">
+        <p14:creationId xmlns:p14="http://schemas.microsoft.com/office/powerpoint/2010/main" val="1351672742"/>
+      </p:ext>
+    </p:extLst>
   </p:cSld>
   <p:clrMapOvr>
     <a:masterClrMapping/>
   </p:clrMapOvr>
-  <p:timing>
-    <p:tnLst>
-      <p:par>
-        <p:cTn id="1" dur="indefinite" restart="never" nodeType="tmRoot"/>
-      </p:par>
-    </p:tnLst>
-  </p:timing>
 </p:sld>
 </file>
 
